--- a/03 - Data Exploration, Analytical Formulation, and Baselines/formulation-and-baselines.pptx
+++ b/03 - Data Exploration, Analytical Formulation, and Baselines/formulation-and-baselines.pptx
@@ -5,15 +5,19 @@
     <p:sldMasterId id="2147483648" r:id="rId1"/>
   </p:sldMasterIdLst>
   <p:notesMasterIdLst>
-    <p:notesMasterId r:id="rId8"/>
+    <p:notesMasterId r:id="rId12"/>
   </p:notesMasterIdLst>
   <p:sldIdLst>
     <p:sldId id="256" r:id="rId2"/>
-    <p:sldId id="417" r:id="rId3"/>
-    <p:sldId id="424" r:id="rId4"/>
+    <p:sldId id="424" r:id="rId3"/>
+    <p:sldId id="430" r:id="rId4"/>
     <p:sldId id="425" r:id="rId5"/>
-    <p:sldId id="428" r:id="rId6"/>
-    <p:sldId id="427" r:id="rId7"/>
+    <p:sldId id="429" r:id="rId6"/>
+    <p:sldId id="428" r:id="rId7"/>
+    <p:sldId id="427" r:id="rId8"/>
+    <p:sldId id="432" r:id="rId9"/>
+    <p:sldId id="431" r:id="rId10"/>
+    <p:sldId id="433" r:id="rId11"/>
   </p:sldIdLst>
   <p:sldSz cx="12192000" cy="6858000"/>
   <p:notesSz cx="6858000" cy="9144000"/>
@@ -251,7 +255,7 @@
       <p15:sldGuideLst xmlns:p15="http://schemas.microsoft.com/office/powerpoint/2012/main"/>
     </p:ext>
     <p:ext uri="http://customooxmlschemas.google.com/">
-      <go:slidesCustomData xmlns:go="http://customooxmlschemas.google.com/" xmlns:p15="http://schemas.microsoft.com/office/powerpoint/2012/main" xmlns:p14="http://schemas.microsoft.com/office/powerpoint/2010/main" xmlns:com="http://schemas.openxmlformats.org/drawingml/2006/compatibility" xmlns:pvml="urn:schemas-microsoft-com:office:powerpoint" xmlns:v="urn:schemas-microsoft-com:vml" xmlns:o="urn:schemas-microsoft-com:office:office" xmlns:dgm="http://schemas.openxmlformats.org/drawingml/2006/diagram" xmlns:c="http://schemas.openxmlformats.org/drawingml/2006/chart" xmlns:mv="urn:schemas-microsoft-com:mac:vml" xmlns:mc="http://schemas.openxmlformats.org/markup-compatibility/2006" xmlns="" r:id="rId30" roundtripDataSignature="AMtx7mjFyVUGRZWio+dc9dxzYsimUxNJbg=="/>
+      <go:slidesCustomData xmlns="" xmlns:mc="http://schemas.openxmlformats.org/markup-compatibility/2006" xmlns:mv="urn:schemas-microsoft-com:mac:vml" xmlns:c="http://schemas.openxmlformats.org/drawingml/2006/chart" xmlns:dgm="http://schemas.openxmlformats.org/drawingml/2006/diagram" xmlns:o="urn:schemas-microsoft-com:office:office" xmlns:v="urn:schemas-microsoft-com:vml" xmlns:pvml="urn:schemas-microsoft-com:office:powerpoint" xmlns:com="http://schemas.openxmlformats.org/drawingml/2006/compatibility" xmlns:p14="http://schemas.microsoft.com/office/powerpoint/2010/main" xmlns:p15="http://schemas.microsoft.com/office/powerpoint/2012/main" xmlns:go="http://customooxmlschemas.google.com/" r:id="rId30" roundtripDataSignature="AMtx7mjFyVUGRZWio+dc9dxzYsimUxNJbg=="/>
     </p:ext>
   </p:extLst>
 </p:presentation>
@@ -3764,6 +3768,89 @@
 </p:sld>
 </file>
 
+<file path=ppt/slides/slide10.xml><?xml version="1.0" encoding="utf-8"?>
+<p:sld xmlns:a="http://schemas.openxmlformats.org/drawingml/2006/main" xmlns:r="http://schemas.openxmlformats.org/officeDocument/2006/relationships" xmlns:p="http://schemas.openxmlformats.org/presentationml/2006/main">
+  <p:cSld>
+    <p:spTree>
+      <p:nvGrpSpPr>
+        <p:cNvPr id="1" name=""/>
+        <p:cNvGrpSpPr/>
+        <p:nvPr/>
+      </p:nvGrpSpPr>
+      <p:grpSpPr>
+        <a:xfrm>
+          <a:off x="0" y="0"/>
+          <a:ext cx="0" cy="0"/>
+          <a:chOff x="0" y="0"/>
+          <a:chExt cx="0" cy="0"/>
+        </a:xfrm>
+      </p:grpSpPr>
+      <p:sp>
+        <p:nvSpPr>
+          <p:cNvPr id="2" name="Text Placeholder 1">
+            <a:extLst>
+              <a:ext uri="{FF2B5EF4-FFF2-40B4-BE49-F238E27FC236}">
+                <a16:creationId xmlns:a16="http://schemas.microsoft.com/office/drawing/2014/main" id="{853D6B69-44D2-D449-B9CE-63D5E2BFE8A0}"/>
+              </a:ext>
+            </a:extLst>
+          </p:cNvPr>
+          <p:cNvSpPr>
+            <a:spLocks noGrp="1"/>
+          </p:cNvSpPr>
+          <p:nvPr>
+            <p:ph type="body" idx="1"/>
+          </p:nvPr>
+        </p:nvSpPr>
+        <p:spPr/>
+        <p:txBody>
+          <a:bodyPr/>
+          <a:lstStyle/>
+          <a:p>
+            <a:endParaRPr lang="en-US"/>
+          </a:p>
+        </p:txBody>
+      </p:sp>
+      <p:sp>
+        <p:nvSpPr>
+          <p:cNvPr id="3" name="Title 2">
+            <a:extLst>
+              <a:ext uri="{FF2B5EF4-FFF2-40B4-BE49-F238E27FC236}">
+                <a16:creationId xmlns:a16="http://schemas.microsoft.com/office/drawing/2014/main" id="{D3765B02-360A-1F41-913A-E71E561203CC}"/>
+              </a:ext>
+            </a:extLst>
+          </p:cNvPr>
+          <p:cNvSpPr>
+            <a:spLocks noGrp="1"/>
+          </p:cNvSpPr>
+          <p:nvPr>
+            <p:ph type="title"/>
+          </p:nvPr>
+        </p:nvSpPr>
+        <p:spPr/>
+        <p:txBody>
+          <a:bodyPr/>
+          <a:lstStyle/>
+          <a:p>
+            <a:r>
+              <a:rPr lang="en-US" dirty="0"/>
+              <a:t>Baseline Examples</a:t>
+            </a:r>
+          </a:p>
+        </p:txBody>
+      </p:sp>
+    </p:spTree>
+    <p:extLst>
+      <p:ext uri="{BB962C8B-B14F-4D97-AF65-F5344CB8AC3E}">
+        <p14:creationId xmlns:p14="http://schemas.microsoft.com/office/powerpoint/2010/main" val="4120948450"/>
+      </p:ext>
+    </p:extLst>
+  </p:cSld>
+  <p:clrMapOvr>
+    <a:masterClrMapping/>
+  </p:clrMapOvr>
+</p:sld>
+</file>
+
 <file path=ppt/slides/slide2.xml><?xml version="1.0" encoding="utf-8"?>
 <p:sld xmlns:a="http://schemas.openxmlformats.org/drawingml/2006/main" xmlns:r="http://schemas.openxmlformats.org/officeDocument/2006/relationships" xmlns:p="http://schemas.openxmlformats.org/presentationml/2006/main">
   <p:cSld>
@@ -3783,7 +3870,13 @@
       </p:grpSpPr>
       <p:sp>
         <p:nvSpPr>
-          <p:cNvPr id="2" name="Content Placeholder 1"/>
+          <p:cNvPr id="2" name="Text Placeholder 1">
+            <a:extLst>
+              <a:ext uri="{FF2B5EF4-FFF2-40B4-BE49-F238E27FC236}">
+                <a16:creationId xmlns:a16="http://schemas.microsoft.com/office/drawing/2014/main" id="{4F90177E-EDBA-BC41-B606-574933A1A307}"/>
+              </a:ext>
+            </a:extLst>
+          </p:cNvPr>
           <p:cNvSpPr>
             <a:spLocks noGrp="1"/>
           </p:cNvSpPr>
@@ -3798,32 +3891,52 @@
           <a:p>
             <a:r>
               <a:rPr lang="en-US" dirty="0"/>
-              <a:t>Team Updates</a:t>
+              <a:t>Scoping defines the goals and approach at a high level, the </a:t>
             </a:r>
-          </a:p>
-          <a:p>
+            <a:r>
+              <a:rPr lang="en-US" b="1" dirty="0">
+                <a:solidFill>
+                  <a:srgbClr val="C00000"/>
+                </a:solidFill>
+              </a:rPr>
+              <a:t>analytical formulation </a:t>
+            </a:r>
             <a:r>
               <a:rPr lang="en-US" dirty="0"/>
-              <a:t>Finish up Pipelines</a:t>
+              <a:t>maps this scope to an ML problem and analytical approach</a:t>
             </a:r>
+            <a:br>
+              <a:rPr lang="en-US" dirty="0"/>
+            </a:br>
+            <a:endParaRPr lang="en-US" dirty="0"/>
           </a:p>
           <a:p>
             <a:r>
               <a:rPr lang="en-US" dirty="0"/>
-              <a:t>Analytical/ML Formulation</a:t>
+              <a:t>Should be as detailed and specific as possible, obvious how to code it up</a:t>
             </a:r>
+            <a:br>
+              <a:rPr lang="en-US" dirty="0"/>
+            </a:br>
+            <a:endParaRPr lang="en-US" dirty="0"/>
           </a:p>
           <a:p>
             <a:r>
               <a:rPr lang="en-US" dirty="0"/>
-              <a:t>Baselines</a:t>
+              <a:t>The analytical formulation should be guided by –– and map back to –– how the system you’re building will actually be deployed and used</a:t>
             </a:r>
           </a:p>
         </p:txBody>
       </p:sp>
       <p:sp>
         <p:nvSpPr>
-          <p:cNvPr id="3" name="Title 2"/>
+          <p:cNvPr id="3" name="Title 2">
+            <a:extLst>
+              <a:ext uri="{FF2B5EF4-FFF2-40B4-BE49-F238E27FC236}">
+                <a16:creationId xmlns:a16="http://schemas.microsoft.com/office/drawing/2014/main" id="{FC4F2F47-A164-2C41-A1CD-CFD1AFCBE708}"/>
+              </a:ext>
+            </a:extLst>
+          </p:cNvPr>
           <p:cNvSpPr>
             <a:spLocks noGrp="1"/>
           </p:cNvSpPr>
@@ -3831,23 +3944,14 @@
             <p:ph type="title"/>
           </p:nvPr>
         </p:nvSpPr>
-        <p:spPr>
-          <a:xfrm>
-            <a:off x="0" y="325028"/>
-            <a:ext cx="12192000" cy="1143000"/>
-          </a:xfrm>
-        </p:spPr>
+        <p:spPr/>
         <p:txBody>
           <a:bodyPr/>
           <a:lstStyle/>
           <a:p>
             <a:r>
-              <a:rPr lang="en-US" dirty="0">
-                <a:solidFill>
-                  <a:schemeClr val="bg1"/>
-                </a:solidFill>
-              </a:rPr>
-              <a:t>Things we will cover</a:t>
+              <a:rPr lang="en-US" dirty="0"/>
+              <a:t>Turning the project goals/scope into an ML problem</a:t>
             </a:r>
           </a:p>
         </p:txBody>
@@ -3855,7 +3959,7 @@
     </p:spTree>
     <p:extLst>
       <p:ext uri="{BB962C8B-B14F-4D97-AF65-F5344CB8AC3E}">
-        <p14:creationId xmlns:p14="http://schemas.microsoft.com/office/powerpoint/2010/main" val="2729631539"/>
+        <p14:creationId xmlns:p14="http://schemas.microsoft.com/office/powerpoint/2010/main" val="3562142687"/>
       </p:ext>
     </p:extLst>
   </p:cSld>
@@ -3905,13 +4009,37 @@
           <a:p>
             <a:r>
               <a:rPr lang="en-US" dirty="0"/>
-              <a:t>Example from readings</a:t>
+              <a:t>What type of analysis are you doing?</a:t>
             </a:r>
+            <a:br>
+              <a:rPr lang="en-US" dirty="0"/>
+            </a:br>
+            <a:endParaRPr lang="en-US" dirty="0"/>
           </a:p>
           <a:p>
             <a:r>
               <a:rPr lang="en-US" dirty="0"/>
-              <a:t>Class Projects</a:t>
+              <a:t>What are the relevant entities? How do you identify the cohort?</a:t>
+            </a:r>
+            <a:br>
+              <a:rPr lang="en-US" dirty="0"/>
+            </a:br>
+            <a:endParaRPr lang="en-US" dirty="0"/>
+          </a:p>
+          <a:p>
+            <a:r>
+              <a:rPr lang="en-US" dirty="0"/>
+              <a:t>How do you define the outcome/label that you care about?</a:t>
+            </a:r>
+            <a:br>
+              <a:rPr lang="en-US" dirty="0"/>
+            </a:br>
+            <a:endParaRPr lang="en-US" dirty="0"/>
+          </a:p>
+          <a:p>
+            <a:r>
+              <a:rPr lang="en-US" dirty="0"/>
+              <a:t>How far into the future are you trying to predict?</a:t>
             </a:r>
           </a:p>
         </p:txBody>
@@ -3939,7 +4067,7 @@
           <a:p>
             <a:r>
               <a:rPr lang="en-US" dirty="0"/>
-              <a:t>Turning the project goals/scope into an ML problem</a:t>
+              <a:t>Decisions we need to make</a:t>
             </a:r>
           </a:p>
         </p:txBody>
@@ -3947,7 +4075,7 @@
     </p:spTree>
     <p:extLst>
       <p:ext uri="{BB962C8B-B14F-4D97-AF65-F5344CB8AC3E}">
-        <p14:creationId xmlns:p14="http://schemas.microsoft.com/office/powerpoint/2010/main" val="3562142687"/>
+        <p14:creationId xmlns:p14="http://schemas.microsoft.com/office/powerpoint/2010/main" val="3163189124"/>
       </p:ext>
     </p:extLst>
   </p:cSld>
@@ -4055,7 +4183,7 @@
           <a:p>
             <a:r>
               <a:rPr lang="en-US" dirty="0"/>
-              <a:t>Decisions we need to make</a:t>
+              <a:t>Decisions we need to make: analytical approach</a:t>
             </a:r>
           </a:p>
         </p:txBody>
@@ -4095,6 +4223,126 @@
           <p:cNvPr id="2" name="Text Placeholder 1">
             <a:extLst>
               <a:ext uri="{FF2B5EF4-FFF2-40B4-BE49-F238E27FC236}">
+                <a16:creationId xmlns:a16="http://schemas.microsoft.com/office/drawing/2014/main" id="{1BF58D61-D951-4047-914F-96A26849E50A}"/>
+              </a:ext>
+            </a:extLst>
+          </p:cNvPr>
+          <p:cNvSpPr>
+            <a:spLocks noGrp="1"/>
+          </p:cNvSpPr>
+          <p:nvPr>
+            <p:ph type="body" idx="1"/>
+          </p:nvPr>
+        </p:nvSpPr>
+        <p:spPr/>
+        <p:txBody>
+          <a:bodyPr/>
+          <a:lstStyle/>
+          <a:p>
+            <a:r>
+              <a:rPr lang="en-US" dirty="0"/>
+              <a:t>Every entity that exists?</a:t>
+            </a:r>
+            <a:br>
+              <a:rPr lang="en-US" dirty="0"/>
+            </a:br>
+            <a:endParaRPr lang="en-US" dirty="0"/>
+          </a:p>
+          <a:p>
+            <a:r>
+              <a:rPr lang="en-US" dirty="0"/>
+              <a:t>“Active” entities?</a:t>
+            </a:r>
+            <a:br>
+              <a:rPr lang="en-US" dirty="0"/>
+            </a:br>
+            <a:endParaRPr lang="en-US" dirty="0"/>
+          </a:p>
+          <a:p>
+            <a:r>
+              <a:rPr lang="en-US" dirty="0"/>
+              <a:t>Event-based?</a:t>
+            </a:r>
+          </a:p>
+          <a:p>
+            <a:pPr lvl="1"/>
+            <a:r>
+              <a:rPr lang="en-US" dirty="0"/>
+              <a:t>Making predictions when the events occur?</a:t>
+            </a:r>
+          </a:p>
+          <a:p>
+            <a:pPr lvl="1"/>
+            <a:r>
+              <a:rPr lang="en-US" dirty="0"/>
+              <a:t>All entities that have had an event in a certain time window?</a:t>
+            </a:r>
+          </a:p>
+        </p:txBody>
+      </p:sp>
+      <p:sp>
+        <p:nvSpPr>
+          <p:cNvPr id="3" name="Title 2">
+            <a:extLst>
+              <a:ext uri="{FF2B5EF4-FFF2-40B4-BE49-F238E27FC236}">
+                <a16:creationId xmlns:a16="http://schemas.microsoft.com/office/drawing/2014/main" id="{18E00A3A-9C26-1B42-A62C-4DB46B741290}"/>
+              </a:ext>
+            </a:extLst>
+          </p:cNvPr>
+          <p:cNvSpPr>
+            <a:spLocks noGrp="1"/>
+          </p:cNvSpPr>
+          <p:nvPr>
+            <p:ph type="title"/>
+          </p:nvPr>
+        </p:nvSpPr>
+        <p:spPr/>
+        <p:txBody>
+          <a:bodyPr/>
+          <a:lstStyle/>
+          <a:p>
+            <a:r>
+              <a:rPr lang="en-US" dirty="0"/>
+              <a:t>Decisions we need to make: cohort definition</a:t>
+            </a:r>
+          </a:p>
+        </p:txBody>
+      </p:sp>
+    </p:spTree>
+    <p:extLst>
+      <p:ext uri="{BB962C8B-B14F-4D97-AF65-F5344CB8AC3E}">
+        <p14:creationId xmlns:p14="http://schemas.microsoft.com/office/powerpoint/2010/main" val="3823067349"/>
+      </p:ext>
+    </p:extLst>
+  </p:cSld>
+  <p:clrMapOvr>
+    <a:masterClrMapping/>
+  </p:clrMapOvr>
+</p:sld>
+</file>
+
+<file path=ppt/slides/slide6.xml><?xml version="1.0" encoding="utf-8"?>
+<p:sld xmlns:a="http://schemas.openxmlformats.org/drawingml/2006/main" xmlns:r="http://schemas.openxmlformats.org/officeDocument/2006/relationships" xmlns:p="http://schemas.openxmlformats.org/presentationml/2006/main">
+  <p:cSld>
+    <p:spTree>
+      <p:nvGrpSpPr>
+        <p:cNvPr id="1" name=""/>
+        <p:cNvGrpSpPr/>
+        <p:nvPr/>
+      </p:nvGrpSpPr>
+      <p:grpSpPr>
+        <a:xfrm>
+          <a:off x="0" y="0"/>
+          <a:ext cx="0" cy="0"/>
+          <a:chOff x="0" y="0"/>
+          <a:chExt cx="0" cy="0"/>
+        </a:xfrm>
+      </p:grpSpPr>
+      <p:sp>
+        <p:nvSpPr>
+          <p:cNvPr id="2" name="Text Placeholder 1">
+            <a:extLst>
+              <a:ext uri="{FF2B5EF4-FFF2-40B4-BE49-F238E27FC236}">
                 <a16:creationId xmlns:a16="http://schemas.microsoft.com/office/drawing/2014/main" id="{853D6B69-44D2-D449-B9CE-63D5E2BFE8A0}"/>
               </a:ext>
             </a:extLst>
@@ -4138,7 +4386,7 @@
           <a:p>
             <a:r>
               <a:rPr lang="en-US" dirty="0"/>
-              <a:t>Additional Decisions</a:t>
+              <a:t>Analytical Formulation Examples</a:t>
             </a:r>
           </a:p>
         </p:txBody>
@@ -4156,7 +4404,110 @@
 </p:sld>
 </file>
 
-<file path=ppt/slides/slide6.xml><?xml version="1.0" encoding="utf-8"?>
+<file path=ppt/slides/slide7.xml><?xml version="1.0" encoding="utf-8"?>
+<p:sld xmlns:a="http://schemas.openxmlformats.org/drawingml/2006/main" xmlns:r="http://schemas.openxmlformats.org/officeDocument/2006/relationships" xmlns:p="http://schemas.openxmlformats.org/presentationml/2006/main">
+  <p:cSld>
+    <p:spTree>
+      <p:nvGrpSpPr>
+        <p:cNvPr id="1" name=""/>
+        <p:cNvGrpSpPr/>
+        <p:nvPr/>
+      </p:nvGrpSpPr>
+      <p:grpSpPr>
+        <a:xfrm>
+          <a:off x="0" y="0"/>
+          <a:ext cx="0" cy="0"/>
+          <a:chOff x="0" y="0"/>
+          <a:chExt cx="0" cy="0"/>
+        </a:xfrm>
+      </p:grpSpPr>
+      <p:sp>
+        <p:nvSpPr>
+          <p:cNvPr id="2" name="Text Placeholder 1">
+            <a:extLst>
+              <a:ext uri="{FF2B5EF4-FFF2-40B4-BE49-F238E27FC236}">
+                <a16:creationId xmlns:a16="http://schemas.microsoft.com/office/drawing/2014/main" id="{16F0CF04-B42B-C044-ACCB-6C665E5B57C0}"/>
+              </a:ext>
+            </a:extLst>
+          </p:cNvPr>
+          <p:cNvSpPr>
+            <a:spLocks noGrp="1"/>
+          </p:cNvSpPr>
+          <p:nvPr>
+            <p:ph type="body" idx="1"/>
+          </p:nvPr>
+        </p:nvSpPr>
+        <p:spPr>
+          <a:xfrm>
+            <a:off x="268210" y="2360141"/>
+            <a:ext cx="11666400" cy="4182862"/>
+          </a:xfrm>
+        </p:spPr>
+        <p:txBody>
+          <a:bodyPr/>
+          <a:lstStyle/>
+          <a:p>
+            <a:pPr marL="114300" indent="0" algn="ctr">
+              <a:buNone/>
+            </a:pPr>
+            <a:r>
+              <a:rPr lang="en-US" sz="4800" dirty="0"/>
+              <a:t>What is the appropriate comparison </a:t>
+            </a:r>
+          </a:p>
+          <a:p>
+            <a:pPr marL="114300" indent="0" algn="ctr">
+              <a:buNone/>
+            </a:pPr>
+            <a:r>
+              <a:rPr lang="en-US" sz="4800" dirty="0"/>
+              <a:t>for your ML model?</a:t>
+            </a:r>
+          </a:p>
+        </p:txBody>
+      </p:sp>
+      <p:sp>
+        <p:nvSpPr>
+          <p:cNvPr id="3" name="Title 2">
+            <a:extLst>
+              <a:ext uri="{FF2B5EF4-FFF2-40B4-BE49-F238E27FC236}">
+                <a16:creationId xmlns:a16="http://schemas.microsoft.com/office/drawing/2014/main" id="{FC049B21-A440-624B-941A-2CE526530E5B}"/>
+              </a:ext>
+            </a:extLst>
+          </p:cNvPr>
+          <p:cNvSpPr>
+            <a:spLocks noGrp="1"/>
+          </p:cNvSpPr>
+          <p:nvPr>
+            <p:ph type="title"/>
+          </p:nvPr>
+        </p:nvSpPr>
+        <p:spPr/>
+        <p:txBody>
+          <a:bodyPr/>
+          <a:lstStyle/>
+          <a:p>
+            <a:r>
+              <a:rPr lang="en-US" dirty="0"/>
+              <a:t>Baselines</a:t>
+            </a:r>
+          </a:p>
+        </p:txBody>
+      </p:sp>
+    </p:spTree>
+    <p:extLst>
+      <p:ext uri="{BB962C8B-B14F-4D97-AF65-F5344CB8AC3E}">
+        <p14:creationId xmlns:p14="http://schemas.microsoft.com/office/powerpoint/2010/main" val="1335110213"/>
+      </p:ext>
+    </p:extLst>
+  </p:cSld>
+  <p:clrMapOvr>
+    <a:masterClrMapping/>
+  </p:clrMapOvr>
+</p:sld>
+</file>
+
+<file path=ppt/slides/slide8.xml><?xml version="1.0" encoding="utf-8"?>
 <p:sld xmlns:a="http://schemas.openxmlformats.org/drawingml/2006/main" xmlns:r="http://schemas.openxmlformats.org/officeDocument/2006/relationships" xmlns:p="http://schemas.openxmlformats.org/presentationml/2006/main">
   <p:cSld>
     <p:spTree>
@@ -4196,34 +4547,44 @@
           <a:p>
             <a:r>
               <a:rPr lang="en-US" dirty="0"/>
-              <a:t>Random</a:t>
-            </a:r>
-          </a:p>
-          <a:p>
-            <a:r>
-              <a:rPr lang="en-US" dirty="0"/>
               <a:t>Common Sense</a:t>
             </a:r>
+            <a:br>
+              <a:rPr lang="en-US" dirty="0"/>
+            </a:br>
+            <a:endParaRPr lang="en-US" dirty="0"/>
           </a:p>
           <a:p>
             <a:r>
               <a:rPr lang="en-US" dirty="0"/>
               <a:t>What they do today</a:t>
             </a:r>
+            <a:br>
+              <a:rPr lang="en-US" dirty="0"/>
+            </a:br>
+            <a:endParaRPr lang="en-US" dirty="0"/>
           </a:p>
           <a:p>
             <a:r>
               <a:rPr lang="en-US" dirty="0"/>
               <a:t>What they could do today easily</a:t>
             </a:r>
-          </a:p>
-          <a:p>
+            <a:br>
+              <a:rPr lang="en-US" dirty="0"/>
+            </a:br>
             <a:endParaRPr lang="en-US" dirty="0"/>
           </a:p>
           <a:p>
             <a:r>
               <a:rPr lang="en-US" dirty="0"/>
-              <a:t>How much better than baselines does our system need to be in order to deploy?	</a:t>
+              <a:t>Prior/Base Rate</a:t>
+            </a:r>
+          </a:p>
+          <a:p>
+            <a:pPr lvl="1"/>
+            <a:r>
+              <a:rPr lang="en-US" dirty="0"/>
+              <a:t>What expected value would you get if you just choose at random?</a:t>
             </a:r>
           </a:p>
         </p:txBody>
@@ -4251,7 +4612,7 @@
           <a:p>
             <a:r>
               <a:rPr lang="en-US" dirty="0"/>
-              <a:t>Baselines</a:t>
+              <a:t>Baseline Options</a:t>
             </a:r>
           </a:p>
         </p:txBody>
@@ -4259,7 +4620,130 @@
     </p:spTree>
     <p:extLst>
       <p:ext uri="{BB962C8B-B14F-4D97-AF65-F5344CB8AC3E}">
-        <p14:creationId xmlns:p14="http://schemas.microsoft.com/office/powerpoint/2010/main" val="1335110213"/>
+        <p14:creationId xmlns:p14="http://schemas.microsoft.com/office/powerpoint/2010/main" val="225707519"/>
+      </p:ext>
+    </p:extLst>
+  </p:cSld>
+  <p:clrMapOvr>
+    <a:masterClrMapping/>
+  </p:clrMapOvr>
+</p:sld>
+</file>
+
+<file path=ppt/slides/slide9.xml><?xml version="1.0" encoding="utf-8"?>
+<p:sld xmlns:a="http://schemas.openxmlformats.org/drawingml/2006/main" xmlns:r="http://schemas.openxmlformats.org/officeDocument/2006/relationships" xmlns:p="http://schemas.openxmlformats.org/presentationml/2006/main">
+  <p:cSld>
+    <p:spTree>
+      <p:nvGrpSpPr>
+        <p:cNvPr id="1" name=""/>
+        <p:cNvGrpSpPr/>
+        <p:nvPr/>
+      </p:nvGrpSpPr>
+      <p:grpSpPr>
+        <a:xfrm>
+          <a:off x="0" y="0"/>
+          <a:ext cx="0" cy="0"/>
+          <a:chOff x="0" y="0"/>
+          <a:chExt cx="0" cy="0"/>
+        </a:xfrm>
+      </p:grpSpPr>
+      <p:sp>
+        <p:nvSpPr>
+          <p:cNvPr id="2" name="Text Placeholder 1">
+            <a:extLst>
+              <a:ext uri="{FF2B5EF4-FFF2-40B4-BE49-F238E27FC236}">
+                <a16:creationId xmlns:a16="http://schemas.microsoft.com/office/drawing/2014/main" id="{16F0CF04-B42B-C044-ACCB-6C665E5B57C0}"/>
+              </a:ext>
+            </a:extLst>
+          </p:cNvPr>
+          <p:cNvSpPr>
+            <a:spLocks noGrp="1"/>
+          </p:cNvSpPr>
+          <p:nvPr>
+            <p:ph type="body" idx="1"/>
+          </p:nvPr>
+        </p:nvSpPr>
+        <p:spPr/>
+        <p:txBody>
+          <a:bodyPr/>
+          <a:lstStyle/>
+          <a:p>
+            <a:r>
+              <a:rPr lang="en-US" dirty="0"/>
+              <a:t>How much better than baselines does our system need to be in order to deploy?</a:t>
+            </a:r>
+            <a:br>
+              <a:rPr lang="en-US" dirty="0"/>
+            </a:br>
+            <a:endParaRPr lang="en-US" dirty="0"/>
+          </a:p>
+          <a:p>
+            <a:r>
+              <a:rPr lang="en-US" dirty="0"/>
+              <a:t>Important to compare performance against the base rate/prior, but rarely a “common sense” baseline</a:t>
+            </a:r>
+            <a:br>
+              <a:rPr lang="en-US" dirty="0"/>
+            </a:br>
+            <a:endParaRPr lang="en-US" dirty="0"/>
+          </a:p>
+          <a:p>
+            <a:r>
+              <a:rPr lang="en-US" dirty="0"/>
+              <a:t>Good baselines should provide an ordering to sort the entities</a:t>
+            </a:r>
+          </a:p>
+          <a:p>
+            <a:pPr lvl="1"/>
+            <a:r>
+              <a:rPr lang="en-US" dirty="0"/>
+              <a:t>Heuristic rules (or shallow decision trees) might reflect current practice, but can yield a small number of unique scores with lots of ties</a:t>
+            </a:r>
+            <a:br>
+              <a:rPr lang="en-US" dirty="0"/>
+            </a:br>
+            <a:endParaRPr lang="en-US" dirty="0"/>
+          </a:p>
+          <a:p>
+            <a:r>
+              <a:rPr lang="en-US" dirty="0"/>
+              <a:t>In may real world problems, a good baseline can be difficult to beat</a:t>
+            </a:r>
+          </a:p>
+        </p:txBody>
+      </p:sp>
+      <p:sp>
+        <p:nvSpPr>
+          <p:cNvPr id="3" name="Title 2">
+            <a:extLst>
+              <a:ext uri="{FF2B5EF4-FFF2-40B4-BE49-F238E27FC236}">
+                <a16:creationId xmlns:a16="http://schemas.microsoft.com/office/drawing/2014/main" id="{FC049B21-A440-624B-941A-2CE526530E5B}"/>
+              </a:ext>
+            </a:extLst>
+          </p:cNvPr>
+          <p:cNvSpPr>
+            <a:spLocks noGrp="1"/>
+          </p:cNvSpPr>
+          <p:nvPr>
+            <p:ph type="title"/>
+          </p:nvPr>
+        </p:nvSpPr>
+        <p:spPr/>
+        <p:txBody>
+          <a:bodyPr/>
+          <a:lstStyle/>
+          <a:p>
+            <a:r>
+              <a:rPr lang="en-US" dirty="0"/>
+              <a:t>Baseline Considerations</a:t>
+            </a:r>
+          </a:p>
+        </p:txBody>
+      </p:sp>
+    </p:spTree>
+    <p:extLst>
+      <p:ext uri="{BB962C8B-B14F-4D97-AF65-F5344CB8AC3E}">
+        <p14:creationId xmlns:p14="http://schemas.microsoft.com/office/powerpoint/2010/main" val="3480883044"/>
       </p:ext>
     </p:extLst>
   </p:cSld>

--- a/03 - Data Exploration, Analytical Formulation, and Baselines/formulation-and-baselines.pptx
+++ b/03 - Data Exploration, Analytical Formulation, and Baselines/formulation-and-baselines.pptx
@@ -5,19 +5,21 @@
     <p:sldMasterId id="2147483648" r:id="rId1"/>
   </p:sldMasterIdLst>
   <p:notesMasterIdLst>
-    <p:notesMasterId r:id="rId12"/>
+    <p:notesMasterId r:id="rId14"/>
   </p:notesMasterIdLst>
   <p:sldIdLst>
     <p:sldId id="256" r:id="rId2"/>
     <p:sldId id="424" r:id="rId3"/>
     <p:sldId id="430" r:id="rId4"/>
     <p:sldId id="425" r:id="rId5"/>
-    <p:sldId id="429" r:id="rId6"/>
-    <p:sldId id="428" r:id="rId7"/>
-    <p:sldId id="427" r:id="rId8"/>
-    <p:sldId id="432" r:id="rId9"/>
-    <p:sldId id="431" r:id="rId10"/>
-    <p:sldId id="433" r:id="rId11"/>
+    <p:sldId id="434" r:id="rId6"/>
+    <p:sldId id="429" r:id="rId7"/>
+    <p:sldId id="435" r:id="rId8"/>
+    <p:sldId id="428" r:id="rId9"/>
+    <p:sldId id="427" r:id="rId10"/>
+    <p:sldId id="432" r:id="rId11"/>
+    <p:sldId id="431" r:id="rId12"/>
+    <p:sldId id="433" r:id="rId13"/>
   </p:sldIdLst>
   <p:sldSz cx="12192000" cy="6858000"/>
   <p:notesSz cx="6858000" cy="9144000"/>
@@ -255,7 +257,7 @@
       <p15:sldGuideLst xmlns:p15="http://schemas.microsoft.com/office/powerpoint/2012/main"/>
     </p:ext>
     <p:ext uri="http://customooxmlschemas.google.com/">
-      <go:slidesCustomData xmlns="" xmlns:mc="http://schemas.openxmlformats.org/markup-compatibility/2006" xmlns:mv="urn:schemas-microsoft-com:mac:vml" xmlns:c="http://schemas.openxmlformats.org/drawingml/2006/chart" xmlns:dgm="http://schemas.openxmlformats.org/drawingml/2006/diagram" xmlns:o="urn:schemas-microsoft-com:office:office" xmlns:v="urn:schemas-microsoft-com:vml" xmlns:pvml="urn:schemas-microsoft-com:office:powerpoint" xmlns:com="http://schemas.openxmlformats.org/drawingml/2006/compatibility" xmlns:p14="http://schemas.microsoft.com/office/powerpoint/2010/main" xmlns:p15="http://schemas.microsoft.com/office/powerpoint/2012/main" xmlns:go="http://customooxmlschemas.google.com/" r:id="rId30" roundtripDataSignature="AMtx7mjFyVUGRZWio+dc9dxzYsimUxNJbg=="/>
+      <go:slidesCustomData xmlns:go="http://customooxmlschemas.google.com/" xmlns:p15="http://schemas.microsoft.com/office/powerpoint/2012/main" xmlns:p14="http://schemas.microsoft.com/office/powerpoint/2010/main" xmlns:com="http://schemas.openxmlformats.org/drawingml/2006/compatibility" xmlns:pvml="urn:schemas-microsoft-com:office:powerpoint" xmlns:v="urn:schemas-microsoft-com:vml" xmlns:o="urn:schemas-microsoft-com:office:office" xmlns:dgm="http://schemas.openxmlformats.org/drawingml/2006/diagram" xmlns:c="http://schemas.openxmlformats.org/drawingml/2006/chart" xmlns:mv="urn:schemas-microsoft-com:mac:vml" xmlns:mc="http://schemas.openxmlformats.org/markup-compatibility/2006" xmlns="" r:id="rId30" roundtripDataSignature="AMtx7mjFyVUGRZWio+dc9dxzYsimUxNJbg=="/>
     </p:ext>
   </p:extLst>
 </p:presentation>
@@ -3790,6 +3792,252 @@
           <p:cNvPr id="2" name="Text Placeholder 1">
             <a:extLst>
               <a:ext uri="{FF2B5EF4-FFF2-40B4-BE49-F238E27FC236}">
+                <a16:creationId xmlns:a16="http://schemas.microsoft.com/office/drawing/2014/main" id="{16F0CF04-B42B-C044-ACCB-6C665E5B57C0}"/>
+              </a:ext>
+            </a:extLst>
+          </p:cNvPr>
+          <p:cNvSpPr>
+            <a:spLocks noGrp="1"/>
+          </p:cNvSpPr>
+          <p:nvPr>
+            <p:ph type="body" idx="1"/>
+          </p:nvPr>
+        </p:nvSpPr>
+        <p:spPr/>
+        <p:txBody>
+          <a:bodyPr/>
+          <a:lstStyle/>
+          <a:p>
+            <a:r>
+              <a:rPr lang="en-US" dirty="0"/>
+              <a:t>Common Sense</a:t>
+            </a:r>
+            <a:br>
+              <a:rPr lang="en-US" dirty="0"/>
+            </a:br>
+            <a:endParaRPr lang="en-US" dirty="0"/>
+          </a:p>
+          <a:p>
+            <a:r>
+              <a:rPr lang="en-US" dirty="0"/>
+              <a:t>What they do today</a:t>
+            </a:r>
+            <a:br>
+              <a:rPr lang="en-US" dirty="0"/>
+            </a:br>
+            <a:endParaRPr lang="en-US" dirty="0"/>
+          </a:p>
+          <a:p>
+            <a:r>
+              <a:rPr lang="en-US" dirty="0"/>
+              <a:t>What they could do today easily (without any or very simple ML involved)</a:t>
+            </a:r>
+            <a:br>
+              <a:rPr lang="en-US" dirty="0"/>
+            </a:br>
+            <a:endParaRPr lang="en-US" dirty="0"/>
+          </a:p>
+          <a:p>
+            <a:r>
+              <a:rPr lang="en-US" dirty="0"/>
+              <a:t>Prior/Base Rate</a:t>
+            </a:r>
+          </a:p>
+          <a:p>
+            <a:pPr lvl="1"/>
+            <a:r>
+              <a:rPr lang="en-US" dirty="0"/>
+              <a:t>What expected value would you get if you just choose at random (based on the data distribution)?</a:t>
+            </a:r>
+          </a:p>
+        </p:txBody>
+      </p:sp>
+      <p:sp>
+        <p:nvSpPr>
+          <p:cNvPr id="3" name="Title 2">
+            <a:extLst>
+              <a:ext uri="{FF2B5EF4-FFF2-40B4-BE49-F238E27FC236}">
+                <a16:creationId xmlns:a16="http://schemas.microsoft.com/office/drawing/2014/main" id="{FC049B21-A440-624B-941A-2CE526530E5B}"/>
+              </a:ext>
+            </a:extLst>
+          </p:cNvPr>
+          <p:cNvSpPr>
+            <a:spLocks noGrp="1"/>
+          </p:cNvSpPr>
+          <p:nvPr>
+            <p:ph type="title"/>
+          </p:nvPr>
+        </p:nvSpPr>
+        <p:spPr/>
+        <p:txBody>
+          <a:bodyPr/>
+          <a:lstStyle/>
+          <a:p>
+            <a:r>
+              <a:rPr lang="en-US" dirty="0"/>
+              <a:t>Baseline Options</a:t>
+            </a:r>
+          </a:p>
+        </p:txBody>
+      </p:sp>
+    </p:spTree>
+    <p:extLst>
+      <p:ext uri="{BB962C8B-B14F-4D97-AF65-F5344CB8AC3E}">
+        <p14:creationId xmlns:p14="http://schemas.microsoft.com/office/powerpoint/2010/main" val="225707519"/>
+      </p:ext>
+    </p:extLst>
+  </p:cSld>
+  <p:clrMapOvr>
+    <a:masterClrMapping/>
+  </p:clrMapOvr>
+</p:sld>
+</file>
+
+<file path=ppt/slides/slide11.xml><?xml version="1.0" encoding="utf-8"?>
+<p:sld xmlns:a="http://schemas.openxmlformats.org/drawingml/2006/main" xmlns:r="http://schemas.openxmlformats.org/officeDocument/2006/relationships" xmlns:p="http://schemas.openxmlformats.org/presentationml/2006/main">
+  <p:cSld>
+    <p:spTree>
+      <p:nvGrpSpPr>
+        <p:cNvPr id="1" name=""/>
+        <p:cNvGrpSpPr/>
+        <p:nvPr/>
+      </p:nvGrpSpPr>
+      <p:grpSpPr>
+        <a:xfrm>
+          <a:off x="0" y="0"/>
+          <a:ext cx="0" cy="0"/>
+          <a:chOff x="0" y="0"/>
+          <a:chExt cx="0" cy="0"/>
+        </a:xfrm>
+      </p:grpSpPr>
+      <p:sp>
+        <p:nvSpPr>
+          <p:cNvPr id="2" name="Text Placeholder 1">
+            <a:extLst>
+              <a:ext uri="{FF2B5EF4-FFF2-40B4-BE49-F238E27FC236}">
+                <a16:creationId xmlns:a16="http://schemas.microsoft.com/office/drawing/2014/main" id="{16F0CF04-B42B-C044-ACCB-6C665E5B57C0}"/>
+              </a:ext>
+            </a:extLst>
+          </p:cNvPr>
+          <p:cNvSpPr>
+            <a:spLocks noGrp="1"/>
+          </p:cNvSpPr>
+          <p:nvPr>
+            <p:ph type="body" idx="1"/>
+          </p:nvPr>
+        </p:nvSpPr>
+        <p:spPr/>
+        <p:txBody>
+          <a:bodyPr/>
+          <a:lstStyle/>
+          <a:p>
+            <a:r>
+              <a:rPr lang="en-US" dirty="0"/>
+              <a:t>How much better than baselines does our system need to be in order to deploy?</a:t>
+            </a:r>
+            <a:br>
+              <a:rPr lang="en-US" dirty="0"/>
+            </a:br>
+            <a:endParaRPr lang="en-US" dirty="0"/>
+          </a:p>
+          <a:p>
+            <a:r>
+              <a:rPr lang="en-US" dirty="0"/>
+              <a:t>Important to compare performance against the base rate/prior, but rarely a “common sense” baseline</a:t>
+            </a:r>
+            <a:br>
+              <a:rPr lang="en-US" dirty="0"/>
+            </a:br>
+            <a:endParaRPr lang="en-US" dirty="0"/>
+          </a:p>
+          <a:p>
+            <a:r>
+              <a:rPr lang="en-US" dirty="0"/>
+              <a:t>Good baselines should provide an ordering to sort the entities</a:t>
+            </a:r>
+          </a:p>
+          <a:p>
+            <a:pPr lvl="1"/>
+            <a:r>
+              <a:rPr lang="en-US" dirty="0"/>
+              <a:t>Heuristic rules (or shallow decision trees) might reflect current practice, but can yield a small number of unique scores with lots of ties</a:t>
+            </a:r>
+            <a:br>
+              <a:rPr lang="en-US" dirty="0"/>
+            </a:br>
+            <a:endParaRPr lang="en-US" dirty="0"/>
+          </a:p>
+          <a:p>
+            <a:r>
+              <a:rPr lang="en-US" dirty="0"/>
+              <a:t>In may real world problems, a good baseline can be difficult to beat</a:t>
+            </a:r>
+          </a:p>
+        </p:txBody>
+      </p:sp>
+      <p:sp>
+        <p:nvSpPr>
+          <p:cNvPr id="3" name="Title 2">
+            <a:extLst>
+              <a:ext uri="{FF2B5EF4-FFF2-40B4-BE49-F238E27FC236}">
+                <a16:creationId xmlns:a16="http://schemas.microsoft.com/office/drawing/2014/main" id="{FC049B21-A440-624B-941A-2CE526530E5B}"/>
+              </a:ext>
+            </a:extLst>
+          </p:cNvPr>
+          <p:cNvSpPr>
+            <a:spLocks noGrp="1"/>
+          </p:cNvSpPr>
+          <p:nvPr>
+            <p:ph type="title"/>
+          </p:nvPr>
+        </p:nvSpPr>
+        <p:spPr/>
+        <p:txBody>
+          <a:bodyPr/>
+          <a:lstStyle/>
+          <a:p>
+            <a:r>
+              <a:rPr lang="en-US" dirty="0"/>
+              <a:t>Baseline Considerations</a:t>
+            </a:r>
+          </a:p>
+        </p:txBody>
+      </p:sp>
+    </p:spTree>
+    <p:extLst>
+      <p:ext uri="{BB962C8B-B14F-4D97-AF65-F5344CB8AC3E}">
+        <p14:creationId xmlns:p14="http://schemas.microsoft.com/office/powerpoint/2010/main" val="3480883044"/>
+      </p:ext>
+    </p:extLst>
+  </p:cSld>
+  <p:clrMapOvr>
+    <a:masterClrMapping/>
+  </p:clrMapOvr>
+</p:sld>
+</file>
+
+<file path=ppt/slides/slide12.xml><?xml version="1.0" encoding="utf-8"?>
+<p:sld xmlns:a="http://schemas.openxmlformats.org/drawingml/2006/main" xmlns:r="http://schemas.openxmlformats.org/officeDocument/2006/relationships" xmlns:p="http://schemas.openxmlformats.org/presentationml/2006/main">
+  <p:cSld>
+    <p:spTree>
+      <p:nvGrpSpPr>
+        <p:cNvPr id="1" name=""/>
+        <p:cNvGrpSpPr/>
+        <p:nvPr/>
+      </p:nvGrpSpPr>
+      <p:grpSpPr>
+        <a:xfrm>
+          <a:off x="0" y="0"/>
+          <a:ext cx="0" cy="0"/>
+          <a:chOff x="0" y="0"/>
+          <a:chExt cx="0" cy="0"/>
+        </a:xfrm>
+      </p:grpSpPr>
+      <p:sp>
+        <p:nvSpPr>
+          <p:cNvPr id="2" name="Text Placeholder 1">
+            <a:extLst>
+              <a:ext uri="{FF2B5EF4-FFF2-40B4-BE49-F238E27FC236}">
                 <a16:creationId xmlns:a16="http://schemas.microsoft.com/office/drawing/2014/main" id="{853D6B69-44D2-D449-B9CE-63D5E2BFE8A0}"/>
               </a:ext>
             </a:extLst>
@@ -3801,7 +4049,12 @@
             <p:ph type="body" idx="1"/>
           </p:nvPr>
         </p:nvSpPr>
-        <p:spPr/>
+        <p:spPr>
+          <a:xfrm>
+            <a:off x="268210" y="1600078"/>
+            <a:ext cx="11666400" cy="4954500"/>
+          </a:xfrm>
+        </p:spPr>
         <p:txBody>
           <a:bodyPr/>
           <a:lstStyle/>
@@ -4016,32 +4269,6 @@
             </a:br>
             <a:endParaRPr lang="en-US" dirty="0"/>
           </a:p>
-          <a:p>
-            <a:r>
-              <a:rPr lang="en-US" dirty="0"/>
-              <a:t>What are the relevant entities? How do you identify the cohort?</a:t>
-            </a:r>
-            <a:br>
-              <a:rPr lang="en-US" dirty="0"/>
-            </a:br>
-            <a:endParaRPr lang="en-US" dirty="0"/>
-          </a:p>
-          <a:p>
-            <a:r>
-              <a:rPr lang="en-US" dirty="0"/>
-              <a:t>How do you define the outcome/label that you care about?</a:t>
-            </a:r>
-            <a:br>
-              <a:rPr lang="en-US" dirty="0"/>
-            </a:br>
-            <a:endParaRPr lang="en-US" dirty="0"/>
-          </a:p>
-          <a:p>
-            <a:r>
-              <a:rPr lang="en-US" dirty="0"/>
-              <a:t>How far into the future are you trying to predict?</a:t>
-            </a:r>
-          </a:p>
         </p:txBody>
       </p:sp>
       <p:sp>
@@ -4223,6 +4450,108 @@
           <p:cNvPr id="2" name="Text Placeholder 1">
             <a:extLst>
               <a:ext uri="{FF2B5EF4-FFF2-40B4-BE49-F238E27FC236}">
+                <a16:creationId xmlns:a16="http://schemas.microsoft.com/office/drawing/2014/main" id="{4F90177E-EDBA-BC41-B606-574933A1A307}"/>
+              </a:ext>
+            </a:extLst>
+          </p:cNvPr>
+          <p:cNvSpPr>
+            <a:spLocks noGrp="1"/>
+          </p:cNvSpPr>
+          <p:nvPr>
+            <p:ph type="body" idx="1"/>
+          </p:nvPr>
+        </p:nvSpPr>
+        <p:spPr/>
+        <p:txBody>
+          <a:bodyPr/>
+          <a:lstStyle/>
+          <a:p>
+            <a:r>
+              <a:rPr lang="en-US" dirty="0"/>
+              <a:t>What type of analysis are you doing?</a:t>
+            </a:r>
+          </a:p>
+          <a:p>
+            <a:endParaRPr lang="en-US" dirty="0"/>
+          </a:p>
+          <a:p>
+            <a:r>
+              <a:rPr lang="en-US" dirty="0"/>
+              <a:t>What are the relevant entities? How do you identify the cohort?</a:t>
+            </a:r>
+            <a:br>
+              <a:rPr lang="en-US" dirty="0"/>
+            </a:br>
+            <a:br>
+              <a:rPr lang="en-US" dirty="0"/>
+            </a:br>
+            <a:endParaRPr lang="en-US" dirty="0"/>
+          </a:p>
+        </p:txBody>
+      </p:sp>
+      <p:sp>
+        <p:nvSpPr>
+          <p:cNvPr id="3" name="Title 2">
+            <a:extLst>
+              <a:ext uri="{FF2B5EF4-FFF2-40B4-BE49-F238E27FC236}">
+                <a16:creationId xmlns:a16="http://schemas.microsoft.com/office/drawing/2014/main" id="{FC4F2F47-A164-2C41-A1CD-CFD1AFCBE708}"/>
+              </a:ext>
+            </a:extLst>
+          </p:cNvPr>
+          <p:cNvSpPr>
+            <a:spLocks noGrp="1"/>
+          </p:cNvSpPr>
+          <p:nvPr>
+            <p:ph type="title"/>
+          </p:nvPr>
+        </p:nvSpPr>
+        <p:spPr/>
+        <p:txBody>
+          <a:bodyPr/>
+          <a:lstStyle/>
+          <a:p>
+            <a:r>
+              <a:rPr lang="en-US" dirty="0"/>
+              <a:t>Decisions we need to make</a:t>
+            </a:r>
+          </a:p>
+        </p:txBody>
+      </p:sp>
+    </p:spTree>
+    <p:extLst>
+      <p:ext uri="{BB962C8B-B14F-4D97-AF65-F5344CB8AC3E}">
+        <p14:creationId xmlns:p14="http://schemas.microsoft.com/office/powerpoint/2010/main" val="2244128218"/>
+      </p:ext>
+    </p:extLst>
+  </p:cSld>
+  <p:clrMapOvr>
+    <a:masterClrMapping/>
+  </p:clrMapOvr>
+</p:sld>
+</file>
+
+<file path=ppt/slides/slide6.xml><?xml version="1.0" encoding="utf-8"?>
+<p:sld xmlns:a="http://schemas.openxmlformats.org/drawingml/2006/main" xmlns:r="http://schemas.openxmlformats.org/officeDocument/2006/relationships" xmlns:p="http://schemas.openxmlformats.org/presentationml/2006/main">
+  <p:cSld>
+    <p:spTree>
+      <p:nvGrpSpPr>
+        <p:cNvPr id="1" name=""/>
+        <p:cNvGrpSpPr/>
+        <p:nvPr/>
+      </p:nvGrpSpPr>
+      <p:grpSpPr>
+        <a:xfrm>
+          <a:off x="0" y="0"/>
+          <a:ext cx="0" cy="0"/>
+          <a:chOff x="0" y="0"/>
+          <a:chExt cx="0" cy="0"/>
+        </a:xfrm>
+      </p:grpSpPr>
+      <p:sp>
+        <p:nvSpPr>
+          <p:cNvPr id="2" name="Text Placeholder 1">
+            <a:extLst>
+              <a:ext uri="{FF2B5EF4-FFF2-40B4-BE49-F238E27FC236}">
                 <a16:creationId xmlns:a16="http://schemas.microsoft.com/office/drawing/2014/main" id="{1BF58D61-D951-4047-914F-96A26849E50A}"/>
               </a:ext>
             </a:extLst>
@@ -4321,7 +4650,136 @@
 </p:sld>
 </file>
 
-<file path=ppt/slides/slide6.xml><?xml version="1.0" encoding="utf-8"?>
+<file path=ppt/slides/slide7.xml><?xml version="1.0" encoding="utf-8"?>
+<p:sld xmlns:a="http://schemas.openxmlformats.org/drawingml/2006/main" xmlns:r="http://schemas.openxmlformats.org/officeDocument/2006/relationships" xmlns:p="http://schemas.openxmlformats.org/presentationml/2006/main">
+  <p:cSld>
+    <p:spTree>
+      <p:nvGrpSpPr>
+        <p:cNvPr id="1" name=""/>
+        <p:cNvGrpSpPr/>
+        <p:nvPr/>
+      </p:nvGrpSpPr>
+      <p:grpSpPr>
+        <a:xfrm>
+          <a:off x="0" y="0"/>
+          <a:ext cx="0" cy="0"/>
+          <a:chOff x="0" y="0"/>
+          <a:chExt cx="0" cy="0"/>
+        </a:xfrm>
+      </p:grpSpPr>
+      <p:sp>
+        <p:nvSpPr>
+          <p:cNvPr id="2" name="Text Placeholder 1">
+            <a:extLst>
+              <a:ext uri="{FF2B5EF4-FFF2-40B4-BE49-F238E27FC236}">
+                <a16:creationId xmlns:a16="http://schemas.microsoft.com/office/drawing/2014/main" id="{4F90177E-EDBA-BC41-B606-574933A1A307}"/>
+              </a:ext>
+            </a:extLst>
+          </p:cNvPr>
+          <p:cNvSpPr>
+            <a:spLocks noGrp="1"/>
+          </p:cNvSpPr>
+          <p:nvPr>
+            <p:ph type="body" idx="1"/>
+          </p:nvPr>
+        </p:nvSpPr>
+        <p:spPr/>
+        <p:txBody>
+          <a:bodyPr/>
+          <a:lstStyle/>
+          <a:p>
+            <a:r>
+              <a:rPr lang="en-US" dirty="0"/>
+              <a:t>What type of analysis are you doing?</a:t>
+            </a:r>
+          </a:p>
+          <a:p>
+            <a:endParaRPr lang="en-US" dirty="0"/>
+          </a:p>
+          <a:p>
+            <a:r>
+              <a:rPr lang="en-US" dirty="0"/>
+              <a:t>What are the relevant entities? How do you identify the cohort?</a:t>
+            </a:r>
+          </a:p>
+          <a:p>
+            <a:pPr marL="114300" indent="0">
+              <a:buNone/>
+            </a:pPr>
+            <a:endParaRPr lang="en-US" dirty="0"/>
+          </a:p>
+          <a:p>
+            <a:r>
+              <a:rPr lang="en-US" dirty="0"/>
+              <a:t>How do you define the outcome/label that you care about?</a:t>
+            </a:r>
+            <a:br>
+              <a:rPr lang="en-US" dirty="0"/>
+            </a:br>
+            <a:endParaRPr lang="en-US" dirty="0"/>
+          </a:p>
+          <a:p>
+            <a:r>
+              <a:rPr lang="en-US" dirty="0"/>
+              <a:t>How far into the future are you trying to predict?</a:t>
+            </a:r>
+          </a:p>
+          <a:p>
+            <a:pPr marL="114300" indent="0">
+              <a:buNone/>
+            </a:pPr>
+            <a:br>
+              <a:rPr lang="en-US" dirty="0"/>
+            </a:br>
+            <a:br>
+              <a:rPr lang="en-US" dirty="0"/>
+            </a:br>
+            <a:endParaRPr lang="en-US" dirty="0"/>
+          </a:p>
+        </p:txBody>
+      </p:sp>
+      <p:sp>
+        <p:nvSpPr>
+          <p:cNvPr id="3" name="Title 2">
+            <a:extLst>
+              <a:ext uri="{FF2B5EF4-FFF2-40B4-BE49-F238E27FC236}">
+                <a16:creationId xmlns:a16="http://schemas.microsoft.com/office/drawing/2014/main" id="{FC4F2F47-A164-2C41-A1CD-CFD1AFCBE708}"/>
+              </a:ext>
+            </a:extLst>
+          </p:cNvPr>
+          <p:cNvSpPr>
+            <a:spLocks noGrp="1"/>
+          </p:cNvSpPr>
+          <p:nvPr>
+            <p:ph type="title"/>
+          </p:nvPr>
+        </p:nvSpPr>
+        <p:spPr/>
+        <p:txBody>
+          <a:bodyPr/>
+          <a:lstStyle/>
+          <a:p>
+            <a:r>
+              <a:rPr lang="en-US" dirty="0"/>
+              <a:t>Decisions we need to make</a:t>
+            </a:r>
+          </a:p>
+        </p:txBody>
+      </p:sp>
+    </p:spTree>
+    <p:extLst>
+      <p:ext uri="{BB962C8B-B14F-4D97-AF65-F5344CB8AC3E}">
+        <p14:creationId xmlns:p14="http://schemas.microsoft.com/office/powerpoint/2010/main" val="140988996"/>
+      </p:ext>
+    </p:extLst>
+  </p:cSld>
+  <p:clrMapOvr>
+    <a:masterClrMapping/>
+  </p:clrMapOvr>
+</p:sld>
+</file>
+
+<file path=ppt/slides/slide8.xml><?xml version="1.0" encoding="utf-8"?>
 <p:sld xmlns:a="http://schemas.openxmlformats.org/drawingml/2006/main" xmlns:r="http://schemas.openxmlformats.org/officeDocument/2006/relationships" xmlns:p="http://schemas.openxmlformats.org/presentationml/2006/main">
   <p:cSld>
     <p:spTree>
@@ -4395,232 +4853,6 @@
     <p:extLst>
       <p:ext uri="{BB962C8B-B14F-4D97-AF65-F5344CB8AC3E}">
         <p14:creationId xmlns:p14="http://schemas.microsoft.com/office/powerpoint/2010/main" val="821576765"/>
-      </p:ext>
-    </p:extLst>
-  </p:cSld>
-  <p:clrMapOvr>
-    <a:masterClrMapping/>
-  </p:clrMapOvr>
-</p:sld>
-</file>
-
-<file path=ppt/slides/slide7.xml><?xml version="1.0" encoding="utf-8"?>
-<p:sld xmlns:a="http://schemas.openxmlformats.org/drawingml/2006/main" xmlns:r="http://schemas.openxmlformats.org/officeDocument/2006/relationships" xmlns:p="http://schemas.openxmlformats.org/presentationml/2006/main">
-  <p:cSld>
-    <p:spTree>
-      <p:nvGrpSpPr>
-        <p:cNvPr id="1" name=""/>
-        <p:cNvGrpSpPr/>
-        <p:nvPr/>
-      </p:nvGrpSpPr>
-      <p:grpSpPr>
-        <a:xfrm>
-          <a:off x="0" y="0"/>
-          <a:ext cx="0" cy="0"/>
-          <a:chOff x="0" y="0"/>
-          <a:chExt cx="0" cy="0"/>
-        </a:xfrm>
-      </p:grpSpPr>
-      <p:sp>
-        <p:nvSpPr>
-          <p:cNvPr id="2" name="Text Placeholder 1">
-            <a:extLst>
-              <a:ext uri="{FF2B5EF4-FFF2-40B4-BE49-F238E27FC236}">
-                <a16:creationId xmlns:a16="http://schemas.microsoft.com/office/drawing/2014/main" id="{16F0CF04-B42B-C044-ACCB-6C665E5B57C0}"/>
-              </a:ext>
-            </a:extLst>
-          </p:cNvPr>
-          <p:cNvSpPr>
-            <a:spLocks noGrp="1"/>
-          </p:cNvSpPr>
-          <p:nvPr>
-            <p:ph type="body" idx="1"/>
-          </p:nvPr>
-        </p:nvSpPr>
-        <p:spPr>
-          <a:xfrm>
-            <a:off x="268210" y="2360141"/>
-            <a:ext cx="11666400" cy="4182862"/>
-          </a:xfrm>
-        </p:spPr>
-        <p:txBody>
-          <a:bodyPr/>
-          <a:lstStyle/>
-          <a:p>
-            <a:pPr marL="114300" indent="0" algn="ctr">
-              <a:buNone/>
-            </a:pPr>
-            <a:r>
-              <a:rPr lang="en-US" sz="4800" dirty="0"/>
-              <a:t>What is the appropriate comparison </a:t>
-            </a:r>
-          </a:p>
-          <a:p>
-            <a:pPr marL="114300" indent="0" algn="ctr">
-              <a:buNone/>
-            </a:pPr>
-            <a:r>
-              <a:rPr lang="en-US" sz="4800" dirty="0"/>
-              <a:t>for your ML model?</a:t>
-            </a:r>
-          </a:p>
-        </p:txBody>
-      </p:sp>
-      <p:sp>
-        <p:nvSpPr>
-          <p:cNvPr id="3" name="Title 2">
-            <a:extLst>
-              <a:ext uri="{FF2B5EF4-FFF2-40B4-BE49-F238E27FC236}">
-                <a16:creationId xmlns:a16="http://schemas.microsoft.com/office/drawing/2014/main" id="{FC049B21-A440-624B-941A-2CE526530E5B}"/>
-              </a:ext>
-            </a:extLst>
-          </p:cNvPr>
-          <p:cNvSpPr>
-            <a:spLocks noGrp="1"/>
-          </p:cNvSpPr>
-          <p:nvPr>
-            <p:ph type="title"/>
-          </p:nvPr>
-        </p:nvSpPr>
-        <p:spPr/>
-        <p:txBody>
-          <a:bodyPr/>
-          <a:lstStyle/>
-          <a:p>
-            <a:r>
-              <a:rPr lang="en-US" dirty="0"/>
-              <a:t>Baselines</a:t>
-            </a:r>
-          </a:p>
-        </p:txBody>
-      </p:sp>
-    </p:spTree>
-    <p:extLst>
-      <p:ext uri="{BB962C8B-B14F-4D97-AF65-F5344CB8AC3E}">
-        <p14:creationId xmlns:p14="http://schemas.microsoft.com/office/powerpoint/2010/main" val="1335110213"/>
-      </p:ext>
-    </p:extLst>
-  </p:cSld>
-  <p:clrMapOvr>
-    <a:masterClrMapping/>
-  </p:clrMapOvr>
-</p:sld>
-</file>
-
-<file path=ppt/slides/slide8.xml><?xml version="1.0" encoding="utf-8"?>
-<p:sld xmlns:a="http://schemas.openxmlformats.org/drawingml/2006/main" xmlns:r="http://schemas.openxmlformats.org/officeDocument/2006/relationships" xmlns:p="http://schemas.openxmlformats.org/presentationml/2006/main">
-  <p:cSld>
-    <p:spTree>
-      <p:nvGrpSpPr>
-        <p:cNvPr id="1" name=""/>
-        <p:cNvGrpSpPr/>
-        <p:nvPr/>
-      </p:nvGrpSpPr>
-      <p:grpSpPr>
-        <a:xfrm>
-          <a:off x="0" y="0"/>
-          <a:ext cx="0" cy="0"/>
-          <a:chOff x="0" y="0"/>
-          <a:chExt cx="0" cy="0"/>
-        </a:xfrm>
-      </p:grpSpPr>
-      <p:sp>
-        <p:nvSpPr>
-          <p:cNvPr id="2" name="Text Placeholder 1">
-            <a:extLst>
-              <a:ext uri="{FF2B5EF4-FFF2-40B4-BE49-F238E27FC236}">
-                <a16:creationId xmlns:a16="http://schemas.microsoft.com/office/drawing/2014/main" id="{16F0CF04-B42B-C044-ACCB-6C665E5B57C0}"/>
-              </a:ext>
-            </a:extLst>
-          </p:cNvPr>
-          <p:cNvSpPr>
-            <a:spLocks noGrp="1"/>
-          </p:cNvSpPr>
-          <p:nvPr>
-            <p:ph type="body" idx="1"/>
-          </p:nvPr>
-        </p:nvSpPr>
-        <p:spPr/>
-        <p:txBody>
-          <a:bodyPr/>
-          <a:lstStyle/>
-          <a:p>
-            <a:r>
-              <a:rPr lang="en-US" dirty="0"/>
-              <a:t>Common Sense</a:t>
-            </a:r>
-            <a:br>
-              <a:rPr lang="en-US" dirty="0"/>
-            </a:br>
-            <a:endParaRPr lang="en-US" dirty="0"/>
-          </a:p>
-          <a:p>
-            <a:r>
-              <a:rPr lang="en-US" dirty="0"/>
-              <a:t>What they do today</a:t>
-            </a:r>
-            <a:br>
-              <a:rPr lang="en-US" dirty="0"/>
-            </a:br>
-            <a:endParaRPr lang="en-US" dirty="0"/>
-          </a:p>
-          <a:p>
-            <a:r>
-              <a:rPr lang="en-US" dirty="0"/>
-              <a:t>What they could do today easily</a:t>
-            </a:r>
-            <a:br>
-              <a:rPr lang="en-US" dirty="0"/>
-            </a:br>
-            <a:endParaRPr lang="en-US" dirty="0"/>
-          </a:p>
-          <a:p>
-            <a:r>
-              <a:rPr lang="en-US" dirty="0"/>
-              <a:t>Prior/Base Rate</a:t>
-            </a:r>
-          </a:p>
-          <a:p>
-            <a:pPr lvl="1"/>
-            <a:r>
-              <a:rPr lang="en-US" dirty="0"/>
-              <a:t>What expected value would you get if you just choose at random?</a:t>
-            </a:r>
-          </a:p>
-        </p:txBody>
-      </p:sp>
-      <p:sp>
-        <p:nvSpPr>
-          <p:cNvPr id="3" name="Title 2">
-            <a:extLst>
-              <a:ext uri="{FF2B5EF4-FFF2-40B4-BE49-F238E27FC236}">
-                <a16:creationId xmlns:a16="http://schemas.microsoft.com/office/drawing/2014/main" id="{FC049B21-A440-624B-941A-2CE526530E5B}"/>
-              </a:ext>
-            </a:extLst>
-          </p:cNvPr>
-          <p:cNvSpPr>
-            <a:spLocks noGrp="1"/>
-          </p:cNvSpPr>
-          <p:nvPr>
-            <p:ph type="title"/>
-          </p:nvPr>
-        </p:nvSpPr>
-        <p:spPr/>
-        <p:txBody>
-          <a:bodyPr/>
-          <a:lstStyle/>
-          <a:p>
-            <a:r>
-              <a:rPr lang="en-US" dirty="0"/>
-              <a:t>Baseline Options</a:t>
-            </a:r>
-          </a:p>
-        </p:txBody>
-      </p:sp>
-    </p:spTree>
-    <p:extLst>
-      <p:ext uri="{BB962C8B-B14F-4D97-AF65-F5344CB8AC3E}">
-        <p14:creationId xmlns:p14="http://schemas.microsoft.com/office/powerpoint/2010/main" val="225707519"/>
       </p:ext>
     </p:extLst>
   </p:cSld>
@@ -4663,51 +4895,31 @@
             <p:ph type="body" idx="1"/>
           </p:nvPr>
         </p:nvSpPr>
-        <p:spPr/>
+        <p:spPr>
+          <a:xfrm>
+            <a:off x="268210" y="2360141"/>
+            <a:ext cx="11666400" cy="4182862"/>
+          </a:xfrm>
+        </p:spPr>
         <p:txBody>
           <a:bodyPr/>
           <a:lstStyle/>
           <a:p>
+            <a:pPr marL="114300" indent="0" algn="ctr">
+              <a:buNone/>
+            </a:pPr>
             <a:r>
-              <a:rPr lang="en-US" dirty="0"/>
-              <a:t>How much better than baselines does our system need to be in order to deploy?</a:t>
+              <a:rPr lang="en-US" sz="4800" dirty="0"/>
+              <a:t>What is the appropriate comparison </a:t>
             </a:r>
-            <a:br>
-              <a:rPr lang="en-US" dirty="0"/>
-            </a:br>
-            <a:endParaRPr lang="en-US" dirty="0"/>
-          </a:p>
-          <a:p>
+          </a:p>
+          <a:p>
+            <a:pPr marL="114300" indent="0" algn="ctr">
+              <a:buNone/>
+            </a:pPr>
             <a:r>
-              <a:rPr lang="en-US" dirty="0"/>
-              <a:t>Important to compare performance against the base rate/prior, but rarely a “common sense” baseline</a:t>
-            </a:r>
-            <a:br>
-              <a:rPr lang="en-US" dirty="0"/>
-            </a:br>
-            <a:endParaRPr lang="en-US" dirty="0"/>
-          </a:p>
-          <a:p>
-            <a:r>
-              <a:rPr lang="en-US" dirty="0"/>
-              <a:t>Good baselines should provide an ordering to sort the entities</a:t>
-            </a:r>
-          </a:p>
-          <a:p>
-            <a:pPr lvl="1"/>
-            <a:r>
-              <a:rPr lang="en-US" dirty="0"/>
-              <a:t>Heuristic rules (or shallow decision trees) might reflect current practice, but can yield a small number of unique scores with lots of ties</a:t>
-            </a:r>
-            <a:br>
-              <a:rPr lang="en-US" dirty="0"/>
-            </a:br>
-            <a:endParaRPr lang="en-US" dirty="0"/>
-          </a:p>
-          <a:p>
-            <a:r>
-              <a:rPr lang="en-US" dirty="0"/>
-              <a:t>In may real world problems, a good baseline can be difficult to beat</a:t>
+              <a:rPr lang="en-US" sz="4800" dirty="0"/>
+              <a:t>for your ML model?</a:t>
             </a:r>
           </a:p>
         </p:txBody>
@@ -4735,7 +4947,7 @@
           <a:p>
             <a:r>
               <a:rPr lang="en-US" dirty="0"/>
-              <a:t>Baseline Considerations</a:t>
+              <a:t>Baselines</a:t>
             </a:r>
           </a:p>
         </p:txBody>
@@ -4743,7 +4955,7 @@
     </p:spTree>
     <p:extLst>
       <p:ext uri="{BB962C8B-B14F-4D97-AF65-F5344CB8AC3E}">
-        <p14:creationId xmlns:p14="http://schemas.microsoft.com/office/powerpoint/2010/main" val="3480883044"/>
+        <p14:creationId xmlns:p14="http://schemas.microsoft.com/office/powerpoint/2010/main" val="1335110213"/>
       </p:ext>
     </p:extLst>
   </p:cSld>

--- a/03 - Data Exploration, Analytical Formulation, and Baselines/formulation-and-baselines.pptx
+++ b/03 - Data Exploration, Analytical Formulation, and Baselines/formulation-and-baselines.pptx
@@ -3970,7 +3970,7 @@
           <a:p>
             <a:r>
               <a:rPr lang="en-US" dirty="0"/>
-              <a:t>In may real world problems, a good baseline can be difficult to beat</a:t>
+              <a:t>In many real world problems, a good baseline can be difficult to beat</a:t>
             </a:r>
           </a:p>
         </p:txBody>

--- a/03 - Data Exploration, Analytical Formulation, and Baselines/formulation-and-baselines.pptx
+++ b/03 - Data Exploration, Analytical Formulation, and Baselines/formulation-and-baselines.pptx
@@ -257,7 +257,7 @@
       <p15:sldGuideLst xmlns:p15="http://schemas.microsoft.com/office/powerpoint/2012/main"/>
     </p:ext>
     <p:ext uri="http://customooxmlschemas.google.com/">
-      <go:slidesCustomData xmlns:go="http://customooxmlschemas.google.com/" xmlns:p15="http://schemas.microsoft.com/office/powerpoint/2012/main" xmlns:p14="http://schemas.microsoft.com/office/powerpoint/2010/main" xmlns:com="http://schemas.openxmlformats.org/drawingml/2006/compatibility" xmlns:pvml="urn:schemas-microsoft-com:office:powerpoint" xmlns:v="urn:schemas-microsoft-com:vml" xmlns:o="urn:schemas-microsoft-com:office:office" xmlns:dgm="http://schemas.openxmlformats.org/drawingml/2006/diagram" xmlns:c="http://schemas.openxmlformats.org/drawingml/2006/chart" xmlns:mv="urn:schemas-microsoft-com:mac:vml" xmlns:mc="http://schemas.openxmlformats.org/markup-compatibility/2006" xmlns="" r:id="rId30" roundtripDataSignature="AMtx7mjFyVUGRZWio+dc9dxzYsimUxNJbg=="/>
+      <go:slidesCustomData xmlns="" xmlns:mc="http://schemas.openxmlformats.org/markup-compatibility/2006" xmlns:mv="urn:schemas-microsoft-com:mac:vml" xmlns:c="http://schemas.openxmlformats.org/drawingml/2006/chart" xmlns:dgm="http://schemas.openxmlformats.org/drawingml/2006/diagram" xmlns:o="urn:schemas-microsoft-com:office:office" xmlns:v="urn:schemas-microsoft-com:vml" xmlns:pvml="urn:schemas-microsoft-com:office:powerpoint" xmlns:com="http://schemas.openxmlformats.org/drawingml/2006/compatibility" xmlns:p14="http://schemas.microsoft.com/office/powerpoint/2010/main" xmlns:p15="http://schemas.microsoft.com/office/powerpoint/2012/main" xmlns:go="http://customooxmlschemas.google.com/" r:id="rId30" roundtripDataSignature="AMtx7mjFyVUGRZWio+dc9dxzYsimUxNJbg=="/>
     </p:ext>
   </p:extLst>
 </p:presentation>
@@ -3943,7 +3943,15 @@
           <a:p>
             <a:r>
               <a:rPr lang="en-US" dirty="0"/>
-              <a:t>Important to compare performance against the base rate/prior, but rarely a “common sense” baseline</a:t>
+              <a:t>Important to compare performance against the base rate/prior, but this prior </a:t>
+            </a:r>
+            <a:r>
+              <a:rPr lang="en-US"/>
+              <a:t>rarely represents a </a:t>
+            </a:r>
+            <a:r>
+              <a:rPr lang="en-US" dirty="0"/>
+              <a:t>“common sense” baseline</a:t>
             </a:r>
             <a:br>
               <a:rPr lang="en-US" dirty="0"/>

--- a/03 - Data Exploration, Analytical Formulation, and Baselines/formulation-and-baselines.pptx
+++ b/03 - Data Exploration, Analytical Formulation, and Baselines/formulation-and-baselines.pptx
@@ -3943,15 +3943,7 @@
           <a:p>
             <a:r>
               <a:rPr lang="en-US" dirty="0"/>
-              <a:t>Important to compare performance against the base rate/prior, but this prior </a:t>
-            </a:r>
-            <a:r>
-              <a:rPr lang="en-US"/>
-              <a:t>rarely represents a </a:t>
-            </a:r>
-            <a:r>
-              <a:rPr lang="en-US" dirty="0"/>
-              <a:t>“common sense” baseline</a:t>
+              <a:t>Important to compare performance against the base rate/prior, but this prior rarely represents a “common sense” baseline</a:t>
             </a:r>
             <a:br>
               <a:rPr lang="en-US" dirty="0"/>
@@ -3978,7 +3970,7 @@
           <a:p>
             <a:r>
               <a:rPr lang="en-US" dirty="0"/>
-              <a:t>In many real world problems, a good baseline can be difficult to beat</a:t>
+              <a:t>In many real-world problems, a good baseline can be difficult to beat</a:t>
             </a:r>
           </a:p>
         </p:txBody>

--- a/03 - Data Exploration, Analytical Formulation, and Baselines/formulation-and-baselines.pptx
+++ b/03 - Data Exploration, Analytical Formulation, and Baselines/formulation-and-baselines.pptx
@@ -5,21 +5,25 @@
     <p:sldMasterId id="2147483648" r:id="rId1"/>
   </p:sldMasterIdLst>
   <p:notesMasterIdLst>
-    <p:notesMasterId r:id="rId14"/>
+    <p:notesMasterId r:id="rId18"/>
   </p:notesMasterIdLst>
   <p:sldIdLst>
     <p:sldId id="256" r:id="rId2"/>
-    <p:sldId id="424" r:id="rId3"/>
-    <p:sldId id="430" r:id="rId4"/>
-    <p:sldId id="425" r:id="rId5"/>
-    <p:sldId id="434" r:id="rId6"/>
-    <p:sldId id="429" r:id="rId7"/>
-    <p:sldId id="435" r:id="rId8"/>
-    <p:sldId id="428" r:id="rId9"/>
-    <p:sldId id="427" r:id="rId10"/>
-    <p:sldId id="432" r:id="rId11"/>
-    <p:sldId id="431" r:id="rId12"/>
-    <p:sldId id="433" r:id="rId13"/>
+    <p:sldId id="436" r:id="rId3"/>
+    <p:sldId id="424" r:id="rId4"/>
+    <p:sldId id="430" r:id="rId5"/>
+    <p:sldId id="425" r:id="rId6"/>
+    <p:sldId id="434" r:id="rId7"/>
+    <p:sldId id="429" r:id="rId8"/>
+    <p:sldId id="435" r:id="rId9"/>
+    <p:sldId id="428" r:id="rId10"/>
+    <p:sldId id="427" r:id="rId11"/>
+    <p:sldId id="432" r:id="rId12"/>
+    <p:sldId id="431" r:id="rId13"/>
+    <p:sldId id="433" r:id="rId14"/>
+    <p:sldId id="437" r:id="rId15"/>
+    <p:sldId id="438" r:id="rId16"/>
+    <p:sldId id="439" r:id="rId17"/>
   </p:sldIdLst>
   <p:sldSz cx="12192000" cy="6858000"/>
   <p:notesSz cx="6858000" cy="9144000"/>
@@ -257,7 +261,7 @@
       <p15:sldGuideLst xmlns:p15="http://schemas.microsoft.com/office/powerpoint/2012/main"/>
     </p:ext>
     <p:ext uri="http://customooxmlschemas.google.com/">
-      <go:slidesCustomData xmlns="" xmlns:mc="http://schemas.openxmlformats.org/markup-compatibility/2006" xmlns:mv="urn:schemas-microsoft-com:mac:vml" xmlns:c="http://schemas.openxmlformats.org/drawingml/2006/chart" xmlns:dgm="http://schemas.openxmlformats.org/drawingml/2006/diagram" xmlns:o="urn:schemas-microsoft-com:office:office" xmlns:v="urn:schemas-microsoft-com:vml" xmlns:pvml="urn:schemas-microsoft-com:office:powerpoint" xmlns:com="http://schemas.openxmlformats.org/drawingml/2006/compatibility" xmlns:p14="http://schemas.microsoft.com/office/powerpoint/2010/main" xmlns:p15="http://schemas.microsoft.com/office/powerpoint/2012/main" xmlns:go="http://customooxmlschemas.google.com/" r:id="rId30" roundtripDataSignature="AMtx7mjFyVUGRZWio+dc9dxzYsimUxNJbg=="/>
+      <go:slidesCustomData xmlns:go="http://customooxmlschemas.google.com/" xmlns:p15="http://schemas.microsoft.com/office/powerpoint/2012/main" xmlns:p14="http://schemas.microsoft.com/office/powerpoint/2010/main" xmlns:com="http://schemas.openxmlformats.org/drawingml/2006/compatibility" xmlns:pvml="urn:schemas-microsoft-com:office:powerpoint" xmlns:v="urn:schemas-microsoft-com:vml" xmlns:o="urn:schemas-microsoft-com:office:office" xmlns:dgm="http://schemas.openxmlformats.org/drawingml/2006/diagram" xmlns:c="http://schemas.openxmlformats.org/drawingml/2006/chart" xmlns:mv="urn:schemas-microsoft-com:mac:vml" xmlns:mc="http://schemas.openxmlformats.org/markup-compatibility/2006" xmlns="" r:id="rId30" roundtripDataSignature="AMtx7mjFyVUGRZWio+dc9dxzYsimUxNJbg=="/>
     </p:ext>
   </p:extLst>
 </p:presentation>
@@ -3803,51 +3807,31 @@
             <p:ph type="body" idx="1"/>
           </p:nvPr>
         </p:nvSpPr>
-        <p:spPr/>
+        <p:spPr>
+          <a:xfrm>
+            <a:off x="268210" y="2360141"/>
+            <a:ext cx="11666400" cy="4182862"/>
+          </a:xfrm>
+        </p:spPr>
         <p:txBody>
           <a:bodyPr/>
           <a:lstStyle/>
           <a:p>
-            <a:r>
-              <a:rPr lang="en-US" dirty="0"/>
-              <a:t>Common Sense</a:t>
-            </a:r>
-            <a:br>
-              <a:rPr lang="en-US" dirty="0"/>
-            </a:br>
-            <a:endParaRPr lang="en-US" dirty="0"/>
-          </a:p>
-          <a:p>
-            <a:r>
-              <a:rPr lang="en-US" dirty="0"/>
-              <a:t>What they do today</a:t>
-            </a:r>
-            <a:br>
-              <a:rPr lang="en-US" dirty="0"/>
-            </a:br>
-            <a:endParaRPr lang="en-US" dirty="0"/>
-          </a:p>
-          <a:p>
-            <a:r>
-              <a:rPr lang="en-US" dirty="0"/>
-              <a:t>What they could do today easily (without any or very simple ML involved)</a:t>
-            </a:r>
-            <a:br>
-              <a:rPr lang="en-US" dirty="0"/>
-            </a:br>
-            <a:endParaRPr lang="en-US" dirty="0"/>
-          </a:p>
-          <a:p>
-            <a:r>
-              <a:rPr lang="en-US" dirty="0"/>
-              <a:t>Prior/Base Rate</a:t>
-            </a:r>
-          </a:p>
-          <a:p>
-            <a:pPr lvl="1"/>
-            <a:r>
-              <a:rPr lang="en-US" dirty="0"/>
-              <a:t>What expected value would you get if you just choose at random (based on the data distribution)?</a:t>
+            <a:pPr marL="114300" indent="0" algn="ctr">
+              <a:buNone/>
+            </a:pPr>
+            <a:r>
+              <a:rPr lang="en-US" sz="4800" dirty="0"/>
+              <a:t>What is the appropriate comparison </a:t>
+            </a:r>
+          </a:p>
+          <a:p>
+            <a:pPr marL="114300" indent="0" algn="ctr">
+              <a:buNone/>
+            </a:pPr>
+            <a:r>
+              <a:rPr lang="en-US" sz="4800" dirty="0"/>
+              <a:t>for your ML model?</a:t>
             </a:r>
           </a:p>
         </p:txBody>
@@ -3875,7 +3859,7 @@
           <a:p>
             <a:r>
               <a:rPr lang="en-US" dirty="0"/>
-              <a:t>Baseline Options</a:t>
+              <a:t>Baselines</a:t>
             </a:r>
           </a:p>
         </p:txBody>
@@ -3883,7 +3867,7 @@
     </p:spTree>
     <p:extLst>
       <p:ext uri="{BB962C8B-B14F-4D97-AF65-F5344CB8AC3E}">
-        <p14:creationId xmlns:p14="http://schemas.microsoft.com/office/powerpoint/2010/main" val="225707519"/>
+        <p14:creationId xmlns:p14="http://schemas.microsoft.com/office/powerpoint/2010/main" val="1335110213"/>
       </p:ext>
     </p:extLst>
   </p:cSld>
@@ -3933,7 +3917,7 @@
           <a:p>
             <a:r>
               <a:rPr lang="en-US" dirty="0"/>
-              <a:t>How much better than baselines does our system need to be in order to deploy?</a:t>
+              <a:t>Common Sense</a:t>
             </a:r>
             <a:br>
               <a:rPr lang="en-US" dirty="0"/>
@@ -3943,7 +3927,7 @@
           <a:p>
             <a:r>
               <a:rPr lang="en-US" dirty="0"/>
-              <a:t>Important to compare performance against the base rate/prior, but this prior rarely represents a “common sense” baseline</a:t>
+              <a:t>What they do today</a:t>
             </a:r>
             <a:br>
               <a:rPr lang="en-US" dirty="0"/>
@@ -3953,14 +3937,7 @@
           <a:p>
             <a:r>
               <a:rPr lang="en-US" dirty="0"/>
-              <a:t>Good baselines should provide an ordering to sort the entities</a:t>
-            </a:r>
-          </a:p>
-          <a:p>
-            <a:pPr lvl="1"/>
-            <a:r>
-              <a:rPr lang="en-US" dirty="0"/>
-              <a:t>Heuristic rules (or shallow decision trees) might reflect current practice, but can yield a small number of unique scores with lots of ties</a:t>
+              <a:t>What they could do today easily (without any or very simple ML involved)</a:t>
             </a:r>
             <a:br>
               <a:rPr lang="en-US" dirty="0"/>
@@ -3970,7 +3947,14 @@
           <a:p>
             <a:r>
               <a:rPr lang="en-US" dirty="0"/>
-              <a:t>In many real-world problems, a good baseline can be difficult to beat</a:t>
+              <a:t>Prior/Base Rate</a:t>
+            </a:r>
+          </a:p>
+          <a:p>
+            <a:pPr lvl="1"/>
+            <a:r>
+              <a:rPr lang="en-US" dirty="0"/>
+              <a:t>What expected value would you get if you just choose at random (based on the data distribution)?</a:t>
             </a:r>
           </a:p>
         </p:txBody>
@@ -3998,6 +3982,129 @@
           <a:p>
             <a:r>
               <a:rPr lang="en-US" dirty="0"/>
+              <a:t>Baseline Options</a:t>
+            </a:r>
+          </a:p>
+        </p:txBody>
+      </p:sp>
+    </p:spTree>
+    <p:extLst>
+      <p:ext uri="{BB962C8B-B14F-4D97-AF65-F5344CB8AC3E}">
+        <p14:creationId xmlns:p14="http://schemas.microsoft.com/office/powerpoint/2010/main" val="225707519"/>
+      </p:ext>
+    </p:extLst>
+  </p:cSld>
+  <p:clrMapOvr>
+    <a:masterClrMapping/>
+  </p:clrMapOvr>
+</p:sld>
+</file>
+
+<file path=ppt/slides/slide12.xml><?xml version="1.0" encoding="utf-8"?>
+<p:sld xmlns:a="http://schemas.openxmlformats.org/drawingml/2006/main" xmlns:r="http://schemas.openxmlformats.org/officeDocument/2006/relationships" xmlns:p="http://schemas.openxmlformats.org/presentationml/2006/main">
+  <p:cSld>
+    <p:spTree>
+      <p:nvGrpSpPr>
+        <p:cNvPr id="1" name=""/>
+        <p:cNvGrpSpPr/>
+        <p:nvPr/>
+      </p:nvGrpSpPr>
+      <p:grpSpPr>
+        <a:xfrm>
+          <a:off x="0" y="0"/>
+          <a:ext cx="0" cy="0"/>
+          <a:chOff x="0" y="0"/>
+          <a:chExt cx="0" cy="0"/>
+        </a:xfrm>
+      </p:grpSpPr>
+      <p:sp>
+        <p:nvSpPr>
+          <p:cNvPr id="2" name="Text Placeholder 1">
+            <a:extLst>
+              <a:ext uri="{FF2B5EF4-FFF2-40B4-BE49-F238E27FC236}">
+                <a16:creationId xmlns:a16="http://schemas.microsoft.com/office/drawing/2014/main" id="{16F0CF04-B42B-C044-ACCB-6C665E5B57C0}"/>
+              </a:ext>
+            </a:extLst>
+          </p:cNvPr>
+          <p:cNvSpPr>
+            <a:spLocks noGrp="1"/>
+          </p:cNvSpPr>
+          <p:nvPr>
+            <p:ph type="body" idx="1"/>
+          </p:nvPr>
+        </p:nvSpPr>
+        <p:spPr/>
+        <p:txBody>
+          <a:bodyPr/>
+          <a:lstStyle/>
+          <a:p>
+            <a:r>
+              <a:rPr lang="en-US" dirty="0"/>
+              <a:t>How much better than baselines does our system need to be in order to deploy?</a:t>
+            </a:r>
+            <a:br>
+              <a:rPr lang="en-US" dirty="0"/>
+            </a:br>
+            <a:endParaRPr lang="en-US" dirty="0"/>
+          </a:p>
+          <a:p>
+            <a:r>
+              <a:rPr lang="en-US" dirty="0"/>
+              <a:t>Important to compare performance against the base rate/prior, but this prior rarely represents a “common sense” baseline</a:t>
+            </a:r>
+            <a:br>
+              <a:rPr lang="en-US" dirty="0"/>
+            </a:br>
+            <a:endParaRPr lang="en-US" dirty="0"/>
+          </a:p>
+          <a:p>
+            <a:r>
+              <a:rPr lang="en-US" dirty="0"/>
+              <a:t>Good baselines should provide an ordering to sort the entities</a:t>
+            </a:r>
+          </a:p>
+          <a:p>
+            <a:pPr lvl="1"/>
+            <a:r>
+              <a:rPr lang="en-US" dirty="0"/>
+              <a:t>Heuristic rules (or shallow decision trees) might reflect current practice, but can yield a small number of unique scores with lots of ties</a:t>
+            </a:r>
+            <a:br>
+              <a:rPr lang="en-US" dirty="0"/>
+            </a:br>
+            <a:endParaRPr lang="en-US" dirty="0"/>
+          </a:p>
+          <a:p>
+            <a:r>
+              <a:rPr lang="en-US" dirty="0"/>
+              <a:t>In many real-world problems, a good baseline can be difficult to beat</a:t>
+            </a:r>
+          </a:p>
+        </p:txBody>
+      </p:sp>
+      <p:sp>
+        <p:nvSpPr>
+          <p:cNvPr id="3" name="Title 2">
+            <a:extLst>
+              <a:ext uri="{FF2B5EF4-FFF2-40B4-BE49-F238E27FC236}">
+                <a16:creationId xmlns:a16="http://schemas.microsoft.com/office/drawing/2014/main" id="{FC049B21-A440-624B-941A-2CE526530E5B}"/>
+              </a:ext>
+            </a:extLst>
+          </p:cNvPr>
+          <p:cNvSpPr>
+            <a:spLocks noGrp="1"/>
+          </p:cNvSpPr>
+          <p:nvPr>
+            <p:ph type="title"/>
+          </p:nvPr>
+        </p:nvSpPr>
+        <p:spPr/>
+        <p:txBody>
+          <a:bodyPr/>
+          <a:lstStyle/>
+          <a:p>
+            <a:r>
+              <a:rPr lang="en-US" dirty="0"/>
               <a:t>Baseline Considerations</a:t>
             </a:r>
           </a:p>
@@ -4016,7 +4123,7 @@
 </p:sld>
 </file>
 
-<file path=ppt/slides/slide12.xml><?xml version="1.0" encoding="utf-8"?>
+<file path=ppt/slides/slide13.xml><?xml version="1.0" encoding="utf-8"?>
 <p:sld xmlns:a="http://schemas.openxmlformats.org/drawingml/2006/main" xmlns:r="http://schemas.openxmlformats.org/officeDocument/2006/relationships" xmlns:p="http://schemas.openxmlformats.org/presentationml/2006/main">
   <p:cSld>
     <p:spTree>
@@ -4104,7 +4211,7 @@
 </p:sld>
 </file>
 
-<file path=ppt/slides/slide2.xml><?xml version="1.0" encoding="utf-8"?>
+<file path=ppt/slides/slide14.xml><?xml version="1.0" encoding="utf-8"?>
 <p:sld xmlns:a="http://schemas.openxmlformats.org/drawingml/2006/main" xmlns:r="http://schemas.openxmlformats.org/officeDocument/2006/relationships" xmlns:p="http://schemas.openxmlformats.org/presentationml/2006/main">
   <p:cSld>
     <p:spTree>
@@ -4121,66 +4228,6 @@
           <a:chExt cx="0" cy="0"/>
         </a:xfrm>
       </p:grpSpPr>
-      <p:sp>
-        <p:nvSpPr>
-          <p:cNvPr id="2" name="Text Placeholder 1">
-            <a:extLst>
-              <a:ext uri="{FF2B5EF4-FFF2-40B4-BE49-F238E27FC236}">
-                <a16:creationId xmlns:a16="http://schemas.microsoft.com/office/drawing/2014/main" id="{4F90177E-EDBA-BC41-B606-574933A1A307}"/>
-              </a:ext>
-            </a:extLst>
-          </p:cNvPr>
-          <p:cNvSpPr>
-            <a:spLocks noGrp="1"/>
-          </p:cNvSpPr>
-          <p:nvPr>
-            <p:ph type="body" idx="1"/>
-          </p:nvPr>
-        </p:nvSpPr>
-        <p:spPr/>
-        <p:txBody>
-          <a:bodyPr/>
-          <a:lstStyle/>
-          <a:p>
-            <a:r>
-              <a:rPr lang="en-US" dirty="0"/>
-              <a:t>Scoping defines the goals and approach at a high level, the </a:t>
-            </a:r>
-            <a:r>
-              <a:rPr lang="en-US" b="1" dirty="0">
-                <a:solidFill>
-                  <a:srgbClr val="C00000"/>
-                </a:solidFill>
-              </a:rPr>
-              <a:t>analytical formulation </a:t>
-            </a:r>
-            <a:r>
-              <a:rPr lang="en-US" dirty="0"/>
-              <a:t>maps this scope to an ML problem and analytical approach</a:t>
-            </a:r>
-            <a:br>
-              <a:rPr lang="en-US" dirty="0"/>
-            </a:br>
-            <a:endParaRPr lang="en-US" dirty="0"/>
-          </a:p>
-          <a:p>
-            <a:r>
-              <a:rPr lang="en-US" dirty="0"/>
-              <a:t>Should be as detailed and specific as possible, obvious how to code it up</a:t>
-            </a:r>
-            <a:br>
-              <a:rPr lang="en-US" dirty="0"/>
-            </a:br>
-            <a:endParaRPr lang="en-US" dirty="0"/>
-          </a:p>
-          <a:p>
-            <a:r>
-              <a:rPr lang="en-US" dirty="0"/>
-              <a:t>The analytical formulation should be guided by –– and map back to –– how the system you’re building will actually be deployed and used</a:t>
-            </a:r>
-          </a:p>
-        </p:txBody>
-      </p:sp>
       <p:sp>
         <p:nvSpPr>
           <p:cNvPr id="3" name="Title 2">
@@ -4202,17 +4249,437 @@
           <a:bodyPr/>
           <a:lstStyle/>
           <a:p>
-            <a:r>
-              <a:rPr lang="en-US" dirty="0"/>
-              <a:t>Turning the project goals/scope into an ML problem</a:t>
-            </a:r>
+            <a:pPr algn="ctr"/>
+            <a:r>
+              <a:rPr lang="en-US" dirty="0"/>
+              <a:t>BREAKOUT SESSION</a:t>
+            </a:r>
+          </a:p>
+        </p:txBody>
+      </p:sp>
+      <p:pic>
+        <p:nvPicPr>
+          <p:cNvPr id="6" name="Picture 5">
+            <a:extLst>
+              <a:ext uri="{FF2B5EF4-FFF2-40B4-BE49-F238E27FC236}">
+                <a16:creationId xmlns:a16="http://schemas.microsoft.com/office/drawing/2014/main" id="{DD7C8A1F-AE56-5146-B94D-D4E3FEFBC845}"/>
+              </a:ext>
+            </a:extLst>
+          </p:cNvPr>
+          <p:cNvPicPr>
+            <a:picLocks noChangeAspect="1"/>
+          </p:cNvPicPr>
+          <p:nvPr/>
+        </p:nvPicPr>
+        <p:blipFill>
+          <a:blip r:embed="rId2"/>
+          <a:stretch>
+            <a:fillRect/>
+          </a:stretch>
+        </p:blipFill>
+        <p:spPr>
+          <a:xfrm>
+            <a:off x="1524000" y="1676572"/>
+            <a:ext cx="9144000" cy="3035300"/>
+          </a:xfrm>
+          <a:prstGeom prst="rect">
+            <a:avLst/>
+          </a:prstGeom>
+        </p:spPr>
+      </p:pic>
+      <p:sp>
+        <p:nvSpPr>
+          <p:cNvPr id="7" name="Rectangle 6">
+            <a:extLst>
+              <a:ext uri="{FF2B5EF4-FFF2-40B4-BE49-F238E27FC236}">
+                <a16:creationId xmlns:a16="http://schemas.microsoft.com/office/drawing/2014/main" id="{E588B97A-4F87-8F48-962D-730E499FD613}"/>
+              </a:ext>
+            </a:extLst>
+          </p:cNvPr>
+          <p:cNvSpPr/>
+          <p:nvPr/>
+        </p:nvSpPr>
+        <p:spPr>
+          <a:xfrm>
+            <a:off x="3182382" y="5437543"/>
+            <a:ext cx="5827236" cy="646331"/>
+          </a:xfrm>
+          <a:prstGeom prst="rect">
+            <a:avLst/>
+          </a:prstGeom>
+        </p:spPr>
+        <p:txBody>
+          <a:bodyPr wrap="none">
+            <a:spAutoFit/>
+          </a:bodyPr>
+          <a:lstStyle/>
+          <a:p>
+            <a:r>
+              <a:rPr lang="en-US" sz="3600" dirty="0">
+                <a:solidFill>
+                  <a:srgbClr val="0070C0"/>
+                </a:solidFill>
+                <a:hlinkClick r:id="rId3">
+                  <a:extLst>
+                    <a:ext uri="{A12FA001-AC4F-418D-AE19-62706E023703}">
+                      <ahyp:hlinkClr xmlns:ahyp="http://schemas.microsoft.com/office/drawing/2018/hyperlinkcolor" val="tx"/>
+                    </a:ext>
+                  </a:extLst>
+                </a:hlinkClick>
+              </a:rPr>
+              <a:t>http://bit.ly/mlpp-health-bias</a:t>
+            </a:r>
+            <a:endParaRPr lang="en-US" sz="3600" dirty="0">
+              <a:solidFill>
+                <a:srgbClr val="0070C0"/>
+              </a:solidFill>
+            </a:endParaRPr>
           </a:p>
         </p:txBody>
       </p:sp>
     </p:spTree>
     <p:extLst>
       <p:ext uri="{BB962C8B-B14F-4D97-AF65-F5344CB8AC3E}">
-        <p14:creationId xmlns:p14="http://schemas.microsoft.com/office/powerpoint/2010/main" val="3562142687"/>
+        <p14:creationId xmlns:p14="http://schemas.microsoft.com/office/powerpoint/2010/main" val="526766492"/>
+      </p:ext>
+    </p:extLst>
+  </p:cSld>
+  <p:clrMapOvr>
+    <a:masterClrMapping/>
+  </p:clrMapOvr>
+</p:sld>
+</file>
+
+<file path=ppt/slides/slide15.xml><?xml version="1.0" encoding="utf-8"?>
+<p:sld xmlns:a="http://schemas.openxmlformats.org/drawingml/2006/main" xmlns:r="http://schemas.openxmlformats.org/officeDocument/2006/relationships" xmlns:p="http://schemas.openxmlformats.org/presentationml/2006/main">
+  <p:cSld>
+    <p:spTree>
+      <p:nvGrpSpPr>
+        <p:cNvPr id="1" name=""/>
+        <p:cNvGrpSpPr/>
+        <p:nvPr/>
+      </p:nvGrpSpPr>
+      <p:grpSpPr>
+        <a:xfrm>
+          <a:off x="0" y="0"/>
+          <a:ext cx="0" cy="0"/>
+          <a:chOff x="0" y="0"/>
+          <a:chExt cx="0" cy="0"/>
+        </a:xfrm>
+      </p:grpSpPr>
+      <p:pic>
+        <p:nvPicPr>
+          <p:cNvPr id="6" name="Picture 5">
+            <a:extLst>
+              <a:ext uri="{FF2B5EF4-FFF2-40B4-BE49-F238E27FC236}">
+                <a16:creationId xmlns:a16="http://schemas.microsoft.com/office/drawing/2014/main" id="{D815327F-2A1E-4D4C-8B82-3E0A05F0C899}"/>
+              </a:ext>
+            </a:extLst>
+          </p:cNvPr>
+          <p:cNvPicPr>
+            <a:picLocks noChangeAspect="1"/>
+          </p:cNvPicPr>
+          <p:nvPr/>
+        </p:nvPicPr>
+        <p:blipFill rotWithShape="1">
+          <a:blip r:embed="rId2"/>
+          <a:srcRect l="1569"/>
+          <a:stretch/>
+        </p:blipFill>
+        <p:spPr>
+          <a:xfrm>
+            <a:off x="1701568" y="247630"/>
+            <a:ext cx="8788863" cy="6499274"/>
+          </a:xfrm>
+          <a:prstGeom prst="rect">
+            <a:avLst/>
+          </a:prstGeom>
+        </p:spPr>
+      </p:pic>
+    </p:spTree>
+    <p:extLst>
+      <p:ext uri="{BB962C8B-B14F-4D97-AF65-F5344CB8AC3E}">
+        <p14:creationId xmlns:p14="http://schemas.microsoft.com/office/powerpoint/2010/main" val="3679215505"/>
+      </p:ext>
+    </p:extLst>
+  </p:cSld>
+  <p:clrMapOvr>
+    <a:masterClrMapping/>
+  </p:clrMapOvr>
+</p:sld>
+</file>
+
+<file path=ppt/slides/slide16.xml><?xml version="1.0" encoding="utf-8"?>
+<p:sld xmlns:a="http://schemas.openxmlformats.org/drawingml/2006/main" xmlns:r="http://schemas.openxmlformats.org/officeDocument/2006/relationships" xmlns:p="http://schemas.openxmlformats.org/presentationml/2006/main">
+  <p:cSld>
+    <p:spTree>
+      <p:nvGrpSpPr>
+        <p:cNvPr id="1" name=""/>
+        <p:cNvGrpSpPr/>
+        <p:nvPr/>
+      </p:nvGrpSpPr>
+      <p:grpSpPr>
+        <a:xfrm>
+          <a:off x="0" y="0"/>
+          <a:ext cx="0" cy="0"/>
+          <a:chOff x="0" y="0"/>
+          <a:chExt cx="0" cy="0"/>
+        </a:xfrm>
+      </p:grpSpPr>
+      <p:sp>
+        <p:nvSpPr>
+          <p:cNvPr id="2" name="Content Placeholder 1"/>
+          <p:cNvSpPr>
+            <a:spLocks noGrp="1"/>
+          </p:cNvSpPr>
+          <p:nvPr>
+            <p:ph type="body" idx="1"/>
+          </p:nvPr>
+        </p:nvSpPr>
+        <p:spPr/>
+        <p:txBody>
+          <a:bodyPr/>
+          <a:lstStyle/>
+          <a:p>
+            <a:r>
+              <a:rPr lang="en-US" dirty="0"/>
+              <a:t>Coming up next week:</a:t>
+            </a:r>
+          </a:p>
+          <a:p>
+            <a:pPr lvl="1"/>
+            <a:r>
+              <a:rPr lang="en-US" dirty="0"/>
+              <a:t>Weekly review (before class on Tuesday)</a:t>
+            </a:r>
+          </a:p>
+          <a:p>
+            <a:pPr lvl="1"/>
+            <a:r>
+              <a:rPr lang="en-US" dirty="0"/>
+              <a:t>Review slides on </a:t>
+            </a:r>
+            <a:r>
+              <a:rPr lang="en-US" dirty="0" err="1"/>
+              <a:t>github</a:t>
+            </a:r>
+            <a:r>
+              <a:rPr lang="en-US" dirty="0"/>
+              <a:t> for ML Pipelines (for Tuesday)</a:t>
+            </a:r>
+            <a:br>
+              <a:rPr lang="en-US" dirty="0"/>
+            </a:br>
+            <a:endParaRPr lang="en-US" dirty="0"/>
+          </a:p>
+          <a:p>
+            <a:r>
+              <a:rPr lang="en-US" dirty="0"/>
+              <a:t>Group </a:t>
+            </a:r>
+            <a:r>
+              <a:rPr lang="en-US" b="1" dirty="0">
+                <a:solidFill>
+                  <a:srgbClr val="C00000"/>
+                </a:solidFill>
+              </a:rPr>
+              <a:t>project proposal</a:t>
+            </a:r>
+            <a:r>
+              <a:rPr lang="en-US" dirty="0"/>
+              <a:t> due next Friday</a:t>
+            </a:r>
+          </a:p>
+          <a:p>
+            <a:pPr lvl="1"/>
+            <a:r>
+              <a:rPr lang="en-US" dirty="0"/>
+              <a:t>Time for group work on Thursday</a:t>
+            </a:r>
+          </a:p>
+          <a:p>
+            <a:pPr marL="114300" indent="0">
+              <a:buNone/>
+            </a:pPr>
+            <a:endParaRPr lang="en-US" dirty="0"/>
+          </a:p>
+        </p:txBody>
+      </p:sp>
+      <p:sp>
+        <p:nvSpPr>
+          <p:cNvPr id="3" name="Title 2"/>
+          <p:cNvSpPr>
+            <a:spLocks noGrp="1"/>
+          </p:cNvSpPr>
+          <p:nvPr>
+            <p:ph type="title"/>
+          </p:nvPr>
+        </p:nvSpPr>
+        <p:spPr>
+          <a:xfrm>
+            <a:off x="0" y="325028"/>
+            <a:ext cx="12192000" cy="1143000"/>
+          </a:xfrm>
+        </p:spPr>
+        <p:txBody>
+          <a:bodyPr/>
+          <a:lstStyle/>
+          <a:p>
+            <a:r>
+              <a:rPr lang="en-US" dirty="0">
+                <a:solidFill>
+                  <a:schemeClr val="bg1"/>
+                </a:solidFill>
+              </a:rPr>
+              <a:t>Things to remember</a:t>
+            </a:r>
+          </a:p>
+        </p:txBody>
+      </p:sp>
+    </p:spTree>
+    <p:extLst>
+      <p:ext uri="{BB962C8B-B14F-4D97-AF65-F5344CB8AC3E}">
+        <p14:creationId xmlns:p14="http://schemas.microsoft.com/office/powerpoint/2010/main" val="3046097705"/>
+      </p:ext>
+    </p:extLst>
+  </p:cSld>
+  <p:clrMapOvr>
+    <a:masterClrMapping/>
+  </p:clrMapOvr>
+</p:sld>
+</file>
+
+<file path=ppt/slides/slide2.xml><?xml version="1.0" encoding="utf-8"?>
+<p:sld xmlns:a="http://schemas.openxmlformats.org/drawingml/2006/main" xmlns:r="http://schemas.openxmlformats.org/officeDocument/2006/relationships" xmlns:p="http://schemas.openxmlformats.org/presentationml/2006/main">
+  <p:cSld>
+    <p:spTree>
+      <p:nvGrpSpPr>
+        <p:cNvPr id="1" name=""/>
+        <p:cNvGrpSpPr/>
+        <p:nvPr/>
+      </p:nvGrpSpPr>
+      <p:grpSpPr>
+        <a:xfrm>
+          <a:off x="0" y="0"/>
+          <a:ext cx="0" cy="0"/>
+          <a:chOff x="0" y="0"/>
+          <a:chExt cx="0" cy="0"/>
+        </a:xfrm>
+      </p:grpSpPr>
+      <p:sp>
+        <p:nvSpPr>
+          <p:cNvPr id="2" name="Content Placeholder 1"/>
+          <p:cNvSpPr>
+            <a:spLocks noGrp="1"/>
+          </p:cNvSpPr>
+          <p:nvPr>
+            <p:ph type="body" idx="1"/>
+          </p:nvPr>
+        </p:nvSpPr>
+        <p:spPr/>
+        <p:txBody>
+          <a:bodyPr/>
+          <a:lstStyle/>
+          <a:p>
+            <a:r>
+              <a:rPr lang="en-US" dirty="0"/>
+              <a:t>Coming up next week:</a:t>
+            </a:r>
+          </a:p>
+          <a:p>
+            <a:pPr lvl="1"/>
+            <a:r>
+              <a:rPr lang="en-US" dirty="0"/>
+              <a:t>Weekly review (before class on Tuesday)</a:t>
+            </a:r>
+          </a:p>
+          <a:p>
+            <a:pPr lvl="1"/>
+            <a:r>
+              <a:rPr lang="en-US" dirty="0"/>
+              <a:t>Review slides on </a:t>
+            </a:r>
+            <a:r>
+              <a:rPr lang="en-US" dirty="0" err="1"/>
+              <a:t>github</a:t>
+            </a:r>
+            <a:r>
+              <a:rPr lang="en-US" dirty="0"/>
+              <a:t> for ML Pipelines (for Tuesday)</a:t>
+            </a:r>
+            <a:br>
+              <a:rPr lang="en-US" dirty="0"/>
+            </a:br>
+            <a:endParaRPr lang="en-US" dirty="0"/>
+          </a:p>
+          <a:p>
+            <a:r>
+              <a:rPr lang="en-US" dirty="0"/>
+              <a:t>Group </a:t>
+            </a:r>
+            <a:r>
+              <a:rPr lang="en-US" b="1" dirty="0">
+                <a:solidFill>
+                  <a:srgbClr val="C00000"/>
+                </a:solidFill>
+              </a:rPr>
+              <a:t>project proposal</a:t>
+            </a:r>
+            <a:r>
+              <a:rPr lang="en-US" dirty="0"/>
+              <a:t> due next Friday</a:t>
+            </a:r>
+          </a:p>
+          <a:p>
+            <a:pPr lvl="1"/>
+            <a:r>
+              <a:rPr lang="en-US" dirty="0"/>
+              <a:t>Time for group work on Thursday</a:t>
+            </a:r>
+          </a:p>
+          <a:p>
+            <a:pPr marL="114300" indent="0">
+              <a:buNone/>
+            </a:pPr>
+            <a:endParaRPr lang="en-US" dirty="0"/>
+          </a:p>
+        </p:txBody>
+      </p:sp>
+      <p:sp>
+        <p:nvSpPr>
+          <p:cNvPr id="3" name="Title 2"/>
+          <p:cNvSpPr>
+            <a:spLocks noGrp="1"/>
+          </p:cNvSpPr>
+          <p:nvPr>
+            <p:ph type="title"/>
+          </p:nvPr>
+        </p:nvSpPr>
+        <p:spPr>
+          <a:xfrm>
+            <a:off x="0" y="325028"/>
+            <a:ext cx="12192000" cy="1143000"/>
+          </a:xfrm>
+        </p:spPr>
+        <p:txBody>
+          <a:bodyPr/>
+          <a:lstStyle/>
+          <a:p>
+            <a:r>
+              <a:rPr lang="en-US" dirty="0">
+                <a:solidFill>
+                  <a:schemeClr val="bg1"/>
+                </a:solidFill>
+              </a:rPr>
+              <a:t>Things to remember</a:t>
+            </a:r>
+          </a:p>
+        </p:txBody>
+      </p:sp>
+    </p:spTree>
+    <p:extLst>
+      <p:ext uri="{BB962C8B-B14F-4D97-AF65-F5344CB8AC3E}">
+        <p14:creationId xmlns:p14="http://schemas.microsoft.com/office/powerpoint/2010/main" val="3930579869"/>
       </p:ext>
     </p:extLst>
   </p:cSld>
@@ -4262,12 +4729,40 @@
           <a:p>
             <a:r>
               <a:rPr lang="en-US" dirty="0"/>
-              <a:t>What type of analysis are you doing?</a:t>
+              <a:t>Scoping defines the goals and approach at a high level, the </a:t>
+            </a:r>
+            <a:r>
+              <a:rPr lang="en-US" b="1" dirty="0">
+                <a:solidFill>
+                  <a:srgbClr val="C00000"/>
+                </a:solidFill>
+              </a:rPr>
+              <a:t>analytical formulation </a:t>
+            </a:r>
+            <a:r>
+              <a:rPr lang="en-US" dirty="0"/>
+              <a:t>maps this scope to an ML problem and analytical approach</a:t>
             </a:r>
             <a:br>
               <a:rPr lang="en-US" dirty="0"/>
             </a:br>
             <a:endParaRPr lang="en-US" dirty="0"/>
+          </a:p>
+          <a:p>
+            <a:r>
+              <a:rPr lang="en-US" dirty="0"/>
+              <a:t>Should be as detailed and specific as possible, obvious how to code it up</a:t>
+            </a:r>
+            <a:br>
+              <a:rPr lang="en-US" dirty="0"/>
+            </a:br>
+            <a:endParaRPr lang="en-US" dirty="0"/>
+          </a:p>
+          <a:p>
+            <a:r>
+              <a:rPr lang="en-US" dirty="0"/>
+              <a:t>The analytical formulation should be guided by –– and map back to –– how the system you’re building will actually be deployed and used</a:t>
+            </a:r>
           </a:p>
         </p:txBody>
       </p:sp>
@@ -4294,6 +4789,96 @@
           <a:p>
             <a:r>
               <a:rPr lang="en-US" dirty="0"/>
+              <a:t>Turning the project goals/scope into an ML problem</a:t>
+            </a:r>
+          </a:p>
+        </p:txBody>
+      </p:sp>
+    </p:spTree>
+    <p:extLst>
+      <p:ext uri="{BB962C8B-B14F-4D97-AF65-F5344CB8AC3E}">
+        <p14:creationId xmlns:p14="http://schemas.microsoft.com/office/powerpoint/2010/main" val="3562142687"/>
+      </p:ext>
+    </p:extLst>
+  </p:cSld>
+  <p:clrMapOvr>
+    <a:masterClrMapping/>
+  </p:clrMapOvr>
+</p:sld>
+</file>
+
+<file path=ppt/slides/slide4.xml><?xml version="1.0" encoding="utf-8"?>
+<p:sld xmlns:a="http://schemas.openxmlformats.org/drawingml/2006/main" xmlns:r="http://schemas.openxmlformats.org/officeDocument/2006/relationships" xmlns:p="http://schemas.openxmlformats.org/presentationml/2006/main">
+  <p:cSld>
+    <p:spTree>
+      <p:nvGrpSpPr>
+        <p:cNvPr id="1" name=""/>
+        <p:cNvGrpSpPr/>
+        <p:nvPr/>
+      </p:nvGrpSpPr>
+      <p:grpSpPr>
+        <a:xfrm>
+          <a:off x="0" y="0"/>
+          <a:ext cx="0" cy="0"/>
+          <a:chOff x="0" y="0"/>
+          <a:chExt cx="0" cy="0"/>
+        </a:xfrm>
+      </p:grpSpPr>
+      <p:sp>
+        <p:nvSpPr>
+          <p:cNvPr id="2" name="Text Placeholder 1">
+            <a:extLst>
+              <a:ext uri="{FF2B5EF4-FFF2-40B4-BE49-F238E27FC236}">
+                <a16:creationId xmlns:a16="http://schemas.microsoft.com/office/drawing/2014/main" id="{4F90177E-EDBA-BC41-B606-574933A1A307}"/>
+              </a:ext>
+            </a:extLst>
+          </p:cNvPr>
+          <p:cNvSpPr>
+            <a:spLocks noGrp="1"/>
+          </p:cNvSpPr>
+          <p:nvPr>
+            <p:ph type="body" idx="1"/>
+          </p:nvPr>
+        </p:nvSpPr>
+        <p:spPr/>
+        <p:txBody>
+          <a:bodyPr/>
+          <a:lstStyle/>
+          <a:p>
+            <a:r>
+              <a:rPr lang="en-US" dirty="0"/>
+              <a:t>What type of analysis are you doing?</a:t>
+            </a:r>
+            <a:br>
+              <a:rPr lang="en-US" dirty="0"/>
+            </a:br>
+            <a:endParaRPr lang="en-US" dirty="0"/>
+          </a:p>
+        </p:txBody>
+      </p:sp>
+      <p:sp>
+        <p:nvSpPr>
+          <p:cNvPr id="3" name="Title 2">
+            <a:extLst>
+              <a:ext uri="{FF2B5EF4-FFF2-40B4-BE49-F238E27FC236}">
+                <a16:creationId xmlns:a16="http://schemas.microsoft.com/office/drawing/2014/main" id="{FC4F2F47-A164-2C41-A1CD-CFD1AFCBE708}"/>
+              </a:ext>
+            </a:extLst>
+          </p:cNvPr>
+          <p:cNvSpPr>
+            <a:spLocks noGrp="1"/>
+          </p:cNvSpPr>
+          <p:nvPr>
+            <p:ph type="title"/>
+          </p:nvPr>
+        </p:nvSpPr>
+        <p:spPr/>
+        <p:txBody>
+          <a:bodyPr/>
+          <a:lstStyle/>
+          <a:p>
+            <a:r>
+              <a:rPr lang="en-US" dirty="0"/>
               <a:t>Decisions we need to make</a:t>
             </a:r>
           </a:p>
@@ -4312,7 +4897,7 @@
 </p:sld>
 </file>
 
-<file path=ppt/slides/slide4.xml><?xml version="1.0" encoding="utf-8"?>
+<file path=ppt/slides/slide5.xml><?xml version="1.0" encoding="utf-8"?>
 <p:sld xmlns:a="http://schemas.openxmlformats.org/drawingml/2006/main" xmlns:r="http://schemas.openxmlformats.org/officeDocument/2006/relationships" xmlns:p="http://schemas.openxmlformats.org/presentationml/2006/main">
   <p:cSld>
     <p:spTree>
@@ -4428,7 +5013,7 @@
 </p:sld>
 </file>
 
-<file path=ppt/slides/slide5.xml><?xml version="1.0" encoding="utf-8"?>
+<file path=ppt/slides/slide6.xml><?xml version="1.0" encoding="utf-8"?>
 <p:sld xmlns:a="http://schemas.openxmlformats.org/drawingml/2006/main" xmlns:r="http://schemas.openxmlformats.org/officeDocument/2006/relationships" xmlns:p="http://schemas.openxmlformats.org/presentationml/2006/main">
   <p:cSld>
     <p:spTree>
@@ -4530,7 +5115,7 @@
 </p:sld>
 </file>
 
-<file path=ppt/slides/slide6.xml><?xml version="1.0" encoding="utf-8"?>
+<file path=ppt/slides/slide7.xml><?xml version="1.0" encoding="utf-8"?>
 <p:sld xmlns:a="http://schemas.openxmlformats.org/drawingml/2006/main" xmlns:r="http://schemas.openxmlformats.org/officeDocument/2006/relationships" xmlns:p="http://schemas.openxmlformats.org/presentationml/2006/main">
   <p:cSld>
     <p:spTree>
@@ -4650,7 +5235,7 @@
 </p:sld>
 </file>
 
-<file path=ppt/slides/slide7.xml><?xml version="1.0" encoding="utf-8"?>
+<file path=ppt/slides/slide8.xml><?xml version="1.0" encoding="utf-8"?>
 <p:sld xmlns:a="http://schemas.openxmlformats.org/drawingml/2006/main" xmlns:r="http://schemas.openxmlformats.org/officeDocument/2006/relationships" xmlns:p="http://schemas.openxmlformats.org/presentationml/2006/main">
   <p:cSld>
     <p:spTree>
@@ -4779,7 +5364,7 @@
 </p:sld>
 </file>
 
-<file path=ppt/slides/slide8.xml><?xml version="1.0" encoding="utf-8"?>
+<file path=ppt/slides/slide9.xml><?xml version="1.0" encoding="utf-8"?>
 <p:sld xmlns:a="http://schemas.openxmlformats.org/drawingml/2006/main" xmlns:r="http://schemas.openxmlformats.org/officeDocument/2006/relationships" xmlns:p="http://schemas.openxmlformats.org/presentationml/2006/main">
   <p:cSld>
     <p:spTree>
@@ -4853,109 +5438,6 @@
     <p:extLst>
       <p:ext uri="{BB962C8B-B14F-4D97-AF65-F5344CB8AC3E}">
         <p14:creationId xmlns:p14="http://schemas.microsoft.com/office/powerpoint/2010/main" val="821576765"/>
-      </p:ext>
-    </p:extLst>
-  </p:cSld>
-  <p:clrMapOvr>
-    <a:masterClrMapping/>
-  </p:clrMapOvr>
-</p:sld>
-</file>
-
-<file path=ppt/slides/slide9.xml><?xml version="1.0" encoding="utf-8"?>
-<p:sld xmlns:a="http://schemas.openxmlformats.org/drawingml/2006/main" xmlns:r="http://schemas.openxmlformats.org/officeDocument/2006/relationships" xmlns:p="http://schemas.openxmlformats.org/presentationml/2006/main">
-  <p:cSld>
-    <p:spTree>
-      <p:nvGrpSpPr>
-        <p:cNvPr id="1" name=""/>
-        <p:cNvGrpSpPr/>
-        <p:nvPr/>
-      </p:nvGrpSpPr>
-      <p:grpSpPr>
-        <a:xfrm>
-          <a:off x="0" y="0"/>
-          <a:ext cx="0" cy="0"/>
-          <a:chOff x="0" y="0"/>
-          <a:chExt cx="0" cy="0"/>
-        </a:xfrm>
-      </p:grpSpPr>
-      <p:sp>
-        <p:nvSpPr>
-          <p:cNvPr id="2" name="Text Placeholder 1">
-            <a:extLst>
-              <a:ext uri="{FF2B5EF4-FFF2-40B4-BE49-F238E27FC236}">
-                <a16:creationId xmlns:a16="http://schemas.microsoft.com/office/drawing/2014/main" id="{16F0CF04-B42B-C044-ACCB-6C665E5B57C0}"/>
-              </a:ext>
-            </a:extLst>
-          </p:cNvPr>
-          <p:cNvSpPr>
-            <a:spLocks noGrp="1"/>
-          </p:cNvSpPr>
-          <p:nvPr>
-            <p:ph type="body" idx="1"/>
-          </p:nvPr>
-        </p:nvSpPr>
-        <p:spPr>
-          <a:xfrm>
-            <a:off x="268210" y="2360141"/>
-            <a:ext cx="11666400" cy="4182862"/>
-          </a:xfrm>
-        </p:spPr>
-        <p:txBody>
-          <a:bodyPr/>
-          <a:lstStyle/>
-          <a:p>
-            <a:pPr marL="114300" indent="0" algn="ctr">
-              <a:buNone/>
-            </a:pPr>
-            <a:r>
-              <a:rPr lang="en-US" sz="4800" dirty="0"/>
-              <a:t>What is the appropriate comparison </a:t>
-            </a:r>
-          </a:p>
-          <a:p>
-            <a:pPr marL="114300" indent="0" algn="ctr">
-              <a:buNone/>
-            </a:pPr>
-            <a:r>
-              <a:rPr lang="en-US" sz="4800" dirty="0"/>
-              <a:t>for your ML model?</a:t>
-            </a:r>
-          </a:p>
-        </p:txBody>
-      </p:sp>
-      <p:sp>
-        <p:nvSpPr>
-          <p:cNvPr id="3" name="Title 2">
-            <a:extLst>
-              <a:ext uri="{FF2B5EF4-FFF2-40B4-BE49-F238E27FC236}">
-                <a16:creationId xmlns:a16="http://schemas.microsoft.com/office/drawing/2014/main" id="{FC049B21-A440-624B-941A-2CE526530E5B}"/>
-              </a:ext>
-            </a:extLst>
-          </p:cNvPr>
-          <p:cNvSpPr>
-            <a:spLocks noGrp="1"/>
-          </p:cNvSpPr>
-          <p:nvPr>
-            <p:ph type="title"/>
-          </p:nvPr>
-        </p:nvSpPr>
-        <p:spPr/>
-        <p:txBody>
-          <a:bodyPr/>
-          <a:lstStyle/>
-          <a:p>
-            <a:r>
-              <a:rPr lang="en-US" dirty="0"/>
-              <a:t>Baselines</a:t>
-            </a:r>
-          </a:p>
-        </p:txBody>
-      </p:sp>
-    </p:spTree>
-    <p:extLst>
-      <p:ext uri="{BB962C8B-B14F-4D97-AF65-F5344CB8AC3E}">
-        <p14:creationId xmlns:p14="http://schemas.microsoft.com/office/powerpoint/2010/main" val="1335110213"/>
       </p:ext>
     </p:extLst>
   </p:cSld>

--- a/03 - Data Exploration, Analytical Formulation, and Baselines/formulation-and-baselines.pptx
+++ b/03 - Data Exploration, Analytical Formulation, and Baselines/formulation-and-baselines.pptx
@@ -261,7 +261,7 @@
       <p15:sldGuideLst xmlns:p15="http://schemas.microsoft.com/office/powerpoint/2012/main"/>
     </p:ext>
     <p:ext uri="http://customooxmlschemas.google.com/">
-      <go:slidesCustomData xmlns:go="http://customooxmlschemas.google.com/" xmlns:p15="http://schemas.microsoft.com/office/powerpoint/2012/main" xmlns:p14="http://schemas.microsoft.com/office/powerpoint/2010/main" xmlns:com="http://schemas.openxmlformats.org/drawingml/2006/compatibility" xmlns:pvml="urn:schemas-microsoft-com:office:powerpoint" xmlns:v="urn:schemas-microsoft-com:vml" xmlns:o="urn:schemas-microsoft-com:office:office" xmlns:dgm="http://schemas.openxmlformats.org/drawingml/2006/diagram" xmlns:c="http://schemas.openxmlformats.org/drawingml/2006/chart" xmlns:mv="urn:schemas-microsoft-com:mac:vml" xmlns:mc="http://schemas.openxmlformats.org/markup-compatibility/2006" xmlns="" r:id="rId30" roundtripDataSignature="AMtx7mjFyVUGRZWio+dc9dxzYsimUxNJbg=="/>
+      <go:slidesCustomData xmlns="" xmlns:mc="http://schemas.openxmlformats.org/markup-compatibility/2006" xmlns:mv="urn:schemas-microsoft-com:mac:vml" xmlns:c="http://schemas.openxmlformats.org/drawingml/2006/chart" xmlns:dgm="http://schemas.openxmlformats.org/drawingml/2006/diagram" xmlns:o="urn:schemas-microsoft-com:office:office" xmlns:v="urn:schemas-microsoft-com:vml" xmlns:pvml="urn:schemas-microsoft-com:office:powerpoint" xmlns:com="http://schemas.openxmlformats.org/drawingml/2006/compatibility" xmlns:p14="http://schemas.microsoft.com/office/powerpoint/2010/main" xmlns:p15="http://schemas.microsoft.com/office/powerpoint/2012/main" xmlns:go="http://customooxmlschemas.google.com/" r:id="rId30" roundtripDataSignature="AMtx7mjFyVUGRZWio+dc9dxzYsimUxNJbg=="/>
     </p:ext>
   </p:extLst>
 </p:presentation>
@@ -4369,10 +4369,10 @@
       </p:grpSpPr>
       <p:pic>
         <p:nvPicPr>
-          <p:cNvPr id="6" name="Picture 5">
+          <p:cNvPr id="3" name="Picture 2">
             <a:extLst>
               <a:ext uri="{FF2B5EF4-FFF2-40B4-BE49-F238E27FC236}">
-                <a16:creationId xmlns:a16="http://schemas.microsoft.com/office/drawing/2014/main" id="{D815327F-2A1E-4D4C-8B82-3E0A05F0C899}"/>
+                <a16:creationId xmlns:a16="http://schemas.microsoft.com/office/drawing/2014/main" id="{ED0694BE-69CC-A440-B73A-B5DFD765D8F5}"/>
               </a:ext>
             </a:extLst>
           </p:cNvPr>
@@ -4381,15 +4381,16 @@
           </p:cNvPicPr>
           <p:nvPr/>
         </p:nvPicPr>
-        <p:blipFill rotWithShape="1">
+        <p:blipFill>
           <a:blip r:embed="rId2"/>
-          <a:srcRect l="1569"/>
-          <a:stretch/>
+          <a:stretch>
+            <a:fillRect/>
+          </a:stretch>
         </p:blipFill>
         <p:spPr>
           <a:xfrm>
-            <a:off x="1701568" y="247630"/>
-            <a:ext cx="8788863" cy="6499274"/>
+            <a:off x="1902673" y="0"/>
+            <a:ext cx="8386653" cy="6858000"/>
           </a:xfrm>
           <a:prstGeom prst="rect">
             <a:avLst/>

--- a/03 - Data Exploration, Analytical Formulation, and Baselines/formulation-and-baselines.pptx
+++ b/03 - Data Exploration, Analytical Formulation, and Baselines/formulation-and-baselines.pptx
@@ -5,7 +5,7 @@
     <p:sldMasterId id="2147483648" r:id="rId1"/>
   </p:sldMasterIdLst>
   <p:notesMasterIdLst>
-    <p:notesMasterId r:id="rId18"/>
+    <p:notesMasterId r:id="rId23"/>
   </p:notesMasterIdLst>
   <p:sldIdLst>
     <p:sldId id="256" r:id="rId2"/>
@@ -16,14 +16,19 @@
     <p:sldId id="434" r:id="rId7"/>
     <p:sldId id="429" r:id="rId8"/>
     <p:sldId id="435" r:id="rId9"/>
-    <p:sldId id="428" r:id="rId10"/>
-    <p:sldId id="427" r:id="rId11"/>
-    <p:sldId id="432" r:id="rId12"/>
-    <p:sldId id="431" r:id="rId13"/>
-    <p:sldId id="433" r:id="rId14"/>
-    <p:sldId id="437" r:id="rId15"/>
-    <p:sldId id="438" r:id="rId16"/>
-    <p:sldId id="439" r:id="rId17"/>
+    <p:sldId id="443" r:id="rId10"/>
+    <p:sldId id="444" r:id="rId11"/>
+    <p:sldId id="428" r:id="rId12"/>
+    <p:sldId id="441" r:id="rId13"/>
+    <p:sldId id="442" r:id="rId14"/>
+    <p:sldId id="445" r:id="rId15"/>
+    <p:sldId id="427" r:id="rId16"/>
+    <p:sldId id="432" r:id="rId17"/>
+    <p:sldId id="431" r:id="rId18"/>
+    <p:sldId id="433" r:id="rId19"/>
+    <p:sldId id="437" r:id="rId20"/>
+    <p:sldId id="438" r:id="rId21"/>
+    <p:sldId id="439" r:id="rId22"/>
   </p:sldIdLst>
   <p:sldSz cx="12192000" cy="6858000"/>
   <p:notesSz cx="6858000" cy="9144000"/>
@@ -261,7 +266,7 @@
       <p15:sldGuideLst xmlns:p15="http://schemas.microsoft.com/office/powerpoint/2012/main"/>
     </p:ext>
     <p:ext uri="http://customooxmlschemas.google.com/">
-      <go:slidesCustomData xmlns="" xmlns:mc="http://schemas.openxmlformats.org/markup-compatibility/2006" xmlns:mv="urn:schemas-microsoft-com:mac:vml" xmlns:c="http://schemas.openxmlformats.org/drawingml/2006/chart" xmlns:dgm="http://schemas.openxmlformats.org/drawingml/2006/diagram" xmlns:o="urn:schemas-microsoft-com:office:office" xmlns:v="urn:schemas-microsoft-com:vml" xmlns:pvml="urn:schemas-microsoft-com:office:powerpoint" xmlns:com="http://schemas.openxmlformats.org/drawingml/2006/compatibility" xmlns:p14="http://schemas.microsoft.com/office/powerpoint/2010/main" xmlns:p15="http://schemas.microsoft.com/office/powerpoint/2012/main" xmlns:go="http://customooxmlschemas.google.com/" r:id="rId30" roundtripDataSignature="AMtx7mjFyVUGRZWio+dc9dxzYsimUxNJbg=="/>
+      <go:slidesCustomData xmlns:go="http://customooxmlschemas.google.com/" xmlns:p15="http://schemas.microsoft.com/office/powerpoint/2012/main" xmlns:p14="http://schemas.microsoft.com/office/powerpoint/2010/main" xmlns:com="http://schemas.openxmlformats.org/drawingml/2006/compatibility" xmlns:pvml="urn:schemas-microsoft-com:office:powerpoint" xmlns:v="urn:schemas-microsoft-com:vml" xmlns:o="urn:schemas-microsoft-com:office:office" xmlns:dgm="http://schemas.openxmlformats.org/drawingml/2006/diagram" xmlns:c="http://schemas.openxmlformats.org/drawingml/2006/chart" xmlns:mv="urn:schemas-microsoft-com:mac:vml" xmlns:mc="http://schemas.openxmlformats.org/markup-compatibility/2006" xmlns="" r:id="rId30" roundtripDataSignature="AMtx7mjFyVUGRZWio+dc9dxzYsimUxNJbg=="/>
     </p:ext>
   </p:extLst>
 </p:presentation>
@@ -3793,55 +3798,10 @@
       </p:grpSpPr>
       <p:sp>
         <p:nvSpPr>
-          <p:cNvPr id="2" name="Text Placeholder 1">
-            <a:extLst>
-              <a:ext uri="{FF2B5EF4-FFF2-40B4-BE49-F238E27FC236}">
-                <a16:creationId xmlns:a16="http://schemas.microsoft.com/office/drawing/2014/main" id="{16F0CF04-B42B-C044-ACCB-6C665E5B57C0}"/>
-              </a:ext>
-            </a:extLst>
-          </p:cNvPr>
-          <p:cNvSpPr>
-            <a:spLocks noGrp="1"/>
-          </p:cNvSpPr>
-          <p:nvPr>
-            <p:ph type="body" idx="1"/>
-          </p:nvPr>
-        </p:nvSpPr>
-        <p:spPr>
-          <a:xfrm>
-            <a:off x="268210" y="2360141"/>
-            <a:ext cx="11666400" cy="4182862"/>
-          </a:xfrm>
-        </p:spPr>
-        <p:txBody>
-          <a:bodyPr/>
-          <a:lstStyle/>
-          <a:p>
-            <a:pPr marL="114300" indent="0" algn="ctr">
-              <a:buNone/>
-            </a:pPr>
-            <a:r>
-              <a:rPr lang="en-US" sz="4800" dirty="0"/>
-              <a:t>What is the appropriate comparison </a:t>
-            </a:r>
-          </a:p>
-          <a:p>
-            <a:pPr marL="114300" indent="0" algn="ctr">
-              <a:buNone/>
-            </a:pPr>
-            <a:r>
-              <a:rPr lang="en-US" sz="4800" dirty="0"/>
-              <a:t>for your ML model?</a:t>
-            </a:r>
-          </a:p>
-        </p:txBody>
-      </p:sp>
-      <p:sp>
-        <p:nvSpPr>
           <p:cNvPr id="3" name="Title 2">
             <a:extLst>
               <a:ext uri="{FF2B5EF4-FFF2-40B4-BE49-F238E27FC236}">
-                <a16:creationId xmlns:a16="http://schemas.microsoft.com/office/drawing/2014/main" id="{FC049B21-A440-624B-941A-2CE526530E5B}"/>
+                <a16:creationId xmlns:a16="http://schemas.microsoft.com/office/drawing/2014/main" id="{D3765B02-360A-1F41-913A-E71E561203CC}"/>
               </a:ext>
             </a:extLst>
           </p:cNvPr>
@@ -3859,7 +3819,641 @@
           <a:p>
             <a:r>
               <a:rPr lang="en-US" dirty="0"/>
-              <a:t>Baselines</a:t>
+              <a:t>Structuring the Analytical Formulation</a:t>
+            </a:r>
+          </a:p>
+        </p:txBody>
+      </p:sp>
+      <p:sp>
+        <p:nvSpPr>
+          <p:cNvPr id="4" name="Google Shape;173;p42">
+            <a:extLst>
+              <a:ext uri="{FF2B5EF4-FFF2-40B4-BE49-F238E27FC236}">
+                <a16:creationId xmlns:a16="http://schemas.microsoft.com/office/drawing/2014/main" id="{11008A05-00C0-7C4B-9E7A-F5D9E79C776A}"/>
+              </a:ext>
+            </a:extLst>
+          </p:cNvPr>
+          <p:cNvSpPr/>
+          <p:nvPr/>
+        </p:nvSpPr>
+        <p:spPr>
+          <a:xfrm>
+            <a:off x="1688840" y="2398130"/>
+            <a:ext cx="2343000" cy="3153300"/>
+          </a:xfrm>
+          <a:prstGeom prst="rect">
+            <a:avLst/>
+          </a:prstGeom>
+          <a:solidFill>
+            <a:schemeClr val="lt2"/>
+          </a:solidFill>
+          <a:ln w="9525" cap="flat" cmpd="sng">
+            <a:solidFill>
+              <a:schemeClr val="dk2"/>
+            </a:solidFill>
+            <a:prstDash val="solid"/>
+            <a:round/>
+            <a:headEnd type="none" w="sm" len="sm"/>
+            <a:tailEnd type="none" w="sm" len="sm"/>
+          </a:ln>
+        </p:spPr>
+        <p:txBody>
+          <a:bodyPr spcFirstLastPara="1" wrap="square" lIns="91425" tIns="91425" rIns="91425" bIns="91425" anchor="ctr" anchorCtr="0">
+            <a:noAutofit/>
+          </a:bodyPr>
+          <a:lstStyle/>
+          <a:p>
+            <a:pPr marL="0" lvl="0" indent="0" algn="l" rtl="0">
+              <a:spcBef>
+                <a:spcPts val="0"/>
+              </a:spcBef>
+              <a:spcAft>
+                <a:spcPts val="0"/>
+              </a:spcAft>
+              <a:buNone/>
+            </a:pPr>
+            <a:endParaRPr/>
+          </a:p>
+        </p:txBody>
+      </p:sp>
+      <p:sp>
+        <p:nvSpPr>
+          <p:cNvPr id="5" name="Google Shape;175;p42">
+            <a:extLst>
+              <a:ext uri="{FF2B5EF4-FFF2-40B4-BE49-F238E27FC236}">
+                <a16:creationId xmlns:a16="http://schemas.microsoft.com/office/drawing/2014/main" id="{A503C09B-93C0-FB43-BCF8-DB719EF203C3}"/>
+              </a:ext>
+            </a:extLst>
+          </p:cNvPr>
+          <p:cNvSpPr txBox="1">
+            <a:spLocks noGrp="1"/>
+          </p:cNvSpPr>
+          <p:nvPr>
+            <p:ph type="body" idx="1"/>
+          </p:nvPr>
+        </p:nvSpPr>
+        <p:spPr>
+          <a:xfrm>
+            <a:off x="4220940" y="2306905"/>
+            <a:ext cx="6398400" cy="3416400"/>
+          </a:xfrm>
+          <a:prstGeom prst="rect">
+            <a:avLst/>
+          </a:prstGeom>
+        </p:spPr>
+        <p:txBody>
+          <a:bodyPr spcFirstLastPara="1" wrap="square" lIns="91425" tIns="91425" rIns="91425" bIns="91425" anchor="t" anchorCtr="0">
+            <a:noAutofit/>
+          </a:bodyPr>
+          <a:lstStyle/>
+          <a:p>
+            <a:pPr marL="0" lvl="0" indent="0" algn="l" rtl="0">
+              <a:spcBef>
+                <a:spcPts val="0"/>
+              </a:spcBef>
+              <a:spcAft>
+                <a:spcPts val="1600"/>
+              </a:spcAft>
+              <a:buNone/>
+            </a:pPr>
+            <a:r>
+              <a:rPr lang="en" sz="2600" dirty="0">
+                <a:solidFill>
+                  <a:srgbClr val="FF0000"/>
+                </a:solidFill>
+              </a:rPr>
+              <a:t>On the 15</a:t>
+            </a:r>
+            <a:r>
+              <a:rPr lang="en" sz="2600" baseline="30000" dirty="0">
+                <a:solidFill>
+                  <a:srgbClr val="FF0000"/>
+                </a:solidFill>
+              </a:rPr>
+              <a:t>th</a:t>
+            </a:r>
+            <a:r>
+              <a:rPr lang="en" sz="2600" dirty="0">
+                <a:solidFill>
+                  <a:srgbClr val="FF0000"/>
+                </a:solidFill>
+              </a:rPr>
+              <a:t> of every month</a:t>
+            </a:r>
+            <a:r>
+              <a:rPr lang="en" sz="2600" dirty="0"/>
+              <a:t>, for </a:t>
+            </a:r>
+            <a:r>
+              <a:rPr lang="en" sz="2600" dirty="0">
+                <a:solidFill>
+                  <a:srgbClr val="0000FF"/>
+                </a:solidFill>
+              </a:rPr>
+              <a:t>all households with children under 2 years old</a:t>
+            </a:r>
+            <a:r>
+              <a:rPr lang="en" sz="2600" dirty="0"/>
+              <a:t>, can we identify the </a:t>
+            </a:r>
+            <a:r>
+              <a:rPr lang="en" sz="2600" dirty="0">
+                <a:solidFill>
+                  <a:srgbClr val="FF00FF"/>
+                </a:solidFill>
+              </a:rPr>
+              <a:t>50 highest risk households</a:t>
+            </a:r>
+            <a:r>
+              <a:rPr lang="en" sz="2600" dirty="0"/>
+              <a:t> who are </a:t>
+            </a:r>
+            <a:r>
+              <a:rPr lang="en" sz="2600" dirty="0">
+                <a:solidFill>
+                  <a:srgbClr val="38761D"/>
+                </a:solidFill>
+              </a:rPr>
+              <a:t>likely to be affected by lead hazards </a:t>
+            </a:r>
+            <a:r>
+              <a:rPr lang="en" sz="2600" dirty="0">
+                <a:solidFill>
+                  <a:srgbClr val="B45F06"/>
+                </a:solidFill>
+              </a:rPr>
+              <a:t>to prioritize for inspection and remediation of lead sources in the following month</a:t>
+            </a:r>
+            <a:r>
+              <a:rPr lang="en" sz="2600" dirty="0"/>
+              <a:t>?</a:t>
+            </a:r>
+            <a:endParaRPr sz="2600" dirty="0"/>
+          </a:p>
+        </p:txBody>
+      </p:sp>
+      <p:sp>
+        <p:nvSpPr>
+          <p:cNvPr id="6" name="Google Shape;176;p42">
+            <a:extLst>
+              <a:ext uri="{FF2B5EF4-FFF2-40B4-BE49-F238E27FC236}">
+                <a16:creationId xmlns:a16="http://schemas.microsoft.com/office/drawing/2014/main" id="{37D6DBA9-5D69-154C-A120-4ADBF03F7CF7}"/>
+              </a:ext>
+            </a:extLst>
+          </p:cNvPr>
+          <p:cNvSpPr txBox="1"/>
+          <p:nvPr/>
+        </p:nvSpPr>
+        <p:spPr>
+          <a:xfrm>
+            <a:off x="1732190" y="2398130"/>
+            <a:ext cx="2256300" cy="597000"/>
+          </a:xfrm>
+          <a:prstGeom prst="rect">
+            <a:avLst/>
+          </a:prstGeom>
+          <a:noFill/>
+          <a:ln>
+            <a:noFill/>
+          </a:ln>
+        </p:spPr>
+        <p:txBody>
+          <a:bodyPr spcFirstLastPara="1" wrap="square" lIns="91425" tIns="91425" rIns="91425" bIns="91425" anchor="t" anchorCtr="0">
+            <a:noAutofit/>
+          </a:bodyPr>
+          <a:lstStyle/>
+          <a:p>
+            <a:pPr marL="0" lvl="0" indent="0" algn="l" rtl="0">
+              <a:spcBef>
+                <a:spcPts val="0"/>
+              </a:spcBef>
+              <a:spcAft>
+                <a:spcPts val="0"/>
+              </a:spcAft>
+              <a:buNone/>
+            </a:pPr>
+            <a:r>
+              <a:rPr lang="en">
+                <a:solidFill>
+                  <a:srgbClr val="FF0000"/>
+                </a:solidFill>
+              </a:rPr>
+              <a:t>How often is the recommendation/decision being made?</a:t>
+            </a:r>
+            <a:endParaRPr>
+              <a:solidFill>
+                <a:srgbClr val="FF0000"/>
+              </a:solidFill>
+            </a:endParaRPr>
+          </a:p>
+        </p:txBody>
+      </p:sp>
+      <p:sp>
+        <p:nvSpPr>
+          <p:cNvPr id="7" name="Google Shape;177;p42">
+            <a:extLst>
+              <a:ext uri="{FF2B5EF4-FFF2-40B4-BE49-F238E27FC236}">
+                <a16:creationId xmlns:a16="http://schemas.microsoft.com/office/drawing/2014/main" id="{6A2D549C-59C2-0340-9130-F3B04EEF3F59}"/>
+              </a:ext>
+            </a:extLst>
+          </p:cNvPr>
+          <p:cNvSpPr txBox="1"/>
+          <p:nvPr/>
+        </p:nvSpPr>
+        <p:spPr>
+          <a:xfrm>
+            <a:off x="1736040" y="3275280"/>
+            <a:ext cx="2256300" cy="597000"/>
+          </a:xfrm>
+          <a:prstGeom prst="rect">
+            <a:avLst/>
+          </a:prstGeom>
+          <a:noFill/>
+          <a:ln>
+            <a:noFill/>
+          </a:ln>
+        </p:spPr>
+        <p:txBody>
+          <a:bodyPr spcFirstLastPara="1" wrap="square" lIns="91425" tIns="91425" rIns="91425" bIns="91425" anchor="t" anchorCtr="0">
+            <a:noAutofit/>
+          </a:bodyPr>
+          <a:lstStyle/>
+          <a:p>
+            <a:pPr marL="0" lvl="0" indent="0" algn="l" rtl="0">
+              <a:spcBef>
+                <a:spcPts val="0"/>
+              </a:spcBef>
+              <a:spcAft>
+                <a:spcPts val="0"/>
+              </a:spcAft>
+              <a:buNone/>
+            </a:pPr>
+            <a:r>
+              <a:rPr lang="en">
+                <a:solidFill>
+                  <a:srgbClr val="0000FF"/>
+                </a:solidFill>
+              </a:rPr>
+              <a:t>Who/what is included in the cohort?</a:t>
+            </a:r>
+            <a:endParaRPr>
+              <a:solidFill>
+                <a:srgbClr val="0000FF"/>
+              </a:solidFill>
+            </a:endParaRPr>
+          </a:p>
+        </p:txBody>
+      </p:sp>
+      <p:sp>
+        <p:nvSpPr>
+          <p:cNvPr id="8" name="Google Shape;178;p42">
+            <a:extLst>
+              <a:ext uri="{FF2B5EF4-FFF2-40B4-BE49-F238E27FC236}">
+                <a16:creationId xmlns:a16="http://schemas.microsoft.com/office/drawing/2014/main" id="{A7B784C6-E226-7546-90BA-7A3243A70F6B}"/>
+              </a:ext>
+            </a:extLst>
+          </p:cNvPr>
+          <p:cNvSpPr txBox="1"/>
+          <p:nvPr/>
+        </p:nvSpPr>
+        <p:spPr>
+          <a:xfrm>
+            <a:off x="1736040" y="3923830"/>
+            <a:ext cx="2256300" cy="597000"/>
+          </a:xfrm>
+          <a:prstGeom prst="rect">
+            <a:avLst/>
+          </a:prstGeom>
+          <a:noFill/>
+          <a:ln>
+            <a:noFill/>
+          </a:ln>
+        </p:spPr>
+        <p:txBody>
+          <a:bodyPr spcFirstLastPara="1" wrap="square" lIns="91425" tIns="91425" rIns="91425" bIns="91425" anchor="t" anchorCtr="0">
+            <a:noAutofit/>
+          </a:bodyPr>
+          <a:lstStyle/>
+          <a:p>
+            <a:pPr marL="0" lvl="0" indent="0" algn="l" rtl="0">
+              <a:spcBef>
+                <a:spcPts val="0"/>
+              </a:spcBef>
+              <a:spcAft>
+                <a:spcPts val="0"/>
+              </a:spcAft>
+              <a:buNone/>
+            </a:pPr>
+            <a:r>
+              <a:rPr lang="en">
+                <a:solidFill>
+                  <a:srgbClr val="FF00FF"/>
+                </a:solidFill>
+              </a:rPr>
+              <a:t>What is the output?</a:t>
+            </a:r>
+            <a:endParaRPr>
+              <a:solidFill>
+                <a:srgbClr val="FF00FF"/>
+              </a:solidFill>
+            </a:endParaRPr>
+          </a:p>
+        </p:txBody>
+      </p:sp>
+      <p:sp>
+        <p:nvSpPr>
+          <p:cNvPr id="9" name="Google Shape;179;p42">
+            <a:extLst>
+              <a:ext uri="{FF2B5EF4-FFF2-40B4-BE49-F238E27FC236}">
+                <a16:creationId xmlns:a16="http://schemas.microsoft.com/office/drawing/2014/main" id="{0D4F98CB-D85C-3F48-A552-B472AA7D6F71}"/>
+              </a:ext>
+            </a:extLst>
+          </p:cNvPr>
+          <p:cNvSpPr txBox="1"/>
+          <p:nvPr/>
+        </p:nvSpPr>
+        <p:spPr>
+          <a:xfrm>
+            <a:off x="1732190" y="4444630"/>
+            <a:ext cx="2256300" cy="1106700"/>
+          </a:xfrm>
+          <a:prstGeom prst="rect">
+            <a:avLst/>
+          </a:prstGeom>
+          <a:noFill/>
+          <a:ln>
+            <a:noFill/>
+          </a:ln>
+        </p:spPr>
+        <p:txBody>
+          <a:bodyPr spcFirstLastPara="1" wrap="square" lIns="91425" tIns="91425" rIns="91425" bIns="91425" anchor="t" anchorCtr="0">
+            <a:noAutofit/>
+          </a:bodyPr>
+          <a:lstStyle/>
+          <a:p>
+            <a:pPr marL="0" lvl="0" indent="0" algn="l" rtl="0">
+              <a:spcBef>
+                <a:spcPts val="0"/>
+              </a:spcBef>
+              <a:spcAft>
+                <a:spcPts val="0"/>
+              </a:spcAft>
+              <a:buNone/>
+            </a:pPr>
+            <a:r>
+              <a:rPr lang="en">
+                <a:solidFill>
+                  <a:srgbClr val="274E13"/>
+                </a:solidFill>
+              </a:rPr>
+              <a:t>What outcome are you predicting/estimating?</a:t>
+            </a:r>
+            <a:endParaRPr>
+              <a:solidFill>
+                <a:srgbClr val="274E13"/>
+              </a:solidFill>
+            </a:endParaRPr>
+          </a:p>
+          <a:p>
+            <a:pPr marL="0" lvl="0" indent="0" algn="l" rtl="0">
+              <a:spcBef>
+                <a:spcPts val="0"/>
+              </a:spcBef>
+              <a:spcAft>
+                <a:spcPts val="0"/>
+              </a:spcAft>
+              <a:buNone/>
+            </a:pPr>
+            <a:endParaRPr>
+              <a:solidFill>
+                <a:srgbClr val="274E13"/>
+              </a:solidFill>
+            </a:endParaRPr>
+          </a:p>
+          <a:p>
+            <a:pPr marL="0" lvl="0" indent="0" algn="l" rtl="0">
+              <a:spcBef>
+                <a:spcPts val="0"/>
+              </a:spcBef>
+              <a:spcAft>
+                <a:spcPts val="0"/>
+              </a:spcAft>
+              <a:buNone/>
+            </a:pPr>
+            <a:r>
+              <a:rPr lang="en">
+                <a:solidFill>
+                  <a:srgbClr val="B45F06"/>
+                </a:solidFill>
+              </a:rPr>
+              <a:t>For what purpose?</a:t>
+            </a:r>
+            <a:endParaRPr>
+              <a:solidFill>
+                <a:srgbClr val="274E13"/>
+              </a:solidFill>
+            </a:endParaRPr>
+          </a:p>
+        </p:txBody>
+      </p:sp>
+      <p:sp>
+        <p:nvSpPr>
+          <p:cNvPr id="2" name="Rectangle 1">
+            <a:extLst>
+              <a:ext uri="{FF2B5EF4-FFF2-40B4-BE49-F238E27FC236}">
+                <a16:creationId xmlns:a16="http://schemas.microsoft.com/office/drawing/2014/main" id="{A64DF15E-A5D3-1C42-BB60-02F791885D32}"/>
+              </a:ext>
+            </a:extLst>
+          </p:cNvPr>
+          <p:cNvSpPr/>
+          <p:nvPr/>
+        </p:nvSpPr>
+        <p:spPr>
+          <a:xfrm>
+            <a:off x="5394960" y="2398130"/>
+            <a:ext cx="2834640" cy="470800"/>
+          </a:xfrm>
+          <a:prstGeom prst="rect">
+            <a:avLst/>
+          </a:prstGeom>
+          <a:solidFill>
+            <a:schemeClr val="accent1">
+              <a:alpha val="49746"/>
+            </a:schemeClr>
+          </a:solidFill>
+        </p:spPr>
+        <p:style>
+          <a:lnRef idx="2">
+            <a:schemeClr val="accent1">
+              <a:shade val="50000"/>
+            </a:schemeClr>
+          </a:lnRef>
+          <a:fillRef idx="1">
+            <a:schemeClr val="accent1"/>
+          </a:fillRef>
+          <a:effectRef idx="0">
+            <a:schemeClr val="accent1"/>
+          </a:effectRef>
+          <a:fontRef idx="minor">
+            <a:schemeClr val="lt1"/>
+          </a:fontRef>
+        </p:style>
+        <p:txBody>
+          <a:bodyPr rtlCol="0" anchor="ctr"/>
+          <a:lstStyle/>
+          <a:p>
+            <a:pPr algn="ctr"/>
+            <a:endParaRPr lang="en-US" dirty="0"/>
+          </a:p>
+        </p:txBody>
+      </p:sp>
+      <p:sp>
+        <p:nvSpPr>
+          <p:cNvPr id="10" name="Rectangle 9">
+            <a:extLst>
+              <a:ext uri="{FF2B5EF4-FFF2-40B4-BE49-F238E27FC236}">
+                <a16:creationId xmlns:a16="http://schemas.microsoft.com/office/drawing/2014/main" id="{CF1B6305-A4B4-E54B-B09C-6B53EE3A414D}"/>
+              </a:ext>
+            </a:extLst>
+          </p:cNvPr>
+          <p:cNvSpPr/>
+          <p:nvPr/>
+        </p:nvSpPr>
+        <p:spPr>
+          <a:xfrm>
+            <a:off x="7717948" y="3343243"/>
+            <a:ext cx="511652" cy="470800"/>
+          </a:xfrm>
+          <a:prstGeom prst="rect">
+            <a:avLst/>
+          </a:prstGeom>
+          <a:solidFill>
+            <a:schemeClr val="accent1">
+              <a:alpha val="49746"/>
+            </a:schemeClr>
+          </a:solidFill>
+        </p:spPr>
+        <p:style>
+          <a:lnRef idx="2">
+            <a:schemeClr val="accent1">
+              <a:shade val="50000"/>
+            </a:schemeClr>
+          </a:lnRef>
+          <a:fillRef idx="1">
+            <a:schemeClr val="accent1"/>
+          </a:fillRef>
+          <a:effectRef idx="0">
+            <a:schemeClr val="accent1"/>
+          </a:effectRef>
+          <a:fontRef idx="minor">
+            <a:schemeClr val="lt1"/>
+          </a:fontRef>
+        </p:style>
+        <p:txBody>
+          <a:bodyPr rtlCol="0" anchor="ctr"/>
+          <a:lstStyle/>
+          <a:p>
+            <a:pPr algn="ctr"/>
+            <a:endParaRPr lang="en-US" dirty="0"/>
+          </a:p>
+        </p:txBody>
+      </p:sp>
+      <p:sp>
+        <p:nvSpPr>
+          <p:cNvPr id="11" name="Rectangle 10">
+            <a:extLst>
+              <a:ext uri="{FF2B5EF4-FFF2-40B4-BE49-F238E27FC236}">
+                <a16:creationId xmlns:a16="http://schemas.microsoft.com/office/drawing/2014/main" id="{D619EA83-5842-4746-B15E-D431D637C2DD}"/>
+              </a:ext>
+            </a:extLst>
+          </p:cNvPr>
+          <p:cNvSpPr/>
+          <p:nvPr/>
+        </p:nvSpPr>
+        <p:spPr>
+          <a:xfrm>
+            <a:off x="7982465" y="2875108"/>
+            <a:ext cx="2088292" cy="470800"/>
+          </a:xfrm>
+          <a:prstGeom prst="rect">
+            <a:avLst/>
+          </a:prstGeom>
+          <a:solidFill>
+            <a:schemeClr val="accent1">
+              <a:alpha val="49746"/>
+            </a:schemeClr>
+          </a:solidFill>
+        </p:spPr>
+        <p:style>
+          <a:lnRef idx="2">
+            <a:schemeClr val="accent1">
+              <a:shade val="50000"/>
+            </a:schemeClr>
+          </a:lnRef>
+          <a:fillRef idx="1">
+            <a:schemeClr val="accent1"/>
+          </a:fillRef>
+          <a:effectRef idx="0">
+            <a:schemeClr val="accent1"/>
+          </a:effectRef>
+          <a:fontRef idx="minor">
+            <a:schemeClr val="lt1"/>
+          </a:fontRef>
+        </p:style>
+        <p:txBody>
+          <a:bodyPr rtlCol="0" anchor="ctr"/>
+          <a:lstStyle/>
+          <a:p>
+            <a:pPr algn="ctr"/>
+            <a:endParaRPr lang="en-US" dirty="0"/>
+          </a:p>
+        </p:txBody>
+      </p:sp>
+      <p:sp>
+        <p:nvSpPr>
+          <p:cNvPr id="12" name="Rectangle 11">
+            <a:extLst>
+              <a:ext uri="{FF2B5EF4-FFF2-40B4-BE49-F238E27FC236}">
+                <a16:creationId xmlns:a16="http://schemas.microsoft.com/office/drawing/2014/main" id="{24B412C6-0993-8F40-BD06-03BDD703BBF8}"/>
+              </a:ext>
+            </a:extLst>
+          </p:cNvPr>
+          <p:cNvSpPr/>
+          <p:nvPr/>
+        </p:nvSpPr>
+        <p:spPr>
+          <a:xfrm>
+            <a:off x="1688840" y="5723305"/>
+            <a:ext cx="8930500" cy="1043255"/>
+          </a:xfrm>
+          <a:prstGeom prst="rect">
+            <a:avLst/>
+          </a:prstGeom>
+        </p:spPr>
+        <p:style>
+          <a:lnRef idx="2">
+            <a:schemeClr val="accent1">
+              <a:shade val="50000"/>
+            </a:schemeClr>
+          </a:lnRef>
+          <a:fillRef idx="1">
+            <a:schemeClr val="accent1"/>
+          </a:fillRef>
+          <a:effectRef idx="0">
+            <a:schemeClr val="accent1"/>
+          </a:effectRef>
+          <a:fontRef idx="minor">
+            <a:schemeClr val="lt1"/>
+          </a:fontRef>
+        </p:style>
+        <p:txBody>
+          <a:bodyPr rtlCol="0" anchor="ctr"/>
+          <a:lstStyle/>
+          <a:p>
+            <a:pPr algn="ctr"/>
+            <a:r>
+              <a:rPr lang="en-US" sz="3600" b="1" dirty="0"/>
+              <a:t>Where did these values come from?</a:t>
             </a:r>
           </a:p>
         </p:txBody>
@@ -3867,7 +4461,7 @@
     </p:spTree>
     <p:extLst>
       <p:ext uri="{BB962C8B-B14F-4D97-AF65-F5344CB8AC3E}">
-        <p14:creationId xmlns:p14="http://schemas.microsoft.com/office/powerpoint/2010/main" val="1335110213"/>
+        <p14:creationId xmlns:p14="http://schemas.microsoft.com/office/powerpoint/2010/main" val="1708241769"/>
       </p:ext>
     </p:extLst>
   </p:cSld>
@@ -3899,7 +4493,7 @@
           <p:cNvPr id="2" name="Text Placeholder 1">
             <a:extLst>
               <a:ext uri="{FF2B5EF4-FFF2-40B4-BE49-F238E27FC236}">
-                <a16:creationId xmlns:a16="http://schemas.microsoft.com/office/drawing/2014/main" id="{16F0CF04-B42B-C044-ACCB-6C665E5B57C0}"/>
+                <a16:creationId xmlns:a16="http://schemas.microsoft.com/office/drawing/2014/main" id="{853D6B69-44D2-D449-B9CE-63D5E2BFE8A0}"/>
               </a:ext>
             </a:extLst>
           </p:cNvPr>
@@ -3915,47 +4509,7 @@
           <a:bodyPr/>
           <a:lstStyle/>
           <a:p>
-            <a:r>
-              <a:rPr lang="en-US" dirty="0"/>
-              <a:t>Common Sense</a:t>
-            </a:r>
-            <a:br>
-              <a:rPr lang="en-US" dirty="0"/>
-            </a:br>
-            <a:endParaRPr lang="en-US" dirty="0"/>
-          </a:p>
-          <a:p>
-            <a:r>
-              <a:rPr lang="en-US" dirty="0"/>
-              <a:t>What they do today</a:t>
-            </a:r>
-            <a:br>
-              <a:rPr lang="en-US" dirty="0"/>
-            </a:br>
-            <a:endParaRPr lang="en-US" dirty="0"/>
-          </a:p>
-          <a:p>
-            <a:r>
-              <a:rPr lang="en-US" dirty="0"/>
-              <a:t>What they could do today easily (without any or very simple ML involved)</a:t>
-            </a:r>
-            <a:br>
-              <a:rPr lang="en-US" dirty="0"/>
-            </a:br>
-            <a:endParaRPr lang="en-US" dirty="0"/>
-          </a:p>
-          <a:p>
-            <a:r>
-              <a:rPr lang="en-US" dirty="0"/>
-              <a:t>Prior/Base Rate</a:t>
-            </a:r>
-          </a:p>
-          <a:p>
-            <a:pPr lvl="1"/>
-            <a:r>
-              <a:rPr lang="en-US" dirty="0"/>
-              <a:t>What expected value would you get if you just choose at random (based on the data distribution)?</a:t>
-            </a:r>
+            <a:endParaRPr lang="en-US"/>
           </a:p>
         </p:txBody>
       </p:sp>
@@ -3964,7 +4518,7 @@
           <p:cNvPr id="3" name="Title 2">
             <a:extLst>
               <a:ext uri="{FF2B5EF4-FFF2-40B4-BE49-F238E27FC236}">
-                <a16:creationId xmlns:a16="http://schemas.microsoft.com/office/drawing/2014/main" id="{FC049B21-A440-624B-941A-2CE526530E5B}"/>
+                <a16:creationId xmlns:a16="http://schemas.microsoft.com/office/drawing/2014/main" id="{D3765B02-360A-1F41-913A-E71E561203CC}"/>
               </a:ext>
             </a:extLst>
           </p:cNvPr>
@@ -3982,7 +4536,7 @@
           <a:p>
             <a:r>
               <a:rPr lang="en-US" dirty="0"/>
-              <a:t>Baseline Options</a:t>
+              <a:t>Analytical Formulation Examples</a:t>
             </a:r>
           </a:p>
         </p:txBody>
@@ -3990,7 +4544,7 @@
     </p:spTree>
     <p:extLst>
       <p:ext uri="{BB962C8B-B14F-4D97-AF65-F5344CB8AC3E}">
-        <p14:creationId xmlns:p14="http://schemas.microsoft.com/office/powerpoint/2010/main" val="225707519"/>
+        <p14:creationId xmlns:p14="http://schemas.microsoft.com/office/powerpoint/2010/main" val="821576765"/>
       </p:ext>
     </p:extLst>
   </p:cSld>
@@ -4019,75 +4573,10 @@
       </p:grpSpPr>
       <p:sp>
         <p:nvSpPr>
-          <p:cNvPr id="2" name="Text Placeholder 1">
-            <a:extLst>
-              <a:ext uri="{FF2B5EF4-FFF2-40B4-BE49-F238E27FC236}">
-                <a16:creationId xmlns:a16="http://schemas.microsoft.com/office/drawing/2014/main" id="{16F0CF04-B42B-C044-ACCB-6C665E5B57C0}"/>
-              </a:ext>
-            </a:extLst>
-          </p:cNvPr>
-          <p:cNvSpPr>
-            <a:spLocks noGrp="1"/>
-          </p:cNvSpPr>
-          <p:nvPr>
-            <p:ph type="body" idx="1"/>
-          </p:nvPr>
-        </p:nvSpPr>
-        <p:spPr/>
-        <p:txBody>
-          <a:bodyPr/>
-          <a:lstStyle/>
-          <a:p>
-            <a:r>
-              <a:rPr lang="en-US" dirty="0"/>
-              <a:t>How much better than baselines does our system need to be in order to deploy?</a:t>
-            </a:r>
-            <a:br>
-              <a:rPr lang="en-US" dirty="0"/>
-            </a:br>
-            <a:endParaRPr lang="en-US" dirty="0"/>
-          </a:p>
-          <a:p>
-            <a:r>
-              <a:rPr lang="en-US" dirty="0"/>
-              <a:t>Important to compare performance against the base rate/prior, but this prior rarely represents a “common sense” baseline</a:t>
-            </a:r>
-            <a:br>
-              <a:rPr lang="en-US" dirty="0"/>
-            </a:br>
-            <a:endParaRPr lang="en-US" dirty="0"/>
-          </a:p>
-          <a:p>
-            <a:r>
-              <a:rPr lang="en-US" dirty="0"/>
-              <a:t>Good baselines should provide an ordering to sort the entities</a:t>
-            </a:r>
-          </a:p>
-          <a:p>
-            <a:pPr lvl="1"/>
-            <a:r>
-              <a:rPr lang="en-US" dirty="0"/>
-              <a:t>Heuristic rules (or shallow decision trees) might reflect current practice, but can yield a small number of unique scores with lots of ties</a:t>
-            </a:r>
-            <a:br>
-              <a:rPr lang="en-US" dirty="0"/>
-            </a:br>
-            <a:endParaRPr lang="en-US" dirty="0"/>
-          </a:p>
-          <a:p>
-            <a:r>
-              <a:rPr lang="en-US" dirty="0"/>
-              <a:t>In many real-world problems, a good baseline can be difficult to beat</a:t>
-            </a:r>
-          </a:p>
-        </p:txBody>
-      </p:sp>
-      <p:sp>
-        <p:nvSpPr>
           <p:cNvPr id="3" name="Title 2">
             <a:extLst>
               <a:ext uri="{FF2B5EF4-FFF2-40B4-BE49-F238E27FC236}">
-                <a16:creationId xmlns:a16="http://schemas.microsoft.com/office/drawing/2014/main" id="{FC049B21-A440-624B-941A-2CE526530E5B}"/>
+                <a16:creationId xmlns:a16="http://schemas.microsoft.com/office/drawing/2014/main" id="{D3765B02-360A-1F41-913A-E71E561203CC}"/>
               </a:ext>
             </a:extLst>
           </p:cNvPr>
@@ -4105,15 +4594,431 @@
           <a:p>
             <a:r>
               <a:rPr lang="en-US" dirty="0"/>
-              <a:t>Baseline Considerations</a:t>
-            </a:r>
+              <a:t>Analytical Formulation Examples</a:t>
+            </a:r>
+          </a:p>
+        </p:txBody>
+      </p:sp>
+      <p:sp>
+        <p:nvSpPr>
+          <p:cNvPr id="4" name="Google Shape;173;p42">
+            <a:extLst>
+              <a:ext uri="{FF2B5EF4-FFF2-40B4-BE49-F238E27FC236}">
+                <a16:creationId xmlns:a16="http://schemas.microsoft.com/office/drawing/2014/main" id="{14B1256E-D155-A94C-946A-73C5698C162F}"/>
+              </a:ext>
+            </a:extLst>
+          </p:cNvPr>
+          <p:cNvSpPr/>
+          <p:nvPr/>
+        </p:nvSpPr>
+        <p:spPr>
+          <a:xfrm>
+            <a:off x="1688840" y="2398130"/>
+            <a:ext cx="2343000" cy="3153300"/>
+          </a:xfrm>
+          <a:prstGeom prst="rect">
+            <a:avLst/>
+          </a:prstGeom>
+          <a:solidFill>
+            <a:schemeClr val="lt2"/>
+          </a:solidFill>
+          <a:ln w="9525" cap="flat" cmpd="sng">
+            <a:solidFill>
+              <a:schemeClr val="dk2"/>
+            </a:solidFill>
+            <a:prstDash val="solid"/>
+            <a:round/>
+            <a:headEnd type="none" w="sm" len="sm"/>
+            <a:tailEnd type="none" w="sm" len="sm"/>
+          </a:ln>
+        </p:spPr>
+        <p:txBody>
+          <a:bodyPr spcFirstLastPara="1" wrap="square" lIns="91425" tIns="91425" rIns="91425" bIns="91425" anchor="ctr" anchorCtr="0">
+            <a:noAutofit/>
+          </a:bodyPr>
+          <a:lstStyle/>
+          <a:p>
+            <a:pPr marL="0" lvl="0" indent="0" algn="l" rtl="0">
+              <a:spcBef>
+                <a:spcPts val="0"/>
+              </a:spcBef>
+              <a:spcAft>
+                <a:spcPts val="0"/>
+              </a:spcAft>
+              <a:buNone/>
+            </a:pPr>
+            <a:endParaRPr/>
+          </a:p>
+        </p:txBody>
+      </p:sp>
+      <p:sp>
+        <p:nvSpPr>
+          <p:cNvPr id="5" name="Google Shape;175;p42">
+            <a:extLst>
+              <a:ext uri="{FF2B5EF4-FFF2-40B4-BE49-F238E27FC236}">
+                <a16:creationId xmlns:a16="http://schemas.microsoft.com/office/drawing/2014/main" id="{3DB02F29-727A-394F-827F-060277C7B494}"/>
+              </a:ext>
+            </a:extLst>
+          </p:cNvPr>
+          <p:cNvSpPr txBox="1">
+            <a:spLocks noGrp="1"/>
+          </p:cNvSpPr>
+          <p:nvPr>
+            <p:ph type="body" idx="1"/>
+          </p:nvPr>
+        </p:nvSpPr>
+        <p:spPr>
+          <a:xfrm>
+            <a:off x="4220940" y="2306905"/>
+            <a:ext cx="6398400" cy="3416400"/>
+          </a:xfrm>
+          <a:prstGeom prst="rect">
+            <a:avLst/>
+          </a:prstGeom>
+        </p:spPr>
+        <p:txBody>
+          <a:bodyPr spcFirstLastPara="1" wrap="square" lIns="91425" tIns="91425" rIns="91425" bIns="91425" anchor="t" anchorCtr="0">
+            <a:noAutofit/>
+          </a:bodyPr>
+          <a:lstStyle/>
+          <a:p>
+            <a:pPr marL="0" lvl="0" indent="0" algn="l" rtl="0">
+              <a:spcBef>
+                <a:spcPts val="0"/>
+              </a:spcBef>
+              <a:spcAft>
+                <a:spcPts val="1600"/>
+              </a:spcAft>
+              <a:buNone/>
+            </a:pPr>
+            <a:r>
+              <a:rPr lang="en" sz="2200">
+                <a:solidFill>
+                  <a:srgbClr val="FF0000"/>
+                </a:solidFill>
+              </a:rPr>
+              <a:t>On the first of every month</a:t>
+            </a:r>
+            <a:r>
+              <a:rPr lang="en" sz="2200"/>
+              <a:t>, for </a:t>
+            </a:r>
+            <a:r>
+              <a:rPr lang="en" sz="2200">
+                <a:solidFill>
+                  <a:srgbClr val="0000FF"/>
+                </a:solidFill>
+              </a:rPr>
+              <a:t>all the individuals who have been released from Johnson County Jail during the past 2 years and have demonstrated mental health needs</a:t>
+            </a:r>
+            <a:r>
+              <a:rPr lang="en" sz="2200"/>
+              <a:t>, can we identify the </a:t>
+            </a:r>
+            <a:r>
+              <a:rPr lang="en" sz="2200">
+                <a:solidFill>
+                  <a:srgbClr val="FF00FF"/>
+                </a:solidFill>
+              </a:rPr>
+              <a:t>200 highest risk individuals</a:t>
+            </a:r>
+            <a:r>
+              <a:rPr lang="en" sz="2200"/>
+              <a:t> who are </a:t>
+            </a:r>
+            <a:r>
+              <a:rPr lang="en" sz="2200">
+                <a:solidFill>
+                  <a:srgbClr val="38761D"/>
+                </a:solidFill>
+              </a:rPr>
+              <a:t>likely to return to jail in the next 6 months </a:t>
+            </a:r>
+            <a:r>
+              <a:rPr lang="en" sz="2200">
+                <a:solidFill>
+                  <a:srgbClr val="B45F06"/>
+                </a:solidFill>
+              </a:rPr>
+              <a:t>to prioritize for proactive mental health interventions</a:t>
+            </a:r>
+            <a:r>
+              <a:rPr lang="en" sz="2200"/>
+              <a:t>?</a:t>
+            </a:r>
+            <a:endParaRPr sz="2200"/>
+          </a:p>
+        </p:txBody>
+      </p:sp>
+      <p:sp>
+        <p:nvSpPr>
+          <p:cNvPr id="6" name="Google Shape;176;p42">
+            <a:extLst>
+              <a:ext uri="{FF2B5EF4-FFF2-40B4-BE49-F238E27FC236}">
+                <a16:creationId xmlns:a16="http://schemas.microsoft.com/office/drawing/2014/main" id="{96C50709-9A9E-324E-8E39-7DE46030D63F}"/>
+              </a:ext>
+            </a:extLst>
+          </p:cNvPr>
+          <p:cNvSpPr txBox="1"/>
+          <p:nvPr/>
+        </p:nvSpPr>
+        <p:spPr>
+          <a:xfrm>
+            <a:off x="1732190" y="2398130"/>
+            <a:ext cx="2256300" cy="597000"/>
+          </a:xfrm>
+          <a:prstGeom prst="rect">
+            <a:avLst/>
+          </a:prstGeom>
+          <a:noFill/>
+          <a:ln>
+            <a:noFill/>
+          </a:ln>
+        </p:spPr>
+        <p:txBody>
+          <a:bodyPr spcFirstLastPara="1" wrap="square" lIns="91425" tIns="91425" rIns="91425" bIns="91425" anchor="t" anchorCtr="0">
+            <a:noAutofit/>
+          </a:bodyPr>
+          <a:lstStyle/>
+          <a:p>
+            <a:pPr marL="0" lvl="0" indent="0" algn="l" rtl="0">
+              <a:spcBef>
+                <a:spcPts val="0"/>
+              </a:spcBef>
+              <a:spcAft>
+                <a:spcPts val="0"/>
+              </a:spcAft>
+              <a:buNone/>
+            </a:pPr>
+            <a:r>
+              <a:rPr lang="en">
+                <a:solidFill>
+                  <a:srgbClr val="FF0000"/>
+                </a:solidFill>
+              </a:rPr>
+              <a:t>How often is the recommendation/decision being made?</a:t>
+            </a:r>
+            <a:endParaRPr>
+              <a:solidFill>
+                <a:srgbClr val="FF0000"/>
+              </a:solidFill>
+            </a:endParaRPr>
+          </a:p>
+        </p:txBody>
+      </p:sp>
+      <p:sp>
+        <p:nvSpPr>
+          <p:cNvPr id="7" name="Google Shape;177;p42">
+            <a:extLst>
+              <a:ext uri="{FF2B5EF4-FFF2-40B4-BE49-F238E27FC236}">
+                <a16:creationId xmlns:a16="http://schemas.microsoft.com/office/drawing/2014/main" id="{D58617F3-981C-F344-866D-8BB5BAA60B03}"/>
+              </a:ext>
+            </a:extLst>
+          </p:cNvPr>
+          <p:cNvSpPr txBox="1"/>
+          <p:nvPr/>
+        </p:nvSpPr>
+        <p:spPr>
+          <a:xfrm>
+            <a:off x="1736040" y="3275280"/>
+            <a:ext cx="2256300" cy="597000"/>
+          </a:xfrm>
+          <a:prstGeom prst="rect">
+            <a:avLst/>
+          </a:prstGeom>
+          <a:noFill/>
+          <a:ln>
+            <a:noFill/>
+          </a:ln>
+        </p:spPr>
+        <p:txBody>
+          <a:bodyPr spcFirstLastPara="1" wrap="square" lIns="91425" tIns="91425" rIns="91425" bIns="91425" anchor="t" anchorCtr="0">
+            <a:noAutofit/>
+          </a:bodyPr>
+          <a:lstStyle/>
+          <a:p>
+            <a:pPr marL="0" lvl="0" indent="0" algn="l" rtl="0">
+              <a:spcBef>
+                <a:spcPts val="0"/>
+              </a:spcBef>
+              <a:spcAft>
+                <a:spcPts val="0"/>
+              </a:spcAft>
+              <a:buNone/>
+            </a:pPr>
+            <a:r>
+              <a:rPr lang="en">
+                <a:solidFill>
+                  <a:srgbClr val="0000FF"/>
+                </a:solidFill>
+              </a:rPr>
+              <a:t>Who/what is included in the cohort?</a:t>
+            </a:r>
+            <a:endParaRPr>
+              <a:solidFill>
+                <a:srgbClr val="0000FF"/>
+              </a:solidFill>
+            </a:endParaRPr>
+          </a:p>
+        </p:txBody>
+      </p:sp>
+      <p:sp>
+        <p:nvSpPr>
+          <p:cNvPr id="8" name="Google Shape;178;p42">
+            <a:extLst>
+              <a:ext uri="{FF2B5EF4-FFF2-40B4-BE49-F238E27FC236}">
+                <a16:creationId xmlns:a16="http://schemas.microsoft.com/office/drawing/2014/main" id="{C08439B6-F437-E346-AB04-4CB62D828B18}"/>
+              </a:ext>
+            </a:extLst>
+          </p:cNvPr>
+          <p:cNvSpPr txBox="1"/>
+          <p:nvPr/>
+        </p:nvSpPr>
+        <p:spPr>
+          <a:xfrm>
+            <a:off x="1736040" y="3923830"/>
+            <a:ext cx="2256300" cy="597000"/>
+          </a:xfrm>
+          <a:prstGeom prst="rect">
+            <a:avLst/>
+          </a:prstGeom>
+          <a:noFill/>
+          <a:ln>
+            <a:noFill/>
+          </a:ln>
+        </p:spPr>
+        <p:txBody>
+          <a:bodyPr spcFirstLastPara="1" wrap="square" lIns="91425" tIns="91425" rIns="91425" bIns="91425" anchor="t" anchorCtr="0">
+            <a:noAutofit/>
+          </a:bodyPr>
+          <a:lstStyle/>
+          <a:p>
+            <a:pPr marL="0" lvl="0" indent="0" algn="l" rtl="0">
+              <a:spcBef>
+                <a:spcPts val="0"/>
+              </a:spcBef>
+              <a:spcAft>
+                <a:spcPts val="0"/>
+              </a:spcAft>
+              <a:buNone/>
+            </a:pPr>
+            <a:r>
+              <a:rPr lang="en">
+                <a:solidFill>
+                  <a:srgbClr val="FF00FF"/>
+                </a:solidFill>
+              </a:rPr>
+              <a:t>What is the output?</a:t>
+            </a:r>
+            <a:endParaRPr>
+              <a:solidFill>
+                <a:srgbClr val="FF00FF"/>
+              </a:solidFill>
+            </a:endParaRPr>
+          </a:p>
+        </p:txBody>
+      </p:sp>
+      <p:sp>
+        <p:nvSpPr>
+          <p:cNvPr id="9" name="Google Shape;179;p42">
+            <a:extLst>
+              <a:ext uri="{FF2B5EF4-FFF2-40B4-BE49-F238E27FC236}">
+                <a16:creationId xmlns:a16="http://schemas.microsoft.com/office/drawing/2014/main" id="{879C4375-7810-EC44-9BE6-A9A6D6D223F2}"/>
+              </a:ext>
+            </a:extLst>
+          </p:cNvPr>
+          <p:cNvSpPr txBox="1"/>
+          <p:nvPr/>
+        </p:nvSpPr>
+        <p:spPr>
+          <a:xfrm>
+            <a:off x="1732190" y="4444630"/>
+            <a:ext cx="2256300" cy="1106700"/>
+          </a:xfrm>
+          <a:prstGeom prst="rect">
+            <a:avLst/>
+          </a:prstGeom>
+          <a:noFill/>
+          <a:ln>
+            <a:noFill/>
+          </a:ln>
+        </p:spPr>
+        <p:txBody>
+          <a:bodyPr spcFirstLastPara="1" wrap="square" lIns="91425" tIns="91425" rIns="91425" bIns="91425" anchor="t" anchorCtr="0">
+            <a:noAutofit/>
+          </a:bodyPr>
+          <a:lstStyle/>
+          <a:p>
+            <a:pPr marL="0" lvl="0" indent="0" algn="l" rtl="0">
+              <a:spcBef>
+                <a:spcPts val="0"/>
+              </a:spcBef>
+              <a:spcAft>
+                <a:spcPts val="0"/>
+              </a:spcAft>
+              <a:buNone/>
+            </a:pPr>
+            <a:r>
+              <a:rPr lang="en">
+                <a:solidFill>
+                  <a:srgbClr val="274E13"/>
+                </a:solidFill>
+              </a:rPr>
+              <a:t>What outcome are you predicting/estimating?</a:t>
+            </a:r>
+            <a:endParaRPr>
+              <a:solidFill>
+                <a:srgbClr val="274E13"/>
+              </a:solidFill>
+            </a:endParaRPr>
+          </a:p>
+          <a:p>
+            <a:pPr marL="0" lvl="0" indent="0" algn="l" rtl="0">
+              <a:spcBef>
+                <a:spcPts val="0"/>
+              </a:spcBef>
+              <a:spcAft>
+                <a:spcPts val="0"/>
+              </a:spcAft>
+              <a:buNone/>
+            </a:pPr>
+            <a:endParaRPr>
+              <a:solidFill>
+                <a:srgbClr val="274E13"/>
+              </a:solidFill>
+            </a:endParaRPr>
+          </a:p>
+          <a:p>
+            <a:pPr marL="0" lvl="0" indent="0" algn="l" rtl="0">
+              <a:spcBef>
+                <a:spcPts val="0"/>
+              </a:spcBef>
+              <a:spcAft>
+                <a:spcPts val="0"/>
+              </a:spcAft>
+              <a:buNone/>
+            </a:pPr>
+            <a:r>
+              <a:rPr lang="en">
+                <a:solidFill>
+                  <a:srgbClr val="B45F06"/>
+                </a:solidFill>
+              </a:rPr>
+              <a:t>For what purpose?</a:t>
+            </a:r>
+            <a:endParaRPr>
+              <a:solidFill>
+                <a:srgbClr val="274E13"/>
+              </a:solidFill>
+            </a:endParaRPr>
           </a:p>
         </p:txBody>
       </p:sp>
     </p:spTree>
     <p:extLst>
       <p:ext uri="{BB962C8B-B14F-4D97-AF65-F5344CB8AC3E}">
-        <p14:creationId xmlns:p14="http://schemas.microsoft.com/office/powerpoint/2010/main" val="3480883044"/>
+        <p14:creationId xmlns:p14="http://schemas.microsoft.com/office/powerpoint/2010/main" val="3031715212"/>
       </p:ext>
     </p:extLst>
   </p:cSld>
@@ -4142,6 +5047,1303 @@
       </p:grpSpPr>
       <p:sp>
         <p:nvSpPr>
+          <p:cNvPr id="3" name="Title 2">
+            <a:extLst>
+              <a:ext uri="{FF2B5EF4-FFF2-40B4-BE49-F238E27FC236}">
+                <a16:creationId xmlns:a16="http://schemas.microsoft.com/office/drawing/2014/main" id="{D3765B02-360A-1F41-913A-E71E561203CC}"/>
+              </a:ext>
+            </a:extLst>
+          </p:cNvPr>
+          <p:cNvSpPr>
+            <a:spLocks noGrp="1"/>
+          </p:cNvSpPr>
+          <p:nvPr>
+            <p:ph type="title"/>
+          </p:nvPr>
+        </p:nvSpPr>
+        <p:spPr/>
+        <p:txBody>
+          <a:bodyPr/>
+          <a:lstStyle/>
+          <a:p>
+            <a:r>
+              <a:rPr lang="en-US" dirty="0"/>
+              <a:t>Analytical Formulation Examples</a:t>
+            </a:r>
+          </a:p>
+        </p:txBody>
+      </p:sp>
+      <p:sp>
+        <p:nvSpPr>
+          <p:cNvPr id="4" name="Google Shape;173;p42">
+            <a:extLst>
+              <a:ext uri="{FF2B5EF4-FFF2-40B4-BE49-F238E27FC236}">
+                <a16:creationId xmlns:a16="http://schemas.microsoft.com/office/drawing/2014/main" id="{11008A05-00C0-7C4B-9E7A-F5D9E79C776A}"/>
+              </a:ext>
+            </a:extLst>
+          </p:cNvPr>
+          <p:cNvSpPr/>
+          <p:nvPr/>
+        </p:nvSpPr>
+        <p:spPr>
+          <a:xfrm>
+            <a:off x="1688840" y="2398130"/>
+            <a:ext cx="2343000" cy="3153300"/>
+          </a:xfrm>
+          <a:prstGeom prst="rect">
+            <a:avLst/>
+          </a:prstGeom>
+          <a:solidFill>
+            <a:schemeClr val="lt2"/>
+          </a:solidFill>
+          <a:ln w="9525" cap="flat" cmpd="sng">
+            <a:solidFill>
+              <a:schemeClr val="dk2"/>
+            </a:solidFill>
+            <a:prstDash val="solid"/>
+            <a:round/>
+            <a:headEnd type="none" w="sm" len="sm"/>
+            <a:tailEnd type="none" w="sm" len="sm"/>
+          </a:ln>
+        </p:spPr>
+        <p:txBody>
+          <a:bodyPr spcFirstLastPara="1" wrap="square" lIns="91425" tIns="91425" rIns="91425" bIns="91425" anchor="ctr" anchorCtr="0">
+            <a:noAutofit/>
+          </a:bodyPr>
+          <a:lstStyle/>
+          <a:p>
+            <a:pPr marL="0" lvl="0" indent="0" algn="l" rtl="0">
+              <a:spcBef>
+                <a:spcPts val="0"/>
+              </a:spcBef>
+              <a:spcAft>
+                <a:spcPts val="0"/>
+              </a:spcAft>
+              <a:buNone/>
+            </a:pPr>
+            <a:endParaRPr/>
+          </a:p>
+        </p:txBody>
+      </p:sp>
+      <p:sp>
+        <p:nvSpPr>
+          <p:cNvPr id="5" name="Google Shape;175;p42">
+            <a:extLst>
+              <a:ext uri="{FF2B5EF4-FFF2-40B4-BE49-F238E27FC236}">
+                <a16:creationId xmlns:a16="http://schemas.microsoft.com/office/drawing/2014/main" id="{A503C09B-93C0-FB43-BCF8-DB719EF203C3}"/>
+              </a:ext>
+            </a:extLst>
+          </p:cNvPr>
+          <p:cNvSpPr txBox="1">
+            <a:spLocks noGrp="1"/>
+          </p:cNvSpPr>
+          <p:nvPr>
+            <p:ph type="body" idx="1"/>
+          </p:nvPr>
+        </p:nvSpPr>
+        <p:spPr>
+          <a:xfrm>
+            <a:off x="4220940" y="2306905"/>
+            <a:ext cx="6398400" cy="3416400"/>
+          </a:xfrm>
+          <a:prstGeom prst="rect">
+            <a:avLst/>
+          </a:prstGeom>
+        </p:spPr>
+        <p:txBody>
+          <a:bodyPr spcFirstLastPara="1" wrap="square" lIns="91425" tIns="91425" rIns="91425" bIns="91425" anchor="t" anchorCtr="0">
+            <a:noAutofit/>
+          </a:bodyPr>
+          <a:lstStyle/>
+          <a:p>
+            <a:pPr marL="0" lvl="0" indent="0" algn="l" rtl="0">
+              <a:spcBef>
+                <a:spcPts val="0"/>
+              </a:spcBef>
+              <a:spcAft>
+                <a:spcPts val="1600"/>
+              </a:spcAft>
+              <a:buNone/>
+            </a:pPr>
+            <a:r>
+              <a:rPr lang="en" sz="2600" dirty="0">
+                <a:solidFill>
+                  <a:srgbClr val="FF0000"/>
+                </a:solidFill>
+              </a:rPr>
+              <a:t>At every primary care appointment</a:t>
+            </a:r>
+            <a:r>
+              <a:rPr lang="en" sz="2600" dirty="0"/>
+              <a:t>, for </a:t>
+            </a:r>
+            <a:r>
+              <a:rPr lang="en" sz="2600" dirty="0">
+                <a:solidFill>
+                  <a:srgbClr val="0000FF"/>
+                </a:solidFill>
+              </a:rPr>
+              <a:t>all patients over the age of 25</a:t>
+            </a:r>
+            <a:r>
+              <a:rPr lang="en" sz="2600" dirty="0"/>
+              <a:t>, can we identify the </a:t>
+            </a:r>
+            <a:r>
+              <a:rPr lang="en" sz="2600" dirty="0">
+                <a:solidFill>
+                  <a:srgbClr val="FF00FF"/>
+                </a:solidFill>
+              </a:rPr>
+              <a:t>individuals at least 80% likely</a:t>
+            </a:r>
+            <a:r>
+              <a:rPr lang="en" sz="2600" dirty="0"/>
+              <a:t> </a:t>
+            </a:r>
+            <a:r>
+              <a:rPr lang="en" sz="2600" dirty="0">
+                <a:solidFill>
+                  <a:srgbClr val="38761D"/>
+                </a:solidFill>
+              </a:rPr>
+              <a:t>to develop diabetes in the next 3 years </a:t>
+            </a:r>
+            <a:r>
+              <a:rPr lang="en" sz="2600" dirty="0">
+                <a:solidFill>
+                  <a:srgbClr val="B45F06"/>
+                </a:solidFill>
+              </a:rPr>
+              <a:t>to prioritize for early screening</a:t>
+            </a:r>
+            <a:r>
+              <a:rPr lang="en" sz="2600" dirty="0"/>
+              <a:t>?</a:t>
+            </a:r>
+            <a:endParaRPr sz="2600" dirty="0"/>
+          </a:p>
+        </p:txBody>
+      </p:sp>
+      <p:sp>
+        <p:nvSpPr>
+          <p:cNvPr id="6" name="Google Shape;176;p42">
+            <a:extLst>
+              <a:ext uri="{FF2B5EF4-FFF2-40B4-BE49-F238E27FC236}">
+                <a16:creationId xmlns:a16="http://schemas.microsoft.com/office/drawing/2014/main" id="{37D6DBA9-5D69-154C-A120-4ADBF03F7CF7}"/>
+              </a:ext>
+            </a:extLst>
+          </p:cNvPr>
+          <p:cNvSpPr txBox="1"/>
+          <p:nvPr/>
+        </p:nvSpPr>
+        <p:spPr>
+          <a:xfrm>
+            <a:off x="1732190" y="2398130"/>
+            <a:ext cx="2256300" cy="597000"/>
+          </a:xfrm>
+          <a:prstGeom prst="rect">
+            <a:avLst/>
+          </a:prstGeom>
+          <a:noFill/>
+          <a:ln>
+            <a:noFill/>
+          </a:ln>
+        </p:spPr>
+        <p:txBody>
+          <a:bodyPr spcFirstLastPara="1" wrap="square" lIns="91425" tIns="91425" rIns="91425" bIns="91425" anchor="t" anchorCtr="0">
+            <a:noAutofit/>
+          </a:bodyPr>
+          <a:lstStyle/>
+          <a:p>
+            <a:pPr marL="0" lvl="0" indent="0" algn="l" rtl="0">
+              <a:spcBef>
+                <a:spcPts val="0"/>
+              </a:spcBef>
+              <a:spcAft>
+                <a:spcPts val="0"/>
+              </a:spcAft>
+              <a:buNone/>
+            </a:pPr>
+            <a:r>
+              <a:rPr lang="en">
+                <a:solidFill>
+                  <a:srgbClr val="FF0000"/>
+                </a:solidFill>
+              </a:rPr>
+              <a:t>How often is the recommendation/decision being made?</a:t>
+            </a:r>
+            <a:endParaRPr>
+              <a:solidFill>
+                <a:srgbClr val="FF0000"/>
+              </a:solidFill>
+            </a:endParaRPr>
+          </a:p>
+        </p:txBody>
+      </p:sp>
+      <p:sp>
+        <p:nvSpPr>
+          <p:cNvPr id="7" name="Google Shape;177;p42">
+            <a:extLst>
+              <a:ext uri="{FF2B5EF4-FFF2-40B4-BE49-F238E27FC236}">
+                <a16:creationId xmlns:a16="http://schemas.microsoft.com/office/drawing/2014/main" id="{6A2D549C-59C2-0340-9130-F3B04EEF3F59}"/>
+              </a:ext>
+            </a:extLst>
+          </p:cNvPr>
+          <p:cNvSpPr txBox="1"/>
+          <p:nvPr/>
+        </p:nvSpPr>
+        <p:spPr>
+          <a:xfrm>
+            <a:off x="1736040" y="3275280"/>
+            <a:ext cx="2256300" cy="597000"/>
+          </a:xfrm>
+          <a:prstGeom prst="rect">
+            <a:avLst/>
+          </a:prstGeom>
+          <a:noFill/>
+          <a:ln>
+            <a:noFill/>
+          </a:ln>
+        </p:spPr>
+        <p:txBody>
+          <a:bodyPr spcFirstLastPara="1" wrap="square" lIns="91425" tIns="91425" rIns="91425" bIns="91425" anchor="t" anchorCtr="0">
+            <a:noAutofit/>
+          </a:bodyPr>
+          <a:lstStyle/>
+          <a:p>
+            <a:pPr marL="0" lvl="0" indent="0" algn="l" rtl="0">
+              <a:spcBef>
+                <a:spcPts val="0"/>
+              </a:spcBef>
+              <a:spcAft>
+                <a:spcPts val="0"/>
+              </a:spcAft>
+              <a:buNone/>
+            </a:pPr>
+            <a:r>
+              <a:rPr lang="en">
+                <a:solidFill>
+                  <a:srgbClr val="0000FF"/>
+                </a:solidFill>
+              </a:rPr>
+              <a:t>Who/what is included in the cohort?</a:t>
+            </a:r>
+            <a:endParaRPr>
+              <a:solidFill>
+                <a:srgbClr val="0000FF"/>
+              </a:solidFill>
+            </a:endParaRPr>
+          </a:p>
+        </p:txBody>
+      </p:sp>
+      <p:sp>
+        <p:nvSpPr>
+          <p:cNvPr id="8" name="Google Shape;178;p42">
+            <a:extLst>
+              <a:ext uri="{FF2B5EF4-FFF2-40B4-BE49-F238E27FC236}">
+                <a16:creationId xmlns:a16="http://schemas.microsoft.com/office/drawing/2014/main" id="{A7B784C6-E226-7546-90BA-7A3243A70F6B}"/>
+              </a:ext>
+            </a:extLst>
+          </p:cNvPr>
+          <p:cNvSpPr txBox="1"/>
+          <p:nvPr/>
+        </p:nvSpPr>
+        <p:spPr>
+          <a:xfrm>
+            <a:off x="1736040" y="3923830"/>
+            <a:ext cx="2256300" cy="597000"/>
+          </a:xfrm>
+          <a:prstGeom prst="rect">
+            <a:avLst/>
+          </a:prstGeom>
+          <a:noFill/>
+          <a:ln>
+            <a:noFill/>
+          </a:ln>
+        </p:spPr>
+        <p:txBody>
+          <a:bodyPr spcFirstLastPara="1" wrap="square" lIns="91425" tIns="91425" rIns="91425" bIns="91425" anchor="t" anchorCtr="0">
+            <a:noAutofit/>
+          </a:bodyPr>
+          <a:lstStyle/>
+          <a:p>
+            <a:pPr marL="0" lvl="0" indent="0" algn="l" rtl="0">
+              <a:spcBef>
+                <a:spcPts val="0"/>
+              </a:spcBef>
+              <a:spcAft>
+                <a:spcPts val="0"/>
+              </a:spcAft>
+              <a:buNone/>
+            </a:pPr>
+            <a:r>
+              <a:rPr lang="en">
+                <a:solidFill>
+                  <a:srgbClr val="FF00FF"/>
+                </a:solidFill>
+              </a:rPr>
+              <a:t>What is the output?</a:t>
+            </a:r>
+            <a:endParaRPr>
+              <a:solidFill>
+                <a:srgbClr val="FF00FF"/>
+              </a:solidFill>
+            </a:endParaRPr>
+          </a:p>
+        </p:txBody>
+      </p:sp>
+      <p:sp>
+        <p:nvSpPr>
+          <p:cNvPr id="9" name="Google Shape;179;p42">
+            <a:extLst>
+              <a:ext uri="{FF2B5EF4-FFF2-40B4-BE49-F238E27FC236}">
+                <a16:creationId xmlns:a16="http://schemas.microsoft.com/office/drawing/2014/main" id="{0D4F98CB-D85C-3F48-A552-B472AA7D6F71}"/>
+              </a:ext>
+            </a:extLst>
+          </p:cNvPr>
+          <p:cNvSpPr txBox="1"/>
+          <p:nvPr/>
+        </p:nvSpPr>
+        <p:spPr>
+          <a:xfrm>
+            <a:off x="1732190" y="4444630"/>
+            <a:ext cx="2256300" cy="1106700"/>
+          </a:xfrm>
+          <a:prstGeom prst="rect">
+            <a:avLst/>
+          </a:prstGeom>
+          <a:noFill/>
+          <a:ln>
+            <a:noFill/>
+          </a:ln>
+        </p:spPr>
+        <p:txBody>
+          <a:bodyPr spcFirstLastPara="1" wrap="square" lIns="91425" tIns="91425" rIns="91425" bIns="91425" anchor="t" anchorCtr="0">
+            <a:noAutofit/>
+          </a:bodyPr>
+          <a:lstStyle/>
+          <a:p>
+            <a:pPr marL="0" lvl="0" indent="0" algn="l" rtl="0">
+              <a:spcBef>
+                <a:spcPts val="0"/>
+              </a:spcBef>
+              <a:spcAft>
+                <a:spcPts val="0"/>
+              </a:spcAft>
+              <a:buNone/>
+            </a:pPr>
+            <a:r>
+              <a:rPr lang="en">
+                <a:solidFill>
+                  <a:srgbClr val="274E13"/>
+                </a:solidFill>
+              </a:rPr>
+              <a:t>What outcome are you predicting/estimating?</a:t>
+            </a:r>
+            <a:endParaRPr>
+              <a:solidFill>
+                <a:srgbClr val="274E13"/>
+              </a:solidFill>
+            </a:endParaRPr>
+          </a:p>
+          <a:p>
+            <a:pPr marL="0" lvl="0" indent="0" algn="l" rtl="0">
+              <a:spcBef>
+                <a:spcPts val="0"/>
+              </a:spcBef>
+              <a:spcAft>
+                <a:spcPts val="0"/>
+              </a:spcAft>
+              <a:buNone/>
+            </a:pPr>
+            <a:endParaRPr>
+              <a:solidFill>
+                <a:srgbClr val="274E13"/>
+              </a:solidFill>
+            </a:endParaRPr>
+          </a:p>
+          <a:p>
+            <a:pPr marL="0" lvl="0" indent="0" algn="l" rtl="0">
+              <a:spcBef>
+                <a:spcPts val="0"/>
+              </a:spcBef>
+              <a:spcAft>
+                <a:spcPts val="0"/>
+              </a:spcAft>
+              <a:buNone/>
+            </a:pPr>
+            <a:r>
+              <a:rPr lang="en">
+                <a:solidFill>
+                  <a:srgbClr val="B45F06"/>
+                </a:solidFill>
+              </a:rPr>
+              <a:t>For what purpose?</a:t>
+            </a:r>
+            <a:endParaRPr>
+              <a:solidFill>
+                <a:srgbClr val="274E13"/>
+              </a:solidFill>
+            </a:endParaRPr>
+          </a:p>
+        </p:txBody>
+      </p:sp>
+    </p:spTree>
+    <p:extLst>
+      <p:ext uri="{BB962C8B-B14F-4D97-AF65-F5344CB8AC3E}">
+        <p14:creationId xmlns:p14="http://schemas.microsoft.com/office/powerpoint/2010/main" val="712266217"/>
+      </p:ext>
+    </p:extLst>
+  </p:cSld>
+  <p:clrMapOvr>
+    <a:masterClrMapping/>
+  </p:clrMapOvr>
+</p:sld>
+</file>
+
+<file path=ppt/slides/slide14.xml><?xml version="1.0" encoding="utf-8"?>
+<p:sld xmlns:a="http://schemas.openxmlformats.org/drawingml/2006/main" xmlns:r="http://schemas.openxmlformats.org/officeDocument/2006/relationships" xmlns:p="http://schemas.openxmlformats.org/presentationml/2006/main">
+  <p:cSld>
+    <p:spTree>
+      <p:nvGrpSpPr>
+        <p:cNvPr id="1" name=""/>
+        <p:cNvGrpSpPr/>
+        <p:nvPr/>
+      </p:nvGrpSpPr>
+      <p:grpSpPr>
+        <a:xfrm>
+          <a:off x="0" y="0"/>
+          <a:ext cx="0" cy="0"/>
+          <a:chOff x="0" y="0"/>
+          <a:chExt cx="0" cy="0"/>
+        </a:xfrm>
+      </p:grpSpPr>
+      <p:sp>
+        <p:nvSpPr>
+          <p:cNvPr id="3" name="Title 2">
+            <a:extLst>
+              <a:ext uri="{FF2B5EF4-FFF2-40B4-BE49-F238E27FC236}">
+                <a16:creationId xmlns:a16="http://schemas.microsoft.com/office/drawing/2014/main" id="{D3765B02-360A-1F41-913A-E71E561203CC}"/>
+              </a:ext>
+            </a:extLst>
+          </p:cNvPr>
+          <p:cNvSpPr>
+            <a:spLocks noGrp="1"/>
+          </p:cNvSpPr>
+          <p:nvPr>
+            <p:ph type="title"/>
+          </p:nvPr>
+        </p:nvSpPr>
+        <p:spPr/>
+        <p:txBody>
+          <a:bodyPr/>
+          <a:lstStyle/>
+          <a:p>
+            <a:r>
+              <a:rPr lang="en-US" dirty="0"/>
+              <a:t>Analytical Formulation Examples</a:t>
+            </a:r>
+          </a:p>
+        </p:txBody>
+      </p:sp>
+      <p:sp>
+        <p:nvSpPr>
+          <p:cNvPr id="4" name="Google Shape;173;p42">
+            <a:extLst>
+              <a:ext uri="{FF2B5EF4-FFF2-40B4-BE49-F238E27FC236}">
+                <a16:creationId xmlns:a16="http://schemas.microsoft.com/office/drawing/2014/main" id="{11008A05-00C0-7C4B-9E7A-F5D9E79C776A}"/>
+              </a:ext>
+            </a:extLst>
+          </p:cNvPr>
+          <p:cNvSpPr/>
+          <p:nvPr/>
+        </p:nvSpPr>
+        <p:spPr>
+          <a:xfrm>
+            <a:off x="1688840" y="2398130"/>
+            <a:ext cx="2343000" cy="3153300"/>
+          </a:xfrm>
+          <a:prstGeom prst="rect">
+            <a:avLst/>
+          </a:prstGeom>
+          <a:solidFill>
+            <a:schemeClr val="lt2"/>
+          </a:solidFill>
+          <a:ln w="9525" cap="flat" cmpd="sng">
+            <a:solidFill>
+              <a:schemeClr val="dk2"/>
+            </a:solidFill>
+            <a:prstDash val="solid"/>
+            <a:round/>
+            <a:headEnd type="none" w="sm" len="sm"/>
+            <a:tailEnd type="none" w="sm" len="sm"/>
+          </a:ln>
+        </p:spPr>
+        <p:txBody>
+          <a:bodyPr spcFirstLastPara="1" wrap="square" lIns="91425" tIns="91425" rIns="91425" bIns="91425" anchor="ctr" anchorCtr="0">
+            <a:noAutofit/>
+          </a:bodyPr>
+          <a:lstStyle/>
+          <a:p>
+            <a:pPr marL="0" lvl="0" indent="0" algn="l" rtl="0">
+              <a:spcBef>
+                <a:spcPts val="0"/>
+              </a:spcBef>
+              <a:spcAft>
+                <a:spcPts val="0"/>
+              </a:spcAft>
+              <a:buNone/>
+            </a:pPr>
+            <a:endParaRPr/>
+          </a:p>
+        </p:txBody>
+      </p:sp>
+      <p:sp>
+        <p:nvSpPr>
+          <p:cNvPr id="5" name="Google Shape;175;p42">
+            <a:extLst>
+              <a:ext uri="{FF2B5EF4-FFF2-40B4-BE49-F238E27FC236}">
+                <a16:creationId xmlns:a16="http://schemas.microsoft.com/office/drawing/2014/main" id="{A503C09B-93C0-FB43-BCF8-DB719EF203C3}"/>
+              </a:ext>
+            </a:extLst>
+          </p:cNvPr>
+          <p:cNvSpPr txBox="1">
+            <a:spLocks noGrp="1"/>
+          </p:cNvSpPr>
+          <p:nvPr>
+            <p:ph type="body" idx="1"/>
+          </p:nvPr>
+        </p:nvSpPr>
+        <p:spPr>
+          <a:xfrm>
+            <a:off x="4220940" y="2306905"/>
+            <a:ext cx="6398400" cy="3416400"/>
+          </a:xfrm>
+          <a:prstGeom prst="rect">
+            <a:avLst/>
+          </a:prstGeom>
+        </p:spPr>
+        <p:txBody>
+          <a:bodyPr spcFirstLastPara="1" wrap="square" lIns="91425" tIns="91425" rIns="91425" bIns="91425" anchor="t" anchorCtr="0">
+            <a:noAutofit/>
+          </a:bodyPr>
+          <a:lstStyle/>
+          <a:p>
+            <a:pPr marL="0" lvl="0" indent="0">
+              <a:spcBef>
+                <a:spcPts val="0"/>
+              </a:spcBef>
+              <a:spcAft>
+                <a:spcPts val="1600"/>
+              </a:spcAft>
+              <a:buNone/>
+            </a:pPr>
+            <a:r>
+              <a:rPr lang="en" sz="2600" dirty="0">
+                <a:solidFill>
+                  <a:srgbClr val="FF0000"/>
+                </a:solidFill>
+              </a:rPr>
+              <a:t>Every Monday</a:t>
+            </a:r>
+            <a:r>
+              <a:rPr lang="en" sz="2600" dirty="0"/>
+              <a:t>, for </a:t>
+            </a:r>
+            <a:r>
+              <a:rPr lang="en" sz="2600" dirty="0">
+                <a:solidFill>
+                  <a:srgbClr val="0000FF"/>
+                </a:solidFill>
+              </a:rPr>
+              <a:t>current Netflix subscribers</a:t>
+            </a:r>
+            <a:r>
+              <a:rPr lang="en" sz="2600" dirty="0"/>
+              <a:t>, can we identify the </a:t>
+            </a:r>
+            <a:r>
+              <a:rPr lang="en" sz="2600" dirty="0">
+                <a:solidFill>
+                  <a:srgbClr val="FF00FF"/>
+                </a:solidFill>
+              </a:rPr>
+              <a:t>10 pieces of content</a:t>
+            </a:r>
+            <a:r>
+              <a:rPr lang="en" sz="2600" dirty="0"/>
+              <a:t> </a:t>
+            </a:r>
+            <a:r>
+              <a:rPr lang="en" sz="2600" dirty="0">
+                <a:solidFill>
+                  <a:srgbClr val="38761D"/>
+                </a:solidFill>
+              </a:rPr>
+              <a:t>with highest expected revenue </a:t>
+            </a:r>
+            <a:r>
+              <a:rPr lang="en" sz="2600" dirty="0">
+                <a:solidFill>
+                  <a:srgbClr val="B45F06"/>
+                </a:solidFill>
+              </a:rPr>
+              <a:t>to prioritize for suggested viewing in the following week</a:t>
+            </a:r>
+            <a:r>
+              <a:rPr lang="en" sz="2600" dirty="0"/>
+              <a:t>?</a:t>
+            </a:r>
+            <a:endParaRPr sz="2600" dirty="0"/>
+          </a:p>
+        </p:txBody>
+      </p:sp>
+      <p:sp>
+        <p:nvSpPr>
+          <p:cNvPr id="6" name="Google Shape;176;p42">
+            <a:extLst>
+              <a:ext uri="{FF2B5EF4-FFF2-40B4-BE49-F238E27FC236}">
+                <a16:creationId xmlns:a16="http://schemas.microsoft.com/office/drawing/2014/main" id="{37D6DBA9-5D69-154C-A120-4ADBF03F7CF7}"/>
+              </a:ext>
+            </a:extLst>
+          </p:cNvPr>
+          <p:cNvSpPr txBox="1"/>
+          <p:nvPr/>
+        </p:nvSpPr>
+        <p:spPr>
+          <a:xfrm>
+            <a:off x="1732190" y="2398130"/>
+            <a:ext cx="2256300" cy="597000"/>
+          </a:xfrm>
+          <a:prstGeom prst="rect">
+            <a:avLst/>
+          </a:prstGeom>
+          <a:noFill/>
+          <a:ln>
+            <a:noFill/>
+          </a:ln>
+        </p:spPr>
+        <p:txBody>
+          <a:bodyPr spcFirstLastPara="1" wrap="square" lIns="91425" tIns="91425" rIns="91425" bIns="91425" anchor="t" anchorCtr="0">
+            <a:noAutofit/>
+          </a:bodyPr>
+          <a:lstStyle/>
+          <a:p>
+            <a:pPr marL="0" lvl="0" indent="0" algn="l" rtl="0">
+              <a:spcBef>
+                <a:spcPts val="0"/>
+              </a:spcBef>
+              <a:spcAft>
+                <a:spcPts val="0"/>
+              </a:spcAft>
+              <a:buNone/>
+            </a:pPr>
+            <a:r>
+              <a:rPr lang="en">
+                <a:solidFill>
+                  <a:srgbClr val="FF0000"/>
+                </a:solidFill>
+              </a:rPr>
+              <a:t>How often is the recommendation/decision being made?</a:t>
+            </a:r>
+            <a:endParaRPr>
+              <a:solidFill>
+                <a:srgbClr val="FF0000"/>
+              </a:solidFill>
+            </a:endParaRPr>
+          </a:p>
+        </p:txBody>
+      </p:sp>
+      <p:sp>
+        <p:nvSpPr>
+          <p:cNvPr id="7" name="Google Shape;177;p42">
+            <a:extLst>
+              <a:ext uri="{FF2B5EF4-FFF2-40B4-BE49-F238E27FC236}">
+                <a16:creationId xmlns:a16="http://schemas.microsoft.com/office/drawing/2014/main" id="{6A2D549C-59C2-0340-9130-F3B04EEF3F59}"/>
+              </a:ext>
+            </a:extLst>
+          </p:cNvPr>
+          <p:cNvSpPr txBox="1"/>
+          <p:nvPr/>
+        </p:nvSpPr>
+        <p:spPr>
+          <a:xfrm>
+            <a:off x="1736040" y="3275280"/>
+            <a:ext cx="2256300" cy="597000"/>
+          </a:xfrm>
+          <a:prstGeom prst="rect">
+            <a:avLst/>
+          </a:prstGeom>
+          <a:noFill/>
+          <a:ln>
+            <a:noFill/>
+          </a:ln>
+        </p:spPr>
+        <p:txBody>
+          <a:bodyPr spcFirstLastPara="1" wrap="square" lIns="91425" tIns="91425" rIns="91425" bIns="91425" anchor="t" anchorCtr="0">
+            <a:noAutofit/>
+          </a:bodyPr>
+          <a:lstStyle/>
+          <a:p>
+            <a:pPr marL="0" lvl="0" indent="0" algn="l" rtl="0">
+              <a:spcBef>
+                <a:spcPts val="0"/>
+              </a:spcBef>
+              <a:spcAft>
+                <a:spcPts val="0"/>
+              </a:spcAft>
+              <a:buNone/>
+            </a:pPr>
+            <a:r>
+              <a:rPr lang="en">
+                <a:solidFill>
+                  <a:srgbClr val="0000FF"/>
+                </a:solidFill>
+              </a:rPr>
+              <a:t>Who/what is included in the cohort?</a:t>
+            </a:r>
+            <a:endParaRPr>
+              <a:solidFill>
+                <a:srgbClr val="0000FF"/>
+              </a:solidFill>
+            </a:endParaRPr>
+          </a:p>
+        </p:txBody>
+      </p:sp>
+      <p:sp>
+        <p:nvSpPr>
+          <p:cNvPr id="8" name="Google Shape;178;p42">
+            <a:extLst>
+              <a:ext uri="{FF2B5EF4-FFF2-40B4-BE49-F238E27FC236}">
+                <a16:creationId xmlns:a16="http://schemas.microsoft.com/office/drawing/2014/main" id="{A7B784C6-E226-7546-90BA-7A3243A70F6B}"/>
+              </a:ext>
+            </a:extLst>
+          </p:cNvPr>
+          <p:cNvSpPr txBox="1"/>
+          <p:nvPr/>
+        </p:nvSpPr>
+        <p:spPr>
+          <a:xfrm>
+            <a:off x="1736040" y="3923830"/>
+            <a:ext cx="2256300" cy="597000"/>
+          </a:xfrm>
+          <a:prstGeom prst="rect">
+            <a:avLst/>
+          </a:prstGeom>
+          <a:noFill/>
+          <a:ln>
+            <a:noFill/>
+          </a:ln>
+        </p:spPr>
+        <p:txBody>
+          <a:bodyPr spcFirstLastPara="1" wrap="square" lIns="91425" tIns="91425" rIns="91425" bIns="91425" anchor="t" anchorCtr="0">
+            <a:noAutofit/>
+          </a:bodyPr>
+          <a:lstStyle/>
+          <a:p>
+            <a:pPr marL="0" lvl="0" indent="0" algn="l" rtl="0">
+              <a:spcBef>
+                <a:spcPts val="0"/>
+              </a:spcBef>
+              <a:spcAft>
+                <a:spcPts val="0"/>
+              </a:spcAft>
+              <a:buNone/>
+            </a:pPr>
+            <a:r>
+              <a:rPr lang="en">
+                <a:solidFill>
+                  <a:srgbClr val="FF00FF"/>
+                </a:solidFill>
+              </a:rPr>
+              <a:t>What is the output?</a:t>
+            </a:r>
+            <a:endParaRPr>
+              <a:solidFill>
+                <a:srgbClr val="FF00FF"/>
+              </a:solidFill>
+            </a:endParaRPr>
+          </a:p>
+        </p:txBody>
+      </p:sp>
+      <p:sp>
+        <p:nvSpPr>
+          <p:cNvPr id="9" name="Google Shape;179;p42">
+            <a:extLst>
+              <a:ext uri="{FF2B5EF4-FFF2-40B4-BE49-F238E27FC236}">
+                <a16:creationId xmlns:a16="http://schemas.microsoft.com/office/drawing/2014/main" id="{0D4F98CB-D85C-3F48-A552-B472AA7D6F71}"/>
+              </a:ext>
+            </a:extLst>
+          </p:cNvPr>
+          <p:cNvSpPr txBox="1"/>
+          <p:nvPr/>
+        </p:nvSpPr>
+        <p:spPr>
+          <a:xfrm>
+            <a:off x="1732190" y="4444630"/>
+            <a:ext cx="2256300" cy="1106700"/>
+          </a:xfrm>
+          <a:prstGeom prst="rect">
+            <a:avLst/>
+          </a:prstGeom>
+          <a:noFill/>
+          <a:ln>
+            <a:noFill/>
+          </a:ln>
+        </p:spPr>
+        <p:txBody>
+          <a:bodyPr spcFirstLastPara="1" wrap="square" lIns="91425" tIns="91425" rIns="91425" bIns="91425" anchor="t" anchorCtr="0">
+            <a:noAutofit/>
+          </a:bodyPr>
+          <a:lstStyle/>
+          <a:p>
+            <a:pPr marL="0" lvl="0" indent="0" algn="l" rtl="0">
+              <a:spcBef>
+                <a:spcPts val="0"/>
+              </a:spcBef>
+              <a:spcAft>
+                <a:spcPts val="0"/>
+              </a:spcAft>
+              <a:buNone/>
+            </a:pPr>
+            <a:r>
+              <a:rPr lang="en">
+                <a:solidFill>
+                  <a:srgbClr val="274E13"/>
+                </a:solidFill>
+              </a:rPr>
+              <a:t>What outcome are you predicting/estimating?</a:t>
+            </a:r>
+            <a:endParaRPr>
+              <a:solidFill>
+                <a:srgbClr val="274E13"/>
+              </a:solidFill>
+            </a:endParaRPr>
+          </a:p>
+          <a:p>
+            <a:pPr marL="0" lvl="0" indent="0" algn="l" rtl="0">
+              <a:spcBef>
+                <a:spcPts val="0"/>
+              </a:spcBef>
+              <a:spcAft>
+                <a:spcPts val="0"/>
+              </a:spcAft>
+              <a:buNone/>
+            </a:pPr>
+            <a:endParaRPr>
+              <a:solidFill>
+                <a:srgbClr val="274E13"/>
+              </a:solidFill>
+            </a:endParaRPr>
+          </a:p>
+          <a:p>
+            <a:pPr marL="0" lvl="0" indent="0" algn="l" rtl="0">
+              <a:spcBef>
+                <a:spcPts val="0"/>
+              </a:spcBef>
+              <a:spcAft>
+                <a:spcPts val="0"/>
+              </a:spcAft>
+              <a:buNone/>
+            </a:pPr>
+            <a:r>
+              <a:rPr lang="en">
+                <a:solidFill>
+                  <a:srgbClr val="B45F06"/>
+                </a:solidFill>
+              </a:rPr>
+              <a:t>For what purpose?</a:t>
+            </a:r>
+            <a:endParaRPr>
+              <a:solidFill>
+                <a:srgbClr val="274E13"/>
+              </a:solidFill>
+            </a:endParaRPr>
+          </a:p>
+        </p:txBody>
+      </p:sp>
+    </p:spTree>
+    <p:extLst>
+      <p:ext uri="{BB962C8B-B14F-4D97-AF65-F5344CB8AC3E}">
+        <p14:creationId xmlns:p14="http://schemas.microsoft.com/office/powerpoint/2010/main" val="3117936265"/>
+      </p:ext>
+    </p:extLst>
+  </p:cSld>
+  <p:clrMapOvr>
+    <a:masterClrMapping/>
+  </p:clrMapOvr>
+</p:sld>
+</file>
+
+<file path=ppt/slides/slide15.xml><?xml version="1.0" encoding="utf-8"?>
+<p:sld xmlns:a="http://schemas.openxmlformats.org/drawingml/2006/main" xmlns:r="http://schemas.openxmlformats.org/officeDocument/2006/relationships" xmlns:p="http://schemas.openxmlformats.org/presentationml/2006/main">
+  <p:cSld>
+    <p:spTree>
+      <p:nvGrpSpPr>
+        <p:cNvPr id="1" name=""/>
+        <p:cNvGrpSpPr/>
+        <p:nvPr/>
+      </p:nvGrpSpPr>
+      <p:grpSpPr>
+        <a:xfrm>
+          <a:off x="0" y="0"/>
+          <a:ext cx="0" cy="0"/>
+          <a:chOff x="0" y="0"/>
+          <a:chExt cx="0" cy="0"/>
+        </a:xfrm>
+      </p:grpSpPr>
+      <p:sp>
+        <p:nvSpPr>
+          <p:cNvPr id="2" name="Text Placeholder 1">
+            <a:extLst>
+              <a:ext uri="{FF2B5EF4-FFF2-40B4-BE49-F238E27FC236}">
+                <a16:creationId xmlns:a16="http://schemas.microsoft.com/office/drawing/2014/main" id="{16F0CF04-B42B-C044-ACCB-6C665E5B57C0}"/>
+              </a:ext>
+            </a:extLst>
+          </p:cNvPr>
+          <p:cNvSpPr>
+            <a:spLocks noGrp="1"/>
+          </p:cNvSpPr>
+          <p:nvPr>
+            <p:ph type="body" idx="1"/>
+          </p:nvPr>
+        </p:nvSpPr>
+        <p:spPr>
+          <a:xfrm>
+            <a:off x="268210" y="2360141"/>
+            <a:ext cx="11666400" cy="4182862"/>
+          </a:xfrm>
+        </p:spPr>
+        <p:txBody>
+          <a:bodyPr/>
+          <a:lstStyle/>
+          <a:p>
+            <a:pPr marL="114300" indent="0" algn="ctr">
+              <a:buNone/>
+            </a:pPr>
+            <a:r>
+              <a:rPr lang="en-US" sz="4800" dirty="0"/>
+              <a:t>What is the appropriate comparison </a:t>
+            </a:r>
+          </a:p>
+          <a:p>
+            <a:pPr marL="114300" indent="0" algn="ctr">
+              <a:buNone/>
+            </a:pPr>
+            <a:r>
+              <a:rPr lang="en-US" sz="4800" dirty="0"/>
+              <a:t>for your ML model?</a:t>
+            </a:r>
+          </a:p>
+        </p:txBody>
+      </p:sp>
+      <p:sp>
+        <p:nvSpPr>
+          <p:cNvPr id="3" name="Title 2">
+            <a:extLst>
+              <a:ext uri="{FF2B5EF4-FFF2-40B4-BE49-F238E27FC236}">
+                <a16:creationId xmlns:a16="http://schemas.microsoft.com/office/drawing/2014/main" id="{FC049B21-A440-624B-941A-2CE526530E5B}"/>
+              </a:ext>
+            </a:extLst>
+          </p:cNvPr>
+          <p:cNvSpPr>
+            <a:spLocks noGrp="1"/>
+          </p:cNvSpPr>
+          <p:nvPr>
+            <p:ph type="title"/>
+          </p:nvPr>
+        </p:nvSpPr>
+        <p:spPr/>
+        <p:txBody>
+          <a:bodyPr/>
+          <a:lstStyle/>
+          <a:p>
+            <a:r>
+              <a:rPr lang="en-US" dirty="0"/>
+              <a:t>Baselines</a:t>
+            </a:r>
+          </a:p>
+        </p:txBody>
+      </p:sp>
+    </p:spTree>
+    <p:extLst>
+      <p:ext uri="{BB962C8B-B14F-4D97-AF65-F5344CB8AC3E}">
+        <p14:creationId xmlns:p14="http://schemas.microsoft.com/office/powerpoint/2010/main" val="1335110213"/>
+      </p:ext>
+    </p:extLst>
+  </p:cSld>
+  <p:clrMapOvr>
+    <a:masterClrMapping/>
+  </p:clrMapOvr>
+</p:sld>
+</file>
+
+<file path=ppt/slides/slide16.xml><?xml version="1.0" encoding="utf-8"?>
+<p:sld xmlns:a="http://schemas.openxmlformats.org/drawingml/2006/main" xmlns:r="http://schemas.openxmlformats.org/officeDocument/2006/relationships" xmlns:p="http://schemas.openxmlformats.org/presentationml/2006/main">
+  <p:cSld>
+    <p:spTree>
+      <p:nvGrpSpPr>
+        <p:cNvPr id="1" name=""/>
+        <p:cNvGrpSpPr/>
+        <p:nvPr/>
+      </p:nvGrpSpPr>
+      <p:grpSpPr>
+        <a:xfrm>
+          <a:off x="0" y="0"/>
+          <a:ext cx="0" cy="0"/>
+          <a:chOff x="0" y="0"/>
+          <a:chExt cx="0" cy="0"/>
+        </a:xfrm>
+      </p:grpSpPr>
+      <p:sp>
+        <p:nvSpPr>
+          <p:cNvPr id="2" name="Text Placeholder 1">
+            <a:extLst>
+              <a:ext uri="{FF2B5EF4-FFF2-40B4-BE49-F238E27FC236}">
+                <a16:creationId xmlns:a16="http://schemas.microsoft.com/office/drawing/2014/main" id="{16F0CF04-B42B-C044-ACCB-6C665E5B57C0}"/>
+              </a:ext>
+            </a:extLst>
+          </p:cNvPr>
+          <p:cNvSpPr>
+            <a:spLocks noGrp="1"/>
+          </p:cNvSpPr>
+          <p:nvPr>
+            <p:ph type="body" idx="1"/>
+          </p:nvPr>
+        </p:nvSpPr>
+        <p:spPr/>
+        <p:txBody>
+          <a:bodyPr/>
+          <a:lstStyle/>
+          <a:p>
+            <a:r>
+              <a:rPr lang="en-US" dirty="0"/>
+              <a:t>Common Sense</a:t>
+            </a:r>
+            <a:br>
+              <a:rPr lang="en-US" dirty="0"/>
+            </a:br>
+            <a:endParaRPr lang="en-US" dirty="0"/>
+          </a:p>
+          <a:p>
+            <a:r>
+              <a:rPr lang="en-US" dirty="0"/>
+              <a:t>What they do today</a:t>
+            </a:r>
+            <a:br>
+              <a:rPr lang="en-US" dirty="0"/>
+            </a:br>
+            <a:endParaRPr lang="en-US" dirty="0"/>
+          </a:p>
+          <a:p>
+            <a:r>
+              <a:rPr lang="en-US" dirty="0"/>
+              <a:t>What they could do today easily (without any or very simple ML involved)</a:t>
+            </a:r>
+            <a:br>
+              <a:rPr lang="en-US" dirty="0"/>
+            </a:br>
+            <a:endParaRPr lang="en-US" dirty="0"/>
+          </a:p>
+          <a:p>
+            <a:r>
+              <a:rPr lang="en-US" dirty="0"/>
+              <a:t>Prior/Base Rate</a:t>
+            </a:r>
+          </a:p>
+          <a:p>
+            <a:pPr lvl="1"/>
+            <a:r>
+              <a:rPr lang="en-US" dirty="0"/>
+              <a:t>What expected value would you get if you just choose at random (based on the data distribution)?</a:t>
+            </a:r>
+          </a:p>
+        </p:txBody>
+      </p:sp>
+      <p:sp>
+        <p:nvSpPr>
+          <p:cNvPr id="3" name="Title 2">
+            <a:extLst>
+              <a:ext uri="{FF2B5EF4-FFF2-40B4-BE49-F238E27FC236}">
+                <a16:creationId xmlns:a16="http://schemas.microsoft.com/office/drawing/2014/main" id="{FC049B21-A440-624B-941A-2CE526530E5B}"/>
+              </a:ext>
+            </a:extLst>
+          </p:cNvPr>
+          <p:cNvSpPr>
+            <a:spLocks noGrp="1"/>
+          </p:cNvSpPr>
+          <p:nvPr>
+            <p:ph type="title"/>
+          </p:nvPr>
+        </p:nvSpPr>
+        <p:spPr/>
+        <p:txBody>
+          <a:bodyPr/>
+          <a:lstStyle/>
+          <a:p>
+            <a:r>
+              <a:rPr lang="en-US" dirty="0"/>
+              <a:t>Baseline Options</a:t>
+            </a:r>
+          </a:p>
+        </p:txBody>
+      </p:sp>
+    </p:spTree>
+    <p:extLst>
+      <p:ext uri="{BB962C8B-B14F-4D97-AF65-F5344CB8AC3E}">
+        <p14:creationId xmlns:p14="http://schemas.microsoft.com/office/powerpoint/2010/main" val="225707519"/>
+      </p:ext>
+    </p:extLst>
+  </p:cSld>
+  <p:clrMapOvr>
+    <a:masterClrMapping/>
+  </p:clrMapOvr>
+</p:sld>
+</file>
+
+<file path=ppt/slides/slide17.xml><?xml version="1.0" encoding="utf-8"?>
+<p:sld xmlns:a="http://schemas.openxmlformats.org/drawingml/2006/main" xmlns:r="http://schemas.openxmlformats.org/officeDocument/2006/relationships" xmlns:p="http://schemas.openxmlformats.org/presentationml/2006/main">
+  <p:cSld>
+    <p:spTree>
+      <p:nvGrpSpPr>
+        <p:cNvPr id="1" name=""/>
+        <p:cNvGrpSpPr/>
+        <p:nvPr/>
+      </p:nvGrpSpPr>
+      <p:grpSpPr>
+        <a:xfrm>
+          <a:off x="0" y="0"/>
+          <a:ext cx="0" cy="0"/>
+          <a:chOff x="0" y="0"/>
+          <a:chExt cx="0" cy="0"/>
+        </a:xfrm>
+      </p:grpSpPr>
+      <p:sp>
+        <p:nvSpPr>
+          <p:cNvPr id="2" name="Text Placeholder 1">
+            <a:extLst>
+              <a:ext uri="{FF2B5EF4-FFF2-40B4-BE49-F238E27FC236}">
+                <a16:creationId xmlns:a16="http://schemas.microsoft.com/office/drawing/2014/main" id="{16F0CF04-B42B-C044-ACCB-6C665E5B57C0}"/>
+              </a:ext>
+            </a:extLst>
+          </p:cNvPr>
+          <p:cNvSpPr>
+            <a:spLocks noGrp="1"/>
+          </p:cNvSpPr>
+          <p:nvPr>
+            <p:ph type="body" idx="1"/>
+          </p:nvPr>
+        </p:nvSpPr>
+        <p:spPr/>
+        <p:txBody>
+          <a:bodyPr/>
+          <a:lstStyle/>
+          <a:p>
+            <a:r>
+              <a:rPr lang="en-US" dirty="0"/>
+              <a:t>How much better than baselines does our system need to be in order to deploy?</a:t>
+            </a:r>
+            <a:br>
+              <a:rPr lang="en-US" dirty="0"/>
+            </a:br>
+            <a:endParaRPr lang="en-US" dirty="0"/>
+          </a:p>
+          <a:p>
+            <a:r>
+              <a:rPr lang="en-US" dirty="0"/>
+              <a:t>Important to compare performance against the base rate/prior, but this prior rarely represents a “common sense” baseline</a:t>
+            </a:r>
+            <a:br>
+              <a:rPr lang="en-US" dirty="0"/>
+            </a:br>
+            <a:endParaRPr lang="en-US" dirty="0"/>
+          </a:p>
+          <a:p>
+            <a:r>
+              <a:rPr lang="en-US" dirty="0"/>
+              <a:t>Good baselines should provide an ordering to sort the entities</a:t>
+            </a:r>
+          </a:p>
+          <a:p>
+            <a:pPr lvl="1"/>
+            <a:r>
+              <a:rPr lang="en-US" dirty="0"/>
+              <a:t>Heuristic rules (or shallow decision trees) might reflect current practice, but can yield a small number of unique scores with lots of ties</a:t>
+            </a:r>
+            <a:br>
+              <a:rPr lang="en-US" dirty="0"/>
+            </a:br>
+            <a:endParaRPr lang="en-US" dirty="0"/>
+          </a:p>
+          <a:p>
+            <a:r>
+              <a:rPr lang="en-US" dirty="0"/>
+              <a:t>In many real-world problems, a good baseline can be difficult to beat</a:t>
+            </a:r>
+          </a:p>
+        </p:txBody>
+      </p:sp>
+      <p:sp>
+        <p:nvSpPr>
+          <p:cNvPr id="3" name="Title 2">
+            <a:extLst>
+              <a:ext uri="{FF2B5EF4-FFF2-40B4-BE49-F238E27FC236}">
+                <a16:creationId xmlns:a16="http://schemas.microsoft.com/office/drawing/2014/main" id="{FC049B21-A440-624B-941A-2CE526530E5B}"/>
+              </a:ext>
+            </a:extLst>
+          </p:cNvPr>
+          <p:cNvSpPr>
+            <a:spLocks noGrp="1"/>
+          </p:cNvSpPr>
+          <p:nvPr>
+            <p:ph type="title"/>
+          </p:nvPr>
+        </p:nvSpPr>
+        <p:spPr/>
+        <p:txBody>
+          <a:bodyPr/>
+          <a:lstStyle/>
+          <a:p>
+            <a:r>
+              <a:rPr lang="en-US" dirty="0"/>
+              <a:t>Baseline Considerations</a:t>
+            </a:r>
+          </a:p>
+        </p:txBody>
+      </p:sp>
+    </p:spTree>
+    <p:extLst>
+      <p:ext uri="{BB962C8B-B14F-4D97-AF65-F5344CB8AC3E}">
+        <p14:creationId xmlns:p14="http://schemas.microsoft.com/office/powerpoint/2010/main" val="3480883044"/>
+      </p:ext>
+    </p:extLst>
+  </p:cSld>
+  <p:clrMapOvr>
+    <a:masterClrMapping/>
+  </p:clrMapOvr>
+</p:sld>
+</file>
+
+<file path=ppt/slides/slide18.xml><?xml version="1.0" encoding="utf-8"?>
+<p:sld xmlns:a="http://schemas.openxmlformats.org/drawingml/2006/main" xmlns:r="http://schemas.openxmlformats.org/officeDocument/2006/relationships" xmlns:p="http://schemas.openxmlformats.org/presentationml/2006/main">
+  <p:cSld>
+    <p:spTree>
+      <p:nvGrpSpPr>
+        <p:cNvPr id="1" name=""/>
+        <p:cNvGrpSpPr/>
+        <p:nvPr/>
+      </p:nvGrpSpPr>
+      <p:grpSpPr>
+        <a:xfrm>
+          <a:off x="0" y="0"/>
+          <a:ext cx="0" cy="0"/>
+          <a:chOff x="0" y="0"/>
+          <a:chExt cx="0" cy="0"/>
+        </a:xfrm>
+      </p:grpSpPr>
+      <p:sp>
+        <p:nvSpPr>
           <p:cNvPr id="2" name="Text Placeholder 1">
             <a:extLst>
               <a:ext uri="{FF2B5EF4-FFF2-40B4-BE49-F238E27FC236}">
@@ -4211,7 +6413,7 @@
 </p:sld>
 </file>
 
-<file path=ppt/slides/slide14.xml><?xml version="1.0" encoding="utf-8"?>
+<file path=ppt/slides/slide19.xml><?xml version="1.0" encoding="utf-8"?>
 <p:sld xmlns:a="http://schemas.openxmlformats.org/drawingml/2006/main" xmlns:r="http://schemas.openxmlformats.org/officeDocument/2006/relationships" xmlns:p="http://schemas.openxmlformats.org/presentationml/2006/main">
   <p:cSld>
     <p:spTree>
@@ -4350,7 +6552,147 @@
 </p:sld>
 </file>
 
-<file path=ppt/slides/slide15.xml><?xml version="1.0" encoding="utf-8"?>
+<file path=ppt/slides/slide2.xml><?xml version="1.0" encoding="utf-8"?>
+<p:sld xmlns:a="http://schemas.openxmlformats.org/drawingml/2006/main" xmlns:r="http://schemas.openxmlformats.org/officeDocument/2006/relationships" xmlns:p="http://schemas.openxmlformats.org/presentationml/2006/main">
+  <p:cSld>
+    <p:spTree>
+      <p:nvGrpSpPr>
+        <p:cNvPr id="1" name=""/>
+        <p:cNvGrpSpPr/>
+        <p:nvPr/>
+      </p:nvGrpSpPr>
+      <p:grpSpPr>
+        <a:xfrm>
+          <a:off x="0" y="0"/>
+          <a:ext cx="0" cy="0"/>
+          <a:chOff x="0" y="0"/>
+          <a:chExt cx="0" cy="0"/>
+        </a:xfrm>
+      </p:grpSpPr>
+      <p:sp>
+        <p:nvSpPr>
+          <p:cNvPr id="2" name="Content Placeholder 1"/>
+          <p:cNvSpPr>
+            <a:spLocks noGrp="1"/>
+          </p:cNvSpPr>
+          <p:nvPr>
+            <p:ph type="body" idx="1"/>
+          </p:nvPr>
+        </p:nvSpPr>
+        <p:spPr/>
+        <p:txBody>
+          <a:bodyPr/>
+          <a:lstStyle/>
+          <a:p>
+            <a:r>
+              <a:rPr lang="en-US" dirty="0"/>
+              <a:t>Coming up next week:</a:t>
+            </a:r>
+          </a:p>
+          <a:p>
+            <a:pPr lvl="1"/>
+            <a:r>
+              <a:rPr lang="en-US" dirty="0"/>
+              <a:t>Weekly review (before class on Tuesday)</a:t>
+            </a:r>
+          </a:p>
+          <a:p>
+            <a:pPr lvl="1"/>
+            <a:r>
+              <a:rPr lang="en-US" dirty="0"/>
+              <a:t>Review slides on </a:t>
+            </a:r>
+            <a:r>
+              <a:rPr lang="en-US" dirty="0" err="1"/>
+              <a:t>github</a:t>
+            </a:r>
+            <a:r>
+              <a:rPr lang="en-US" dirty="0"/>
+              <a:t> for ML Pipelines (for Tuesday)</a:t>
+            </a:r>
+            <a:br>
+              <a:rPr lang="en-US" dirty="0"/>
+            </a:br>
+            <a:endParaRPr lang="en-US" dirty="0"/>
+          </a:p>
+          <a:p>
+            <a:r>
+              <a:rPr lang="en-US" dirty="0"/>
+              <a:t>Group </a:t>
+            </a:r>
+            <a:r>
+              <a:rPr lang="en-US" b="1" dirty="0">
+                <a:solidFill>
+                  <a:srgbClr val="C00000"/>
+                </a:solidFill>
+              </a:rPr>
+              <a:t>project proposal</a:t>
+            </a:r>
+            <a:r>
+              <a:rPr lang="en-US" dirty="0"/>
+              <a:t> due next Friday</a:t>
+            </a:r>
+          </a:p>
+          <a:p>
+            <a:pPr lvl="1"/>
+            <a:r>
+              <a:rPr lang="en-US" dirty="0"/>
+              <a:t>Time for group work on Thursday</a:t>
+            </a:r>
+          </a:p>
+          <a:p>
+            <a:pPr marL="114300" indent="0">
+              <a:buNone/>
+            </a:pPr>
+            <a:endParaRPr lang="en-US" dirty="0"/>
+          </a:p>
+        </p:txBody>
+      </p:sp>
+      <p:sp>
+        <p:nvSpPr>
+          <p:cNvPr id="3" name="Title 2"/>
+          <p:cNvSpPr>
+            <a:spLocks noGrp="1"/>
+          </p:cNvSpPr>
+          <p:nvPr>
+            <p:ph type="title"/>
+          </p:nvPr>
+        </p:nvSpPr>
+        <p:spPr>
+          <a:xfrm>
+            <a:off x="0" y="325028"/>
+            <a:ext cx="12192000" cy="1143000"/>
+          </a:xfrm>
+        </p:spPr>
+        <p:txBody>
+          <a:bodyPr/>
+          <a:lstStyle/>
+          <a:p>
+            <a:r>
+              <a:rPr lang="en-US" dirty="0">
+                <a:solidFill>
+                  <a:schemeClr val="bg1"/>
+                </a:solidFill>
+              </a:rPr>
+              <a:t>Things to remember</a:t>
+            </a:r>
+          </a:p>
+        </p:txBody>
+      </p:sp>
+    </p:spTree>
+    <p:extLst>
+      <p:ext uri="{BB962C8B-B14F-4D97-AF65-F5344CB8AC3E}">
+        <p14:creationId xmlns:p14="http://schemas.microsoft.com/office/powerpoint/2010/main" val="3930579869"/>
+      </p:ext>
+    </p:extLst>
+  </p:cSld>
+  <p:clrMapOvr>
+    <a:masterClrMapping/>
+  </p:clrMapOvr>
+</p:sld>
+</file>
+
+<file path=ppt/slides/slide20.xml><?xml version="1.0" encoding="utf-8"?>
 <p:sld xmlns:a="http://schemas.openxmlformats.org/drawingml/2006/main" xmlns:r="http://schemas.openxmlformats.org/officeDocument/2006/relationships" xmlns:p="http://schemas.openxmlformats.org/presentationml/2006/main">
   <p:cSld>
     <p:spTree>
@@ -4410,7 +6752,7 @@
 </p:sld>
 </file>
 
-<file path=ppt/slides/slide16.xml><?xml version="1.0" encoding="utf-8"?>
+<file path=ppt/slides/slide21.xml><?xml version="1.0" encoding="utf-8"?>
 <p:sld xmlns:a="http://schemas.openxmlformats.org/drawingml/2006/main" xmlns:r="http://schemas.openxmlformats.org/officeDocument/2006/relationships" xmlns:p="http://schemas.openxmlformats.org/presentationml/2006/main">
   <p:cSld>
     <p:spTree>
@@ -4541,146 +6883,6 @@
     <p:extLst>
       <p:ext uri="{BB962C8B-B14F-4D97-AF65-F5344CB8AC3E}">
         <p14:creationId xmlns:p14="http://schemas.microsoft.com/office/powerpoint/2010/main" val="3046097705"/>
-      </p:ext>
-    </p:extLst>
-  </p:cSld>
-  <p:clrMapOvr>
-    <a:masterClrMapping/>
-  </p:clrMapOvr>
-</p:sld>
-</file>
-
-<file path=ppt/slides/slide2.xml><?xml version="1.0" encoding="utf-8"?>
-<p:sld xmlns:a="http://schemas.openxmlformats.org/drawingml/2006/main" xmlns:r="http://schemas.openxmlformats.org/officeDocument/2006/relationships" xmlns:p="http://schemas.openxmlformats.org/presentationml/2006/main">
-  <p:cSld>
-    <p:spTree>
-      <p:nvGrpSpPr>
-        <p:cNvPr id="1" name=""/>
-        <p:cNvGrpSpPr/>
-        <p:nvPr/>
-      </p:nvGrpSpPr>
-      <p:grpSpPr>
-        <a:xfrm>
-          <a:off x="0" y="0"/>
-          <a:ext cx="0" cy="0"/>
-          <a:chOff x="0" y="0"/>
-          <a:chExt cx="0" cy="0"/>
-        </a:xfrm>
-      </p:grpSpPr>
-      <p:sp>
-        <p:nvSpPr>
-          <p:cNvPr id="2" name="Content Placeholder 1"/>
-          <p:cNvSpPr>
-            <a:spLocks noGrp="1"/>
-          </p:cNvSpPr>
-          <p:nvPr>
-            <p:ph type="body" idx="1"/>
-          </p:nvPr>
-        </p:nvSpPr>
-        <p:spPr/>
-        <p:txBody>
-          <a:bodyPr/>
-          <a:lstStyle/>
-          <a:p>
-            <a:r>
-              <a:rPr lang="en-US" dirty="0"/>
-              <a:t>Coming up next week:</a:t>
-            </a:r>
-          </a:p>
-          <a:p>
-            <a:pPr lvl="1"/>
-            <a:r>
-              <a:rPr lang="en-US" dirty="0"/>
-              <a:t>Weekly review (before class on Tuesday)</a:t>
-            </a:r>
-          </a:p>
-          <a:p>
-            <a:pPr lvl="1"/>
-            <a:r>
-              <a:rPr lang="en-US" dirty="0"/>
-              <a:t>Review slides on </a:t>
-            </a:r>
-            <a:r>
-              <a:rPr lang="en-US" dirty="0" err="1"/>
-              <a:t>github</a:t>
-            </a:r>
-            <a:r>
-              <a:rPr lang="en-US" dirty="0"/>
-              <a:t> for ML Pipelines (for Tuesday)</a:t>
-            </a:r>
-            <a:br>
-              <a:rPr lang="en-US" dirty="0"/>
-            </a:br>
-            <a:endParaRPr lang="en-US" dirty="0"/>
-          </a:p>
-          <a:p>
-            <a:r>
-              <a:rPr lang="en-US" dirty="0"/>
-              <a:t>Group </a:t>
-            </a:r>
-            <a:r>
-              <a:rPr lang="en-US" b="1" dirty="0">
-                <a:solidFill>
-                  <a:srgbClr val="C00000"/>
-                </a:solidFill>
-              </a:rPr>
-              <a:t>project proposal</a:t>
-            </a:r>
-            <a:r>
-              <a:rPr lang="en-US" dirty="0"/>
-              <a:t> due next Friday</a:t>
-            </a:r>
-          </a:p>
-          <a:p>
-            <a:pPr lvl="1"/>
-            <a:r>
-              <a:rPr lang="en-US" dirty="0"/>
-              <a:t>Time for group work on Thursday</a:t>
-            </a:r>
-          </a:p>
-          <a:p>
-            <a:pPr marL="114300" indent="0">
-              <a:buNone/>
-            </a:pPr>
-            <a:endParaRPr lang="en-US" dirty="0"/>
-          </a:p>
-        </p:txBody>
-      </p:sp>
-      <p:sp>
-        <p:nvSpPr>
-          <p:cNvPr id="3" name="Title 2"/>
-          <p:cNvSpPr>
-            <a:spLocks noGrp="1"/>
-          </p:cNvSpPr>
-          <p:nvPr>
-            <p:ph type="title"/>
-          </p:nvPr>
-        </p:nvSpPr>
-        <p:spPr>
-          <a:xfrm>
-            <a:off x="0" y="325028"/>
-            <a:ext cx="12192000" cy="1143000"/>
-          </a:xfrm>
-        </p:spPr>
-        <p:txBody>
-          <a:bodyPr/>
-          <a:lstStyle/>
-          <a:p>
-            <a:r>
-              <a:rPr lang="en-US" dirty="0">
-                <a:solidFill>
-                  <a:schemeClr val="bg1"/>
-                </a:solidFill>
-              </a:rPr>
-              <a:t>Things to remember</a:t>
-            </a:r>
-          </a:p>
-        </p:txBody>
-      </p:sp>
-    </p:spTree>
-    <p:extLst>
-      <p:ext uri="{BB962C8B-B14F-4D97-AF65-F5344CB8AC3E}">
-        <p14:creationId xmlns:p14="http://schemas.microsoft.com/office/powerpoint/2010/main" val="3930579869"/>
       </p:ext>
     </p:extLst>
   </p:cSld>
@@ -5384,31 +7586,6 @@
       </p:grpSpPr>
       <p:sp>
         <p:nvSpPr>
-          <p:cNvPr id="2" name="Text Placeholder 1">
-            <a:extLst>
-              <a:ext uri="{FF2B5EF4-FFF2-40B4-BE49-F238E27FC236}">
-                <a16:creationId xmlns:a16="http://schemas.microsoft.com/office/drawing/2014/main" id="{853D6B69-44D2-D449-B9CE-63D5E2BFE8A0}"/>
-              </a:ext>
-            </a:extLst>
-          </p:cNvPr>
-          <p:cNvSpPr>
-            <a:spLocks noGrp="1"/>
-          </p:cNvSpPr>
-          <p:nvPr>
-            <p:ph type="body" idx="1"/>
-          </p:nvPr>
-        </p:nvSpPr>
-        <p:spPr/>
-        <p:txBody>
-          <a:bodyPr/>
-          <a:lstStyle/>
-          <a:p>
-            <a:endParaRPr lang="en-US"/>
-          </a:p>
-        </p:txBody>
-      </p:sp>
-      <p:sp>
-        <p:nvSpPr>
           <p:cNvPr id="3" name="Title 2">
             <a:extLst>
               <a:ext uri="{FF2B5EF4-FFF2-40B4-BE49-F238E27FC236}">
@@ -5430,15 +7607,447 @@
           <a:p>
             <a:r>
               <a:rPr lang="en-US" dirty="0"/>
-              <a:t>Analytical Formulation Examples</a:t>
-            </a:r>
+              <a:t>Structuring the Analytical Formulation</a:t>
+            </a:r>
+          </a:p>
+        </p:txBody>
+      </p:sp>
+      <p:sp>
+        <p:nvSpPr>
+          <p:cNvPr id="4" name="Google Shape;173;p42">
+            <a:extLst>
+              <a:ext uri="{FF2B5EF4-FFF2-40B4-BE49-F238E27FC236}">
+                <a16:creationId xmlns:a16="http://schemas.microsoft.com/office/drawing/2014/main" id="{11008A05-00C0-7C4B-9E7A-F5D9E79C776A}"/>
+              </a:ext>
+            </a:extLst>
+          </p:cNvPr>
+          <p:cNvSpPr/>
+          <p:nvPr/>
+        </p:nvSpPr>
+        <p:spPr>
+          <a:xfrm>
+            <a:off x="1688840" y="2398130"/>
+            <a:ext cx="2343000" cy="3153300"/>
+          </a:xfrm>
+          <a:prstGeom prst="rect">
+            <a:avLst/>
+          </a:prstGeom>
+          <a:solidFill>
+            <a:schemeClr val="lt2"/>
+          </a:solidFill>
+          <a:ln w="9525" cap="flat" cmpd="sng">
+            <a:solidFill>
+              <a:schemeClr val="dk2"/>
+            </a:solidFill>
+            <a:prstDash val="solid"/>
+            <a:round/>
+            <a:headEnd type="none" w="sm" len="sm"/>
+            <a:tailEnd type="none" w="sm" len="sm"/>
+          </a:ln>
+        </p:spPr>
+        <p:txBody>
+          <a:bodyPr spcFirstLastPara="1" wrap="square" lIns="91425" tIns="91425" rIns="91425" bIns="91425" anchor="ctr" anchorCtr="0">
+            <a:noAutofit/>
+          </a:bodyPr>
+          <a:lstStyle/>
+          <a:p>
+            <a:pPr marL="0" lvl="0" indent="0" algn="l" rtl="0">
+              <a:spcBef>
+                <a:spcPts val="0"/>
+              </a:spcBef>
+              <a:spcAft>
+                <a:spcPts val="0"/>
+              </a:spcAft>
+              <a:buNone/>
+            </a:pPr>
+            <a:endParaRPr/>
+          </a:p>
+        </p:txBody>
+      </p:sp>
+      <p:sp>
+        <p:nvSpPr>
+          <p:cNvPr id="5" name="Google Shape;175;p42">
+            <a:extLst>
+              <a:ext uri="{FF2B5EF4-FFF2-40B4-BE49-F238E27FC236}">
+                <a16:creationId xmlns:a16="http://schemas.microsoft.com/office/drawing/2014/main" id="{A503C09B-93C0-FB43-BCF8-DB719EF203C3}"/>
+              </a:ext>
+            </a:extLst>
+          </p:cNvPr>
+          <p:cNvSpPr txBox="1">
+            <a:spLocks noGrp="1"/>
+          </p:cNvSpPr>
+          <p:nvPr>
+            <p:ph type="body" idx="1"/>
+          </p:nvPr>
+        </p:nvSpPr>
+        <p:spPr>
+          <a:xfrm>
+            <a:off x="4220940" y="2306905"/>
+            <a:ext cx="6398400" cy="3416400"/>
+          </a:xfrm>
+          <a:prstGeom prst="rect">
+            <a:avLst/>
+          </a:prstGeom>
+        </p:spPr>
+        <p:txBody>
+          <a:bodyPr spcFirstLastPara="1" wrap="square" lIns="91425" tIns="91425" rIns="91425" bIns="91425" anchor="t" anchorCtr="0">
+            <a:noAutofit/>
+          </a:bodyPr>
+          <a:lstStyle/>
+          <a:p>
+            <a:pPr marL="0" lvl="0" indent="0" algn="l" rtl="0">
+              <a:spcBef>
+                <a:spcPts val="0"/>
+              </a:spcBef>
+              <a:spcAft>
+                <a:spcPts val="1600"/>
+              </a:spcAft>
+              <a:buNone/>
+            </a:pPr>
+            <a:r>
+              <a:rPr lang="en" sz="2600" dirty="0">
+                <a:solidFill>
+                  <a:srgbClr val="FF0000"/>
+                </a:solidFill>
+              </a:rPr>
+              <a:t>On the 15</a:t>
+            </a:r>
+            <a:r>
+              <a:rPr lang="en" sz="2600" baseline="30000" dirty="0">
+                <a:solidFill>
+                  <a:srgbClr val="FF0000"/>
+                </a:solidFill>
+              </a:rPr>
+              <a:t>th</a:t>
+            </a:r>
+            <a:r>
+              <a:rPr lang="en" sz="2600" dirty="0">
+                <a:solidFill>
+                  <a:srgbClr val="FF0000"/>
+                </a:solidFill>
+              </a:rPr>
+              <a:t> of every month</a:t>
+            </a:r>
+            <a:r>
+              <a:rPr lang="en" sz="2600" dirty="0"/>
+              <a:t>, for </a:t>
+            </a:r>
+            <a:r>
+              <a:rPr lang="en" sz="2600" dirty="0">
+                <a:solidFill>
+                  <a:srgbClr val="0000FF"/>
+                </a:solidFill>
+              </a:rPr>
+              <a:t>all households with children under 2 years old</a:t>
+            </a:r>
+            <a:r>
+              <a:rPr lang="en" sz="2600" dirty="0"/>
+              <a:t>, can we identify the </a:t>
+            </a:r>
+            <a:r>
+              <a:rPr lang="en" sz="2600" dirty="0">
+                <a:solidFill>
+                  <a:srgbClr val="FF00FF"/>
+                </a:solidFill>
+              </a:rPr>
+              <a:t>50 highest risk households</a:t>
+            </a:r>
+            <a:r>
+              <a:rPr lang="en" sz="2600" dirty="0"/>
+              <a:t> who are </a:t>
+            </a:r>
+            <a:r>
+              <a:rPr lang="en" sz="2600" dirty="0">
+                <a:solidFill>
+                  <a:srgbClr val="38761D"/>
+                </a:solidFill>
+              </a:rPr>
+              <a:t>likely to be affected by lead hazards </a:t>
+            </a:r>
+            <a:r>
+              <a:rPr lang="en" sz="2600" dirty="0">
+                <a:solidFill>
+                  <a:srgbClr val="B45F06"/>
+                </a:solidFill>
+              </a:rPr>
+              <a:t>to prioritize for inspection and remediation of lead sources in the following month</a:t>
+            </a:r>
+            <a:r>
+              <a:rPr lang="en" sz="2600" dirty="0"/>
+              <a:t>?</a:t>
+            </a:r>
+            <a:endParaRPr sz="2600" dirty="0"/>
+          </a:p>
+        </p:txBody>
+      </p:sp>
+      <p:sp>
+        <p:nvSpPr>
+          <p:cNvPr id="6" name="Google Shape;176;p42">
+            <a:extLst>
+              <a:ext uri="{FF2B5EF4-FFF2-40B4-BE49-F238E27FC236}">
+                <a16:creationId xmlns:a16="http://schemas.microsoft.com/office/drawing/2014/main" id="{37D6DBA9-5D69-154C-A120-4ADBF03F7CF7}"/>
+              </a:ext>
+            </a:extLst>
+          </p:cNvPr>
+          <p:cNvSpPr txBox="1"/>
+          <p:nvPr/>
+        </p:nvSpPr>
+        <p:spPr>
+          <a:xfrm>
+            <a:off x="1732190" y="2398130"/>
+            <a:ext cx="2256300" cy="597000"/>
+          </a:xfrm>
+          <a:prstGeom prst="rect">
+            <a:avLst/>
+          </a:prstGeom>
+          <a:noFill/>
+          <a:ln>
+            <a:noFill/>
+          </a:ln>
+        </p:spPr>
+        <p:txBody>
+          <a:bodyPr spcFirstLastPara="1" wrap="square" lIns="91425" tIns="91425" rIns="91425" bIns="91425" anchor="t" anchorCtr="0">
+            <a:noAutofit/>
+          </a:bodyPr>
+          <a:lstStyle/>
+          <a:p>
+            <a:pPr marL="0" lvl="0" indent="0" algn="l" rtl="0">
+              <a:spcBef>
+                <a:spcPts val="0"/>
+              </a:spcBef>
+              <a:spcAft>
+                <a:spcPts val="0"/>
+              </a:spcAft>
+              <a:buNone/>
+            </a:pPr>
+            <a:r>
+              <a:rPr lang="en">
+                <a:solidFill>
+                  <a:srgbClr val="FF0000"/>
+                </a:solidFill>
+              </a:rPr>
+              <a:t>How often is the recommendation/decision being made?</a:t>
+            </a:r>
+            <a:endParaRPr>
+              <a:solidFill>
+                <a:srgbClr val="FF0000"/>
+              </a:solidFill>
+            </a:endParaRPr>
+          </a:p>
+        </p:txBody>
+      </p:sp>
+      <p:sp>
+        <p:nvSpPr>
+          <p:cNvPr id="7" name="Google Shape;177;p42">
+            <a:extLst>
+              <a:ext uri="{FF2B5EF4-FFF2-40B4-BE49-F238E27FC236}">
+                <a16:creationId xmlns:a16="http://schemas.microsoft.com/office/drawing/2014/main" id="{6A2D549C-59C2-0340-9130-F3B04EEF3F59}"/>
+              </a:ext>
+            </a:extLst>
+          </p:cNvPr>
+          <p:cNvSpPr txBox="1"/>
+          <p:nvPr/>
+        </p:nvSpPr>
+        <p:spPr>
+          <a:xfrm>
+            <a:off x="1736040" y="3275280"/>
+            <a:ext cx="2256300" cy="597000"/>
+          </a:xfrm>
+          <a:prstGeom prst="rect">
+            <a:avLst/>
+          </a:prstGeom>
+          <a:noFill/>
+          <a:ln>
+            <a:noFill/>
+          </a:ln>
+        </p:spPr>
+        <p:txBody>
+          <a:bodyPr spcFirstLastPara="1" wrap="square" lIns="91425" tIns="91425" rIns="91425" bIns="91425" anchor="t" anchorCtr="0">
+            <a:noAutofit/>
+          </a:bodyPr>
+          <a:lstStyle/>
+          <a:p>
+            <a:pPr marL="0" lvl="0" indent="0" algn="l" rtl="0">
+              <a:spcBef>
+                <a:spcPts val="0"/>
+              </a:spcBef>
+              <a:spcAft>
+                <a:spcPts val="0"/>
+              </a:spcAft>
+              <a:buNone/>
+            </a:pPr>
+            <a:r>
+              <a:rPr lang="en">
+                <a:solidFill>
+                  <a:srgbClr val="0000FF"/>
+                </a:solidFill>
+              </a:rPr>
+              <a:t>Who/what is included in the cohort?</a:t>
+            </a:r>
+            <a:endParaRPr>
+              <a:solidFill>
+                <a:srgbClr val="0000FF"/>
+              </a:solidFill>
+            </a:endParaRPr>
+          </a:p>
+        </p:txBody>
+      </p:sp>
+      <p:sp>
+        <p:nvSpPr>
+          <p:cNvPr id="8" name="Google Shape;178;p42">
+            <a:extLst>
+              <a:ext uri="{FF2B5EF4-FFF2-40B4-BE49-F238E27FC236}">
+                <a16:creationId xmlns:a16="http://schemas.microsoft.com/office/drawing/2014/main" id="{A7B784C6-E226-7546-90BA-7A3243A70F6B}"/>
+              </a:ext>
+            </a:extLst>
+          </p:cNvPr>
+          <p:cNvSpPr txBox="1"/>
+          <p:nvPr/>
+        </p:nvSpPr>
+        <p:spPr>
+          <a:xfrm>
+            <a:off x="1736040" y="3923830"/>
+            <a:ext cx="2256300" cy="597000"/>
+          </a:xfrm>
+          <a:prstGeom prst="rect">
+            <a:avLst/>
+          </a:prstGeom>
+          <a:noFill/>
+          <a:ln>
+            <a:noFill/>
+          </a:ln>
+        </p:spPr>
+        <p:txBody>
+          <a:bodyPr spcFirstLastPara="1" wrap="square" lIns="91425" tIns="91425" rIns="91425" bIns="91425" anchor="t" anchorCtr="0">
+            <a:noAutofit/>
+          </a:bodyPr>
+          <a:lstStyle/>
+          <a:p>
+            <a:pPr marL="0" lvl="0" indent="0" algn="l" rtl="0">
+              <a:spcBef>
+                <a:spcPts val="0"/>
+              </a:spcBef>
+              <a:spcAft>
+                <a:spcPts val="0"/>
+              </a:spcAft>
+              <a:buNone/>
+            </a:pPr>
+            <a:r>
+              <a:rPr lang="en">
+                <a:solidFill>
+                  <a:srgbClr val="FF00FF"/>
+                </a:solidFill>
+              </a:rPr>
+              <a:t>What is the output?</a:t>
+            </a:r>
+            <a:endParaRPr>
+              <a:solidFill>
+                <a:srgbClr val="FF00FF"/>
+              </a:solidFill>
+            </a:endParaRPr>
+          </a:p>
+        </p:txBody>
+      </p:sp>
+      <p:sp>
+        <p:nvSpPr>
+          <p:cNvPr id="9" name="Google Shape;179;p42">
+            <a:extLst>
+              <a:ext uri="{FF2B5EF4-FFF2-40B4-BE49-F238E27FC236}">
+                <a16:creationId xmlns:a16="http://schemas.microsoft.com/office/drawing/2014/main" id="{0D4F98CB-D85C-3F48-A552-B472AA7D6F71}"/>
+              </a:ext>
+            </a:extLst>
+          </p:cNvPr>
+          <p:cNvSpPr txBox="1"/>
+          <p:nvPr/>
+        </p:nvSpPr>
+        <p:spPr>
+          <a:xfrm>
+            <a:off x="1732190" y="4444630"/>
+            <a:ext cx="2256300" cy="1106700"/>
+          </a:xfrm>
+          <a:prstGeom prst="rect">
+            <a:avLst/>
+          </a:prstGeom>
+          <a:noFill/>
+          <a:ln>
+            <a:noFill/>
+          </a:ln>
+        </p:spPr>
+        <p:txBody>
+          <a:bodyPr spcFirstLastPara="1" wrap="square" lIns="91425" tIns="91425" rIns="91425" bIns="91425" anchor="t" anchorCtr="0">
+            <a:noAutofit/>
+          </a:bodyPr>
+          <a:lstStyle/>
+          <a:p>
+            <a:pPr marL="0" lvl="0" indent="0" algn="l" rtl="0">
+              <a:spcBef>
+                <a:spcPts val="0"/>
+              </a:spcBef>
+              <a:spcAft>
+                <a:spcPts val="0"/>
+              </a:spcAft>
+              <a:buNone/>
+            </a:pPr>
+            <a:r>
+              <a:rPr lang="en">
+                <a:solidFill>
+                  <a:srgbClr val="274E13"/>
+                </a:solidFill>
+              </a:rPr>
+              <a:t>What outcome are you predicting/estimating?</a:t>
+            </a:r>
+            <a:endParaRPr>
+              <a:solidFill>
+                <a:srgbClr val="274E13"/>
+              </a:solidFill>
+            </a:endParaRPr>
+          </a:p>
+          <a:p>
+            <a:pPr marL="0" lvl="0" indent="0" algn="l" rtl="0">
+              <a:spcBef>
+                <a:spcPts val="0"/>
+              </a:spcBef>
+              <a:spcAft>
+                <a:spcPts val="0"/>
+              </a:spcAft>
+              <a:buNone/>
+            </a:pPr>
+            <a:endParaRPr>
+              <a:solidFill>
+                <a:srgbClr val="274E13"/>
+              </a:solidFill>
+            </a:endParaRPr>
+          </a:p>
+          <a:p>
+            <a:pPr marL="0" lvl="0" indent="0" algn="l" rtl="0">
+              <a:spcBef>
+                <a:spcPts val="0"/>
+              </a:spcBef>
+              <a:spcAft>
+                <a:spcPts val="0"/>
+              </a:spcAft>
+              <a:buNone/>
+            </a:pPr>
+            <a:r>
+              <a:rPr lang="en">
+                <a:solidFill>
+                  <a:srgbClr val="B45F06"/>
+                </a:solidFill>
+              </a:rPr>
+              <a:t>For what purpose?</a:t>
+            </a:r>
+            <a:endParaRPr>
+              <a:solidFill>
+                <a:srgbClr val="274E13"/>
+              </a:solidFill>
+            </a:endParaRPr>
           </a:p>
         </p:txBody>
       </p:sp>
     </p:spTree>
     <p:extLst>
       <p:ext uri="{BB962C8B-B14F-4D97-AF65-F5344CB8AC3E}">
-        <p14:creationId xmlns:p14="http://schemas.microsoft.com/office/powerpoint/2010/main" val="821576765"/>
+        <p14:creationId xmlns:p14="http://schemas.microsoft.com/office/powerpoint/2010/main" val="291322464"/>
       </p:ext>
     </p:extLst>
   </p:cSld>

--- a/03 - Data Exploration, Analytical Formulation, and Baselines/formulation-and-baselines.pptx
+++ b/03 - Data Exploration, Analytical Formulation, and Baselines/formulation-and-baselines.pptx
@@ -266,7 +266,7 @@
       <p15:sldGuideLst xmlns:p15="http://schemas.microsoft.com/office/powerpoint/2012/main"/>
     </p:ext>
     <p:ext uri="http://customooxmlschemas.google.com/">
-      <go:slidesCustomData xmlns:go="http://customooxmlschemas.google.com/" xmlns:p15="http://schemas.microsoft.com/office/powerpoint/2012/main" xmlns:p14="http://schemas.microsoft.com/office/powerpoint/2010/main" xmlns:com="http://schemas.openxmlformats.org/drawingml/2006/compatibility" xmlns:pvml="urn:schemas-microsoft-com:office:powerpoint" xmlns:v="urn:schemas-microsoft-com:vml" xmlns:o="urn:schemas-microsoft-com:office:office" xmlns:dgm="http://schemas.openxmlformats.org/drawingml/2006/diagram" xmlns:c="http://schemas.openxmlformats.org/drawingml/2006/chart" xmlns:mv="urn:schemas-microsoft-com:mac:vml" xmlns:mc="http://schemas.openxmlformats.org/markup-compatibility/2006" xmlns="" r:id="rId30" roundtripDataSignature="AMtx7mjFyVUGRZWio+dc9dxzYsimUxNJbg=="/>
+      <go:slidesCustomData xmlns="" xmlns:mc="http://schemas.openxmlformats.org/markup-compatibility/2006" xmlns:mv="urn:schemas-microsoft-com:mac:vml" xmlns:c="http://schemas.openxmlformats.org/drawingml/2006/chart" xmlns:dgm="http://schemas.openxmlformats.org/drawingml/2006/diagram" xmlns:o="urn:schemas-microsoft-com:office:office" xmlns:v="urn:schemas-microsoft-com:vml" xmlns:pvml="urn:schemas-microsoft-com:office:powerpoint" xmlns:com="http://schemas.openxmlformats.org/drawingml/2006/compatibility" xmlns:p14="http://schemas.microsoft.com/office/powerpoint/2010/main" xmlns:p15="http://schemas.microsoft.com/office/powerpoint/2012/main" xmlns:go="http://customooxmlschemas.google.com/" r:id="rId30" roundtripDataSignature="AMtx7mjFyVUGRZWio+dc9dxzYsimUxNJbg=="/>
     </p:ext>
   </p:extLst>
 </p:presentation>
@@ -7738,7 +7738,15 @@
                   <a:srgbClr val="0000FF"/>
                 </a:solidFill>
               </a:rPr>
-              <a:t>all households with children under 2 years old</a:t>
+              <a:t>all households with children under </a:t>
+            </a:r>
+            <a:r>
+              <a:rPr lang="en" sz="2600">
+                <a:solidFill>
+                  <a:srgbClr val="0000FF"/>
+                </a:solidFill>
+              </a:rPr>
+              <a:t>3 months old</a:t>
             </a:r>
             <a:r>
               <a:rPr lang="en" sz="2600" dirty="0"/>
